--- a/2-2 Plan for Your ChatBot.pptx
+++ b/2-2 Plan for Your ChatBot.pptx
@@ -202,7 +202,7 @@
           <a:p>
             <a:fld id="{82604E9E-60DE-417E-849E-2CDE7F357628}" type="datetimeFigureOut">
               <a:rPr lang="en-US" smtClean="0"/>
-              <a:t>7/25/2017</a:t>
+              <a:t>7/26/2017</a:t>
             </a:fld>
             <a:endParaRPr lang="en-US"/>
           </a:p>
@@ -717,7 +717,7 @@
           <a:p>
             <a:fld id="{0D913C1F-5111-45C8-8646-4E60C4FCFD33}" type="datetime1">
               <a:rPr lang="en-US" smtClean="0"/>
-              <a:t>7/25/2017</a:t>
+              <a:t>7/26/2017</a:t>
             </a:fld>
             <a:endParaRPr lang="en-US"/>
           </a:p>
@@ -892,7 +892,7 @@
           <a:p>
             <a:fld id="{D3A57730-C926-45F0-9361-C8E6CC7EFAB1}" type="datetime1">
               <a:rPr lang="en-US" smtClean="0"/>
-              <a:t>7/25/2017</a:t>
+              <a:t>7/26/2017</a:t>
             </a:fld>
             <a:endParaRPr lang="en-US"/>
           </a:p>
@@ -1072,7 +1072,7 @@
           <a:p>
             <a:fld id="{72F94769-6EA4-484E-8E33-A5D2CCD7F3B4}" type="datetime1">
               <a:rPr lang="en-US" smtClean="0"/>
-              <a:t>7/25/2017</a:t>
+              <a:t>7/26/2017</a:t>
             </a:fld>
             <a:endParaRPr lang="en-US"/>
           </a:p>
@@ -1242,7 +1242,7 @@
           <a:p>
             <a:fld id="{875CDD8C-CF5A-4DB3-98F8-3A2639B39FE9}" type="datetime1">
               <a:rPr lang="en-US" smtClean="0"/>
-              <a:t>7/25/2017</a:t>
+              <a:t>7/26/2017</a:t>
             </a:fld>
             <a:endParaRPr lang="en-US"/>
           </a:p>
@@ -1510,7 +1510,7 @@
           <a:p>
             <a:fld id="{73567B6B-69B5-4721-8DDE-4EEC9B6DCE0D}" type="datetime1">
               <a:rPr lang="en-US" smtClean="0"/>
-              <a:t>7/25/2017</a:t>
+              <a:t>7/26/2017</a:t>
             </a:fld>
             <a:endParaRPr lang="en-US"/>
           </a:p>
@@ -1742,7 +1742,7 @@
           <a:p>
             <a:fld id="{98DD2B97-22CE-4922-9B75-1DD88489AFD6}" type="datetime1">
               <a:rPr lang="en-US" smtClean="0"/>
-              <a:t>7/25/2017</a:t>
+              <a:t>7/26/2017</a:t>
             </a:fld>
             <a:endParaRPr lang="en-US"/>
           </a:p>
@@ -2101,7 +2101,7 @@
           <a:p>
             <a:fld id="{71335CB9-B160-4C99-9B3C-64E62B2B8AA1}" type="datetime1">
               <a:rPr lang="en-US" smtClean="0"/>
-              <a:t>7/25/2017</a:t>
+              <a:t>7/26/2017</a:t>
             </a:fld>
             <a:endParaRPr lang="en-US"/>
           </a:p>
@@ -2242,7 +2242,7 @@
           <a:p>
             <a:fld id="{AB5FD2A9-980D-4792-8107-6837CF22CACC}" type="datetime1">
               <a:rPr lang="en-US" smtClean="0"/>
-              <a:t>7/25/2017</a:t>
+              <a:t>7/26/2017</a:t>
             </a:fld>
             <a:endParaRPr lang="en-US"/>
           </a:p>
@@ -2337,7 +2337,7 @@
           <a:p>
             <a:fld id="{AE49ADA3-5F6C-44F2-923F-B96DDB41268F}" type="datetime1">
               <a:rPr lang="en-US" smtClean="0"/>
-              <a:t>7/25/2017</a:t>
+              <a:t>7/26/2017</a:t>
             </a:fld>
             <a:endParaRPr lang="en-US"/>
           </a:p>
@@ -2694,7 +2694,7 @@
           <a:p>
             <a:fld id="{CD641920-CFA1-454E-AD47-3EEEB5605BD0}" type="datetime1">
               <a:rPr lang="en-US" smtClean="0"/>
-              <a:t>7/25/2017</a:t>
+              <a:t>7/26/2017</a:t>
             </a:fld>
             <a:endParaRPr lang="en-US"/>
           </a:p>
@@ -3051,7 +3051,7 @@
           <a:p>
             <a:fld id="{F3A5C466-8A77-4A43-A9E6-B875AC354BDD}" type="datetime1">
               <a:rPr lang="en-US" smtClean="0"/>
-              <a:t>7/25/2017</a:t>
+              <a:t>7/26/2017</a:t>
             </a:fld>
             <a:endParaRPr lang="en-US"/>
           </a:p>
@@ -3292,7 +3292,7 @@
           <a:p>
             <a:fld id="{8C1F079E-EE37-4F70-8A6F-71D0624FBE44}" type="datetime1">
               <a:rPr lang="en-US" smtClean="0"/>
-              <a:t>7/25/2017</a:t>
+              <a:t>7/26/2017</a:t>
             </a:fld>
             <a:endParaRPr lang="en-US"/>
           </a:p>
@@ -3763,8 +3763,8 @@
         </p:nvSpPr>
         <p:spPr>
           <a:xfrm>
-            <a:off x="1631572" y="2386744"/>
-            <a:ext cx="8928857" cy="1645920"/>
+            <a:off x="2034986" y="1850296"/>
+            <a:ext cx="8122028" cy="1645920"/>
           </a:xfrm>
         </p:spPr>
         <p:txBody>
@@ -3786,7 +3786,7 @@
             </a:br>
             <a:r>
               <a:rPr lang="en-US" dirty="0"/>
-              <a:t>2-2 Plan for Your </a:t>
+              <a:t>2-2 Plan Your </a:t>
             </a:r>
             <a:r>
               <a:rPr lang="en-US" dirty="0" err="1"/>
@@ -3946,7 +3946,7 @@
           <a:bodyPr/>
           <a:lstStyle/>
           <a:p>
-            <a:endParaRPr lang="en-US"/>
+            <a:endParaRPr lang="en-US" dirty="0"/>
           </a:p>
         </p:txBody>
       </p:sp>

--- a/2-2 Plan for Your ChatBot.pptx
+++ b/2-2 Plan for Your ChatBot.pptx
@@ -5,11 +5,13 @@
     <p:sldMasterId id="2147483660" r:id="rId1"/>
   </p:sldMasterIdLst>
   <p:notesMasterIdLst>
-    <p:notesMasterId r:id="rId4"/>
+    <p:notesMasterId r:id="rId6"/>
   </p:notesMasterIdLst>
   <p:sldIdLst>
     <p:sldId id="256" r:id="rId2"/>
     <p:sldId id="273" r:id="rId3"/>
+    <p:sldId id="274" r:id="rId4"/>
+    <p:sldId id="275" r:id="rId5"/>
   </p:sldIdLst>
   <p:sldSz cx="12192000" cy="6858000"/>
   <p:notesSz cx="6858000" cy="9144000"/>
@@ -120,6 +122,6580 @@
 <p1510:revInfo xmlns:a="http://schemas.openxmlformats.org/drawingml/2006/main" xmlns:r="http://schemas.openxmlformats.org/officeDocument/2006/relationships" xmlns:p1510="http://schemas.microsoft.com/office/powerpoint/2015/10/main"/>
 </file>
 
+<file path=ppt/diagrams/colors1.xml><?xml version="1.0" encoding="utf-8"?>
+<dgm:colorsDef xmlns:dgm="http://schemas.openxmlformats.org/drawingml/2006/diagram" xmlns:a="http://schemas.openxmlformats.org/drawingml/2006/main" uniqueId="urn:microsoft.com/office/officeart/2005/8/colors/colorful3">
+  <dgm:title val=""/>
+  <dgm:desc val=""/>
+  <dgm:catLst>
+    <dgm:cat type="colorful" pri="10300"/>
+  </dgm:catLst>
+  <dgm:styleLbl name="node0">
+    <dgm:fillClrLst meth="repeat">
+      <a:schemeClr val="accent2"/>
+    </dgm:fillClrLst>
+    <dgm:linClrLst meth="repeat">
+      <a:schemeClr val="lt1"/>
+    </dgm:linClrLst>
+    <dgm:effectClrLst/>
+    <dgm:txLinClrLst/>
+    <dgm:txFillClrLst/>
+    <dgm:txEffectClrLst/>
+  </dgm:styleLbl>
+  <dgm:styleLbl name="node1">
+    <dgm:fillClrLst>
+      <a:schemeClr val="accent3"/>
+      <a:schemeClr val="accent4"/>
+    </dgm:fillClrLst>
+    <dgm:linClrLst meth="repeat">
+      <a:schemeClr val="lt1"/>
+    </dgm:linClrLst>
+    <dgm:effectClrLst/>
+    <dgm:txLinClrLst/>
+    <dgm:txFillClrLst/>
+    <dgm:txEffectClrLst/>
+  </dgm:styleLbl>
+  <dgm:styleLbl name="alignNode1">
+    <dgm:fillClrLst>
+      <a:schemeClr val="accent3"/>
+      <a:schemeClr val="accent4"/>
+    </dgm:fillClrLst>
+    <dgm:linClrLst>
+      <a:schemeClr val="accent3"/>
+      <a:schemeClr val="accent4"/>
+    </dgm:linClrLst>
+    <dgm:effectClrLst/>
+    <dgm:txLinClrLst/>
+    <dgm:txFillClrLst/>
+    <dgm:txEffectClrLst/>
+  </dgm:styleLbl>
+  <dgm:styleLbl name="lnNode1">
+    <dgm:fillClrLst>
+      <a:schemeClr val="accent3"/>
+      <a:schemeClr val="accent4"/>
+    </dgm:fillClrLst>
+    <dgm:linClrLst meth="repeat">
+      <a:schemeClr val="lt1"/>
+    </dgm:linClrLst>
+    <dgm:effectClrLst/>
+    <dgm:txLinClrLst/>
+    <dgm:txFillClrLst/>
+    <dgm:txEffectClrLst/>
+  </dgm:styleLbl>
+  <dgm:styleLbl name="vennNode1">
+    <dgm:fillClrLst>
+      <a:schemeClr val="accent3">
+        <a:alpha val="50000"/>
+      </a:schemeClr>
+      <a:schemeClr val="accent4">
+        <a:alpha val="50000"/>
+      </a:schemeClr>
+    </dgm:fillClrLst>
+    <dgm:linClrLst meth="repeat">
+      <a:schemeClr val="lt1"/>
+    </dgm:linClrLst>
+    <dgm:effectClrLst/>
+    <dgm:txLinClrLst/>
+    <dgm:txFillClrLst/>
+    <dgm:txEffectClrLst/>
+  </dgm:styleLbl>
+  <dgm:styleLbl name="node2">
+    <dgm:fillClrLst>
+      <a:schemeClr val="accent4"/>
+    </dgm:fillClrLst>
+    <dgm:linClrLst meth="repeat">
+      <a:schemeClr val="lt1"/>
+    </dgm:linClrLst>
+    <dgm:effectClrLst/>
+    <dgm:txLinClrLst/>
+    <dgm:txFillClrLst/>
+    <dgm:txEffectClrLst/>
+  </dgm:styleLbl>
+  <dgm:styleLbl name="node3">
+    <dgm:fillClrLst>
+      <a:schemeClr val="accent5"/>
+    </dgm:fillClrLst>
+    <dgm:linClrLst meth="repeat">
+      <a:schemeClr val="lt1"/>
+    </dgm:linClrLst>
+    <dgm:effectClrLst/>
+    <dgm:txLinClrLst/>
+    <dgm:txFillClrLst/>
+    <dgm:txEffectClrLst/>
+  </dgm:styleLbl>
+  <dgm:styleLbl name="node4">
+    <dgm:fillClrLst>
+      <a:schemeClr val="accent6"/>
+    </dgm:fillClrLst>
+    <dgm:linClrLst meth="repeat">
+      <a:schemeClr val="lt1"/>
+    </dgm:linClrLst>
+    <dgm:effectClrLst/>
+    <dgm:txLinClrLst/>
+    <dgm:txFillClrLst/>
+    <dgm:txEffectClrLst/>
+  </dgm:styleLbl>
+  <dgm:styleLbl name="fgImgPlace1">
+    <dgm:fillClrLst>
+      <a:schemeClr val="accent3">
+        <a:tint val="50000"/>
+      </a:schemeClr>
+      <a:schemeClr val="accent4">
+        <a:tint val="50000"/>
+      </a:schemeClr>
+    </dgm:fillClrLst>
+    <dgm:linClrLst meth="repeat">
+      <a:schemeClr val="lt1"/>
+    </dgm:linClrLst>
+    <dgm:effectClrLst/>
+    <dgm:txLinClrLst/>
+    <dgm:txFillClrLst meth="repeat">
+      <a:schemeClr val="lt1"/>
+    </dgm:txFillClrLst>
+    <dgm:txEffectClrLst/>
+  </dgm:styleLbl>
+  <dgm:styleLbl name="alignImgPlace1">
+    <dgm:fillClrLst>
+      <a:schemeClr val="accent3">
+        <a:tint val="50000"/>
+      </a:schemeClr>
+      <a:schemeClr val="accent4">
+        <a:tint val="20000"/>
+      </a:schemeClr>
+    </dgm:fillClrLst>
+    <dgm:linClrLst meth="repeat">
+      <a:schemeClr val="lt1"/>
+    </dgm:linClrLst>
+    <dgm:effectClrLst/>
+    <dgm:txLinClrLst/>
+    <dgm:txFillClrLst meth="repeat">
+      <a:schemeClr val="lt1"/>
+    </dgm:txFillClrLst>
+    <dgm:txEffectClrLst/>
+  </dgm:styleLbl>
+  <dgm:styleLbl name="bgImgPlace1">
+    <dgm:fillClrLst>
+      <a:schemeClr val="accent3">
+        <a:tint val="50000"/>
+      </a:schemeClr>
+      <a:schemeClr val="accent4">
+        <a:tint val="20000"/>
+      </a:schemeClr>
+    </dgm:fillClrLst>
+    <dgm:linClrLst meth="repeat">
+      <a:schemeClr val="lt1"/>
+    </dgm:linClrLst>
+    <dgm:effectClrLst/>
+    <dgm:txLinClrLst/>
+    <dgm:txFillClrLst meth="repeat">
+      <a:schemeClr val="lt1"/>
+    </dgm:txFillClrLst>
+    <dgm:txEffectClrLst/>
+  </dgm:styleLbl>
+  <dgm:styleLbl name="sibTrans2D1">
+    <dgm:fillClrLst>
+      <a:schemeClr val="accent3"/>
+      <a:schemeClr val="accent4"/>
+    </dgm:fillClrLst>
+    <dgm:linClrLst meth="repeat">
+      <a:schemeClr val="lt1"/>
+    </dgm:linClrLst>
+    <dgm:effectClrLst/>
+    <dgm:txLinClrLst/>
+    <dgm:txFillClrLst/>
+    <dgm:txEffectClrLst/>
+  </dgm:styleLbl>
+  <dgm:styleLbl name="fgSibTrans2D1">
+    <dgm:fillClrLst>
+      <a:schemeClr val="accent3"/>
+      <a:schemeClr val="accent4"/>
+    </dgm:fillClrLst>
+    <dgm:linClrLst meth="repeat">
+      <a:schemeClr val="lt1"/>
+    </dgm:linClrLst>
+    <dgm:effectClrLst/>
+    <dgm:txLinClrLst/>
+    <dgm:txFillClrLst meth="repeat">
+      <a:schemeClr val="lt1"/>
+    </dgm:txFillClrLst>
+    <dgm:txEffectClrLst/>
+  </dgm:styleLbl>
+  <dgm:styleLbl name="bgSibTrans2D1">
+    <dgm:fillClrLst>
+      <a:schemeClr val="accent3"/>
+      <a:schemeClr val="accent4"/>
+    </dgm:fillClrLst>
+    <dgm:linClrLst meth="repeat">
+      <a:schemeClr val="lt1"/>
+    </dgm:linClrLst>
+    <dgm:effectClrLst/>
+    <dgm:txLinClrLst/>
+    <dgm:txFillClrLst meth="repeat">
+      <a:schemeClr val="lt1"/>
+    </dgm:txFillClrLst>
+    <dgm:txEffectClrLst/>
+  </dgm:styleLbl>
+  <dgm:styleLbl name="sibTrans1D1">
+    <dgm:fillClrLst/>
+    <dgm:linClrLst>
+      <a:schemeClr val="accent3"/>
+      <a:schemeClr val="accent4"/>
+    </dgm:linClrLst>
+    <dgm:effectClrLst/>
+    <dgm:txLinClrLst/>
+    <dgm:txFillClrLst meth="repeat">
+      <a:schemeClr val="tx1"/>
+    </dgm:txFillClrLst>
+    <dgm:txEffectClrLst/>
+  </dgm:styleLbl>
+  <dgm:styleLbl name="callout">
+    <dgm:fillClrLst meth="repeat">
+      <a:schemeClr val="accent3"/>
+    </dgm:fillClrLst>
+    <dgm:linClrLst meth="repeat">
+      <a:schemeClr val="accent3">
+        <a:tint val="50000"/>
+      </a:schemeClr>
+    </dgm:linClrLst>
+    <dgm:effectClrLst/>
+    <dgm:txLinClrLst/>
+    <dgm:txFillClrLst meth="repeat">
+      <a:schemeClr val="tx1"/>
+    </dgm:txFillClrLst>
+    <dgm:txEffectClrLst/>
+  </dgm:styleLbl>
+  <dgm:styleLbl name="asst0">
+    <dgm:fillClrLst meth="repeat">
+      <a:schemeClr val="accent3"/>
+    </dgm:fillClrLst>
+    <dgm:linClrLst meth="repeat">
+      <a:schemeClr val="lt1">
+        <a:shade val="80000"/>
+      </a:schemeClr>
+    </dgm:linClrLst>
+    <dgm:effectClrLst/>
+    <dgm:txLinClrLst/>
+    <dgm:txFillClrLst/>
+    <dgm:txEffectClrLst/>
+  </dgm:styleLbl>
+  <dgm:styleLbl name="asst1">
+    <dgm:fillClrLst meth="repeat">
+      <a:schemeClr val="accent4"/>
+    </dgm:fillClrLst>
+    <dgm:linClrLst meth="repeat">
+      <a:schemeClr val="lt1">
+        <a:shade val="80000"/>
+      </a:schemeClr>
+    </dgm:linClrLst>
+    <dgm:effectClrLst/>
+    <dgm:txLinClrLst/>
+    <dgm:txFillClrLst/>
+    <dgm:txEffectClrLst/>
+  </dgm:styleLbl>
+  <dgm:styleLbl name="asst2">
+    <dgm:fillClrLst>
+      <a:schemeClr val="accent5"/>
+    </dgm:fillClrLst>
+    <dgm:linClrLst meth="repeat">
+      <a:schemeClr val="lt1"/>
+    </dgm:linClrLst>
+    <dgm:effectClrLst/>
+    <dgm:txLinClrLst/>
+    <dgm:txFillClrLst/>
+    <dgm:txEffectClrLst/>
+  </dgm:styleLbl>
+  <dgm:styleLbl name="asst3">
+    <dgm:fillClrLst>
+      <a:schemeClr val="accent6"/>
+    </dgm:fillClrLst>
+    <dgm:linClrLst meth="repeat">
+      <a:schemeClr val="lt1"/>
+    </dgm:linClrLst>
+    <dgm:effectClrLst/>
+    <dgm:txLinClrLst/>
+    <dgm:txFillClrLst/>
+    <dgm:txEffectClrLst/>
+  </dgm:styleLbl>
+  <dgm:styleLbl name="asst4">
+    <dgm:fillClrLst>
+      <a:schemeClr val="accent1"/>
+    </dgm:fillClrLst>
+    <dgm:linClrLst meth="repeat">
+      <a:schemeClr val="lt1"/>
+    </dgm:linClrLst>
+    <dgm:effectClrLst/>
+    <dgm:txLinClrLst/>
+    <dgm:txFillClrLst/>
+    <dgm:txEffectClrLst/>
+  </dgm:styleLbl>
+  <dgm:styleLbl name="parChTrans2D1">
+    <dgm:fillClrLst meth="repeat">
+      <a:schemeClr val="accent2"/>
+    </dgm:fillClrLst>
+    <dgm:linClrLst meth="repeat">
+      <a:schemeClr val="lt1"/>
+    </dgm:linClrLst>
+    <dgm:effectClrLst/>
+    <dgm:txLinClrLst/>
+    <dgm:txFillClrLst meth="repeat">
+      <a:schemeClr val="lt1"/>
+    </dgm:txFillClrLst>
+    <dgm:txEffectClrLst/>
+  </dgm:styleLbl>
+  <dgm:styleLbl name="parChTrans2D2">
+    <dgm:fillClrLst meth="repeat">
+      <a:schemeClr val="accent3"/>
+    </dgm:fillClrLst>
+    <dgm:linClrLst meth="repeat">
+      <a:schemeClr val="lt1"/>
+    </dgm:linClrLst>
+    <dgm:effectClrLst/>
+    <dgm:txLinClrLst/>
+    <dgm:txFillClrLst/>
+    <dgm:txEffectClrLst/>
+  </dgm:styleLbl>
+  <dgm:styleLbl name="parChTrans2D3">
+    <dgm:fillClrLst meth="repeat">
+      <a:schemeClr val="accent4"/>
+    </dgm:fillClrLst>
+    <dgm:linClrLst meth="repeat">
+      <a:schemeClr val="lt1"/>
+    </dgm:linClrLst>
+    <dgm:effectClrLst/>
+    <dgm:txLinClrLst/>
+    <dgm:txFillClrLst/>
+    <dgm:txEffectClrLst/>
+  </dgm:styleLbl>
+  <dgm:styleLbl name="parChTrans2D4">
+    <dgm:fillClrLst meth="repeat">
+      <a:schemeClr val="accent5"/>
+    </dgm:fillClrLst>
+    <dgm:linClrLst meth="repeat">
+      <a:schemeClr val="lt1"/>
+    </dgm:linClrLst>
+    <dgm:effectClrLst/>
+    <dgm:txLinClrLst/>
+    <dgm:txFillClrLst meth="repeat">
+      <a:schemeClr val="lt1"/>
+    </dgm:txFillClrLst>
+    <dgm:txEffectClrLst/>
+  </dgm:styleLbl>
+  <dgm:styleLbl name="parChTrans1D1">
+    <dgm:fillClrLst meth="repeat">
+      <a:schemeClr val="accent3"/>
+    </dgm:fillClrLst>
+    <dgm:linClrLst meth="repeat">
+      <a:schemeClr val="accent3"/>
+    </dgm:linClrLst>
+    <dgm:effectClrLst/>
+    <dgm:txLinClrLst/>
+    <dgm:txFillClrLst meth="repeat">
+      <a:schemeClr val="tx1"/>
+    </dgm:txFillClrLst>
+    <dgm:txEffectClrLst/>
+  </dgm:styleLbl>
+  <dgm:styleLbl name="parChTrans1D2">
+    <dgm:fillClrLst meth="repeat">
+      <a:schemeClr val="accent2">
+        <a:tint val="90000"/>
+      </a:schemeClr>
+    </dgm:fillClrLst>
+    <dgm:linClrLst meth="repeat">
+      <a:schemeClr val="accent4"/>
+    </dgm:linClrLst>
+    <dgm:effectClrLst/>
+    <dgm:txLinClrLst/>
+    <dgm:txFillClrLst meth="repeat">
+      <a:schemeClr val="tx1"/>
+    </dgm:txFillClrLst>
+    <dgm:txEffectClrLst/>
+  </dgm:styleLbl>
+  <dgm:styleLbl name="parChTrans1D3">
+    <dgm:fillClrLst meth="repeat">
+      <a:schemeClr val="accent2">
+        <a:tint val="70000"/>
+      </a:schemeClr>
+    </dgm:fillClrLst>
+    <dgm:linClrLst meth="repeat">
+      <a:schemeClr val="accent5"/>
+    </dgm:linClrLst>
+    <dgm:effectClrLst/>
+    <dgm:txLinClrLst/>
+    <dgm:txFillClrLst meth="repeat">
+      <a:schemeClr val="tx1"/>
+    </dgm:txFillClrLst>
+    <dgm:txEffectClrLst/>
+  </dgm:styleLbl>
+  <dgm:styleLbl name="parChTrans1D4">
+    <dgm:fillClrLst meth="repeat">
+      <a:schemeClr val="accent6">
+        <a:tint val="50000"/>
+      </a:schemeClr>
+    </dgm:fillClrLst>
+    <dgm:linClrLst meth="repeat">
+      <a:schemeClr val="accent6"/>
+    </dgm:linClrLst>
+    <dgm:effectClrLst/>
+    <dgm:txLinClrLst/>
+    <dgm:txFillClrLst meth="repeat">
+      <a:schemeClr val="tx1"/>
+    </dgm:txFillClrLst>
+    <dgm:txEffectClrLst/>
+  </dgm:styleLbl>
+  <dgm:styleLbl name="fgAcc1">
+    <dgm:fillClrLst meth="repeat">
+      <a:schemeClr val="lt1">
+        <a:alpha val="90000"/>
+      </a:schemeClr>
+    </dgm:fillClrLst>
+    <dgm:linClrLst>
+      <a:schemeClr val="accent3"/>
+      <a:schemeClr val="accent4"/>
+    </dgm:linClrLst>
+    <dgm:effectClrLst/>
+    <dgm:txLinClrLst/>
+    <dgm:txFillClrLst meth="repeat">
+      <a:schemeClr val="dk1"/>
+    </dgm:txFillClrLst>
+    <dgm:txEffectClrLst/>
+  </dgm:styleLbl>
+  <dgm:styleLbl name="conFgAcc1">
+    <dgm:fillClrLst meth="repeat">
+      <a:schemeClr val="lt1">
+        <a:alpha val="90000"/>
+      </a:schemeClr>
+    </dgm:fillClrLst>
+    <dgm:linClrLst>
+      <a:schemeClr val="accent3"/>
+      <a:schemeClr val="accent4"/>
+    </dgm:linClrLst>
+    <dgm:effectClrLst/>
+    <dgm:txLinClrLst/>
+    <dgm:txFillClrLst meth="repeat">
+      <a:schemeClr val="dk1"/>
+    </dgm:txFillClrLst>
+    <dgm:txEffectClrLst/>
+  </dgm:styleLbl>
+  <dgm:styleLbl name="alignAcc1">
+    <dgm:fillClrLst meth="repeat">
+      <a:schemeClr val="lt1">
+        <a:alpha val="90000"/>
+      </a:schemeClr>
+    </dgm:fillClrLst>
+    <dgm:linClrLst>
+      <a:schemeClr val="accent3"/>
+      <a:schemeClr val="accent4"/>
+    </dgm:linClrLst>
+    <dgm:effectClrLst/>
+    <dgm:txLinClrLst/>
+    <dgm:txFillClrLst meth="repeat">
+      <a:schemeClr val="dk1"/>
+    </dgm:txFillClrLst>
+    <dgm:txEffectClrLst/>
+  </dgm:styleLbl>
+  <dgm:styleLbl name="trAlignAcc1">
+    <dgm:fillClrLst meth="repeat">
+      <a:schemeClr val="lt1">
+        <a:alpha val="40000"/>
+      </a:schemeClr>
+    </dgm:fillClrLst>
+    <dgm:linClrLst meth="repeat">
+      <a:schemeClr val="accent2"/>
+    </dgm:linClrLst>
+    <dgm:effectClrLst/>
+    <dgm:txLinClrLst/>
+    <dgm:txFillClrLst meth="repeat">
+      <a:schemeClr val="dk1"/>
+    </dgm:txFillClrLst>
+    <dgm:txEffectClrLst/>
+  </dgm:styleLbl>
+  <dgm:styleLbl name="bgAcc1">
+    <dgm:fillClrLst meth="repeat">
+      <a:schemeClr val="lt1">
+        <a:alpha val="90000"/>
+      </a:schemeClr>
+    </dgm:fillClrLst>
+    <dgm:linClrLst>
+      <a:schemeClr val="accent3"/>
+      <a:schemeClr val="accent4"/>
+    </dgm:linClrLst>
+    <dgm:effectClrLst/>
+    <dgm:txLinClrLst/>
+    <dgm:txFillClrLst meth="repeat">
+      <a:schemeClr val="dk1"/>
+    </dgm:txFillClrLst>
+    <dgm:txEffectClrLst/>
+  </dgm:styleLbl>
+  <dgm:styleLbl name="solidFgAcc1">
+    <dgm:fillClrLst meth="repeat">
+      <a:schemeClr val="lt1"/>
+    </dgm:fillClrLst>
+    <dgm:linClrLst>
+      <a:schemeClr val="accent3"/>
+      <a:schemeClr val="accent4"/>
+    </dgm:linClrLst>
+    <dgm:effectClrLst/>
+    <dgm:txLinClrLst/>
+    <dgm:txFillClrLst meth="repeat">
+      <a:schemeClr val="dk1"/>
+    </dgm:txFillClrLst>
+    <dgm:txEffectClrLst/>
+  </dgm:styleLbl>
+  <dgm:styleLbl name="solidAlignAcc1">
+    <dgm:fillClrLst meth="repeat">
+      <a:schemeClr val="lt1"/>
+    </dgm:fillClrLst>
+    <dgm:linClrLst>
+      <a:schemeClr val="accent3"/>
+      <a:schemeClr val="accent4"/>
+    </dgm:linClrLst>
+    <dgm:effectClrLst/>
+    <dgm:txLinClrLst/>
+    <dgm:txFillClrLst meth="repeat">
+      <a:schemeClr val="dk1"/>
+    </dgm:txFillClrLst>
+    <dgm:txEffectClrLst/>
+  </dgm:styleLbl>
+  <dgm:styleLbl name="solidBgAcc1">
+    <dgm:fillClrLst meth="repeat">
+      <a:schemeClr val="lt1"/>
+    </dgm:fillClrLst>
+    <dgm:linClrLst>
+      <a:schemeClr val="accent3"/>
+      <a:schemeClr val="accent4"/>
+    </dgm:linClrLst>
+    <dgm:effectClrLst/>
+    <dgm:txLinClrLst/>
+    <dgm:txFillClrLst meth="repeat">
+      <a:schemeClr val="dk1"/>
+    </dgm:txFillClrLst>
+    <dgm:txEffectClrLst/>
+  </dgm:styleLbl>
+  <dgm:styleLbl name="fgAccFollowNode1">
+    <dgm:fillClrLst>
+      <a:schemeClr val="accent3">
+        <a:tint val="40000"/>
+        <a:alpha val="90000"/>
+      </a:schemeClr>
+      <a:schemeClr val="accent4">
+        <a:tint val="40000"/>
+        <a:alpha val="90000"/>
+      </a:schemeClr>
+    </dgm:fillClrLst>
+    <dgm:linClrLst>
+      <a:schemeClr val="accent3">
+        <a:tint val="40000"/>
+        <a:alpha val="90000"/>
+      </a:schemeClr>
+      <a:schemeClr val="accent4">
+        <a:tint val="40000"/>
+        <a:alpha val="90000"/>
+      </a:schemeClr>
+    </dgm:linClrLst>
+    <dgm:effectClrLst/>
+    <dgm:txLinClrLst/>
+    <dgm:txFillClrLst meth="repeat">
+      <a:schemeClr val="dk1"/>
+    </dgm:txFillClrLst>
+    <dgm:txEffectClrLst/>
+  </dgm:styleLbl>
+  <dgm:styleLbl name="alignAccFollowNode1">
+    <dgm:fillClrLst>
+      <a:schemeClr val="accent3">
+        <a:tint val="40000"/>
+        <a:alpha val="90000"/>
+      </a:schemeClr>
+      <a:schemeClr val="accent4">
+        <a:tint val="40000"/>
+        <a:alpha val="90000"/>
+      </a:schemeClr>
+    </dgm:fillClrLst>
+    <dgm:linClrLst>
+      <a:schemeClr val="accent3">
+        <a:tint val="40000"/>
+        <a:alpha val="90000"/>
+      </a:schemeClr>
+      <a:schemeClr val="accent4">
+        <a:tint val="40000"/>
+        <a:alpha val="90000"/>
+      </a:schemeClr>
+    </dgm:linClrLst>
+    <dgm:effectClrLst/>
+    <dgm:txLinClrLst/>
+    <dgm:txFillClrLst meth="repeat">
+      <a:schemeClr val="dk1"/>
+    </dgm:txFillClrLst>
+    <dgm:txEffectClrLst/>
+  </dgm:styleLbl>
+  <dgm:styleLbl name="bgAccFollowNode1">
+    <dgm:fillClrLst>
+      <a:schemeClr val="accent3">
+        <a:tint val="40000"/>
+        <a:alpha val="90000"/>
+      </a:schemeClr>
+      <a:schemeClr val="accent4">
+        <a:tint val="40000"/>
+        <a:alpha val="90000"/>
+      </a:schemeClr>
+    </dgm:fillClrLst>
+    <dgm:linClrLst>
+      <a:schemeClr val="accent3">
+        <a:tint val="40000"/>
+        <a:alpha val="90000"/>
+      </a:schemeClr>
+      <a:schemeClr val="accent4">
+        <a:tint val="40000"/>
+        <a:alpha val="90000"/>
+      </a:schemeClr>
+    </dgm:linClrLst>
+    <dgm:effectClrLst/>
+    <dgm:txLinClrLst/>
+    <dgm:txFillClrLst meth="repeat">
+      <a:schemeClr val="dk1"/>
+    </dgm:txFillClrLst>
+    <dgm:txEffectClrLst/>
+  </dgm:styleLbl>
+  <dgm:styleLbl name="fgAcc0">
+    <dgm:fillClrLst meth="repeat">
+      <a:schemeClr val="lt1">
+        <a:alpha val="90000"/>
+      </a:schemeClr>
+    </dgm:fillClrLst>
+    <dgm:linClrLst>
+      <a:schemeClr val="accent2"/>
+    </dgm:linClrLst>
+    <dgm:effectClrLst/>
+    <dgm:txLinClrLst/>
+    <dgm:txFillClrLst meth="repeat">
+      <a:schemeClr val="dk1"/>
+    </dgm:txFillClrLst>
+    <dgm:txEffectClrLst/>
+  </dgm:styleLbl>
+  <dgm:styleLbl name="fgAcc2">
+    <dgm:fillClrLst meth="repeat">
+      <a:schemeClr val="lt1">
+        <a:alpha val="90000"/>
+      </a:schemeClr>
+    </dgm:fillClrLst>
+    <dgm:linClrLst>
+      <a:schemeClr val="accent4"/>
+    </dgm:linClrLst>
+    <dgm:effectClrLst/>
+    <dgm:txLinClrLst/>
+    <dgm:txFillClrLst meth="repeat">
+      <a:schemeClr val="dk1"/>
+    </dgm:txFillClrLst>
+    <dgm:txEffectClrLst/>
+  </dgm:styleLbl>
+  <dgm:styleLbl name="fgAcc3">
+    <dgm:fillClrLst meth="repeat">
+      <a:schemeClr val="lt1">
+        <a:alpha val="90000"/>
+      </a:schemeClr>
+    </dgm:fillClrLst>
+    <dgm:linClrLst>
+      <a:schemeClr val="accent5"/>
+    </dgm:linClrLst>
+    <dgm:effectClrLst/>
+    <dgm:txLinClrLst/>
+    <dgm:txFillClrLst meth="repeat">
+      <a:schemeClr val="dk1"/>
+    </dgm:txFillClrLst>
+    <dgm:txEffectClrLst/>
+  </dgm:styleLbl>
+  <dgm:styleLbl name="fgAcc4">
+    <dgm:fillClrLst meth="repeat">
+      <a:schemeClr val="lt1">
+        <a:alpha val="90000"/>
+      </a:schemeClr>
+    </dgm:fillClrLst>
+    <dgm:linClrLst>
+      <a:schemeClr val="accent6"/>
+    </dgm:linClrLst>
+    <dgm:effectClrLst/>
+    <dgm:txLinClrLst/>
+    <dgm:txFillClrLst meth="repeat">
+      <a:schemeClr val="dk1"/>
+    </dgm:txFillClrLst>
+    <dgm:txEffectClrLst/>
+  </dgm:styleLbl>
+  <dgm:styleLbl name="bgShp">
+    <dgm:fillClrLst meth="repeat">
+      <a:schemeClr val="accent3">
+        <a:tint val="40000"/>
+      </a:schemeClr>
+    </dgm:fillClrLst>
+    <dgm:linClrLst meth="repeat">
+      <a:schemeClr val="dk1"/>
+    </dgm:linClrLst>
+    <dgm:effectClrLst/>
+    <dgm:txLinClrLst/>
+    <dgm:txFillClrLst meth="repeat">
+      <a:schemeClr val="dk1"/>
+    </dgm:txFillClrLst>
+    <dgm:txEffectClrLst/>
+  </dgm:styleLbl>
+  <dgm:styleLbl name="dkBgShp">
+    <dgm:fillClrLst meth="repeat">
+      <a:schemeClr val="accent3">
+        <a:shade val="90000"/>
+      </a:schemeClr>
+    </dgm:fillClrLst>
+    <dgm:linClrLst meth="repeat">
+      <a:schemeClr val="dk1"/>
+    </dgm:linClrLst>
+    <dgm:effectClrLst/>
+    <dgm:txLinClrLst/>
+    <dgm:txFillClrLst meth="repeat">
+      <a:schemeClr val="lt1"/>
+    </dgm:txFillClrLst>
+    <dgm:txEffectClrLst/>
+  </dgm:styleLbl>
+  <dgm:styleLbl name="trBgShp">
+    <dgm:fillClrLst meth="repeat">
+      <a:schemeClr val="accent2">
+        <a:tint val="50000"/>
+        <a:alpha val="40000"/>
+      </a:schemeClr>
+    </dgm:fillClrLst>
+    <dgm:linClrLst meth="repeat">
+      <a:schemeClr val="accent3"/>
+    </dgm:linClrLst>
+    <dgm:effectClrLst/>
+    <dgm:txLinClrLst/>
+    <dgm:txFillClrLst meth="repeat">
+      <a:schemeClr val="lt1"/>
+    </dgm:txFillClrLst>
+    <dgm:txEffectClrLst/>
+  </dgm:styleLbl>
+  <dgm:styleLbl name="fgShp">
+    <dgm:fillClrLst meth="repeat">
+      <a:schemeClr val="accent3">
+        <a:tint val="40000"/>
+      </a:schemeClr>
+    </dgm:fillClrLst>
+    <dgm:linClrLst meth="repeat">
+      <a:schemeClr val="lt1"/>
+    </dgm:linClrLst>
+    <dgm:effectClrLst/>
+    <dgm:txLinClrLst/>
+    <dgm:txFillClrLst meth="repeat">
+      <a:schemeClr val="dk1"/>
+    </dgm:txFillClrLst>
+    <dgm:txEffectClrLst/>
+  </dgm:styleLbl>
+  <dgm:styleLbl name="revTx">
+    <dgm:fillClrLst meth="repeat">
+      <a:schemeClr val="lt1">
+        <a:alpha val="0"/>
+      </a:schemeClr>
+    </dgm:fillClrLst>
+    <dgm:linClrLst meth="repeat">
+      <a:schemeClr val="dk1">
+        <a:alpha val="0"/>
+      </a:schemeClr>
+    </dgm:linClrLst>
+    <dgm:effectClrLst/>
+    <dgm:txLinClrLst/>
+    <dgm:txFillClrLst meth="repeat">
+      <a:schemeClr val="tx1"/>
+    </dgm:txFillClrLst>
+    <dgm:txEffectClrLst/>
+  </dgm:styleLbl>
+</dgm:colorsDef>
+</file>
+
+<file path=ppt/diagrams/colors2.xml><?xml version="1.0" encoding="utf-8"?>
+<dgm:colorsDef xmlns:dgm="http://schemas.openxmlformats.org/drawingml/2006/diagram" xmlns:a="http://schemas.openxmlformats.org/drawingml/2006/main" uniqueId="urn:microsoft.com/office/officeart/2005/8/colors/ColorSchemeForSuggestions">
+  <dgm:title val="Color Scheme for Suggestions"/>
+  <dgm:desc val="Color Scheme for Suggestions"/>
+  <dgm:catLst>
+    <dgm:cat type="Other" pri="2"/>
+  </dgm:catLst>
+  <dgm:styleLbl name="node0">
+    <dgm:fillClrLst meth="repeat">
+      <a:schemeClr val="accent1"/>
+    </dgm:fillClrLst>
+    <dgm:linClrLst meth="repeat">
+      <a:schemeClr val="lt1"/>
+    </dgm:linClrLst>
+    <dgm:effectClrLst/>
+    <dgm:txLinClrLst/>
+    <dgm:txFillClrLst/>
+    <dgm:txEffectClrLst/>
+  </dgm:styleLbl>
+  <dgm:styleLbl name="alignNode1">
+    <dgm:fillClrLst meth="repeat">
+      <a:schemeClr val="accent1"/>
+    </dgm:fillClrLst>
+    <dgm:linClrLst meth="repeat">
+      <a:schemeClr val="accent1"/>
+    </dgm:linClrLst>
+    <dgm:effectClrLst/>
+    <dgm:txLinClrLst/>
+    <dgm:txFillClrLst/>
+    <dgm:txEffectClrLst/>
+  </dgm:styleLbl>
+  <dgm:styleLbl name="node1">
+    <dgm:fillClrLst meth="repeat">
+      <a:schemeClr val="accent1"/>
+    </dgm:fillClrLst>
+    <dgm:linClrLst meth="repeat">
+      <a:schemeClr val="lt1"/>
+    </dgm:linClrLst>
+    <dgm:effectClrLst/>
+    <dgm:txLinClrLst/>
+    <dgm:txFillClrLst/>
+    <dgm:txEffectClrLst/>
+  </dgm:styleLbl>
+  <dgm:styleLbl name="lnNode1">
+    <dgm:fillClrLst meth="repeat">
+      <a:schemeClr val="accent1"/>
+    </dgm:fillClrLst>
+    <dgm:linClrLst meth="repeat">
+      <a:schemeClr val="lt1"/>
+    </dgm:linClrLst>
+    <dgm:effectClrLst/>
+    <dgm:txLinClrLst/>
+    <dgm:txFillClrLst/>
+    <dgm:txEffectClrLst/>
+  </dgm:styleLbl>
+  <dgm:styleLbl name="vennNode1">
+    <dgm:fillClrLst meth="repeat">
+      <a:schemeClr val="accent1">
+        <a:alpha val="50000"/>
+      </a:schemeClr>
+    </dgm:fillClrLst>
+    <dgm:linClrLst meth="repeat">
+      <a:schemeClr val="lt1"/>
+    </dgm:linClrLst>
+    <dgm:effectClrLst/>
+    <dgm:txLinClrLst/>
+    <dgm:txFillClrLst/>
+    <dgm:txEffectClrLst/>
+  </dgm:styleLbl>
+  <dgm:styleLbl name="node2">
+    <dgm:fillClrLst meth="repeat">
+      <a:schemeClr val="accent1"/>
+    </dgm:fillClrLst>
+    <dgm:linClrLst meth="repeat">
+      <a:schemeClr val="lt1"/>
+    </dgm:linClrLst>
+    <dgm:effectClrLst/>
+    <dgm:txLinClrLst/>
+    <dgm:txFillClrLst/>
+    <dgm:txEffectClrLst/>
+  </dgm:styleLbl>
+  <dgm:styleLbl name="node3">
+    <dgm:fillClrLst meth="repeat">
+      <a:schemeClr val="accent1"/>
+    </dgm:fillClrLst>
+    <dgm:linClrLst meth="repeat">
+      <a:schemeClr val="lt1"/>
+    </dgm:linClrLst>
+    <dgm:effectClrLst/>
+    <dgm:txLinClrLst/>
+    <dgm:txFillClrLst/>
+    <dgm:txEffectClrLst/>
+  </dgm:styleLbl>
+  <dgm:styleLbl name="node4">
+    <dgm:fillClrLst meth="repeat">
+      <a:schemeClr val="accent1"/>
+    </dgm:fillClrLst>
+    <dgm:linClrLst meth="repeat">
+      <a:schemeClr val="lt1"/>
+    </dgm:linClrLst>
+    <dgm:effectClrLst/>
+    <dgm:txLinClrLst/>
+    <dgm:txFillClrLst/>
+    <dgm:txEffectClrLst/>
+  </dgm:styleLbl>
+  <dgm:styleLbl name="fgImgPlace1">
+    <dgm:fillClrLst meth="repeat">
+      <a:schemeClr val="accent1">
+        <a:tint val="50000"/>
+      </a:schemeClr>
+    </dgm:fillClrLst>
+    <dgm:linClrLst meth="repeat">
+      <a:schemeClr val="lt1"/>
+    </dgm:linClrLst>
+    <dgm:effectClrLst/>
+    <dgm:txLinClrLst/>
+    <dgm:txFillClrLst meth="repeat">
+      <a:schemeClr val="lt1"/>
+    </dgm:txFillClrLst>
+    <dgm:txEffectClrLst/>
+  </dgm:styleLbl>
+  <dgm:styleLbl name="alignImgPlace1">
+    <dgm:fillClrLst meth="repeat">
+      <a:schemeClr val="accent1">
+        <a:tint val="50000"/>
+      </a:schemeClr>
+    </dgm:fillClrLst>
+    <dgm:linClrLst meth="repeat">
+      <a:schemeClr val="lt1"/>
+    </dgm:linClrLst>
+    <dgm:effectClrLst/>
+    <dgm:txLinClrLst/>
+    <dgm:txFillClrLst meth="repeat">
+      <a:schemeClr val="lt1"/>
+    </dgm:txFillClrLst>
+    <dgm:txEffectClrLst/>
+  </dgm:styleLbl>
+  <dgm:styleLbl name="bgImgPlace1">
+    <dgm:fillClrLst meth="repeat">
+      <a:schemeClr val="accent1">
+        <a:tint val="50000"/>
+      </a:schemeClr>
+    </dgm:fillClrLst>
+    <dgm:linClrLst meth="repeat">
+      <a:schemeClr val="lt1"/>
+    </dgm:linClrLst>
+    <dgm:effectClrLst/>
+    <dgm:txLinClrLst/>
+    <dgm:txFillClrLst meth="repeat">
+      <a:schemeClr val="lt1"/>
+    </dgm:txFillClrLst>
+    <dgm:txEffectClrLst/>
+  </dgm:styleLbl>
+  <dgm:styleLbl name="sibTrans2D1">
+    <dgm:fillClrLst meth="repeat">
+      <a:schemeClr val="accent1">
+        <a:tint val="60000"/>
+      </a:schemeClr>
+    </dgm:fillClrLst>
+    <dgm:linClrLst meth="repeat">
+      <a:schemeClr val="accent1">
+        <a:tint val="60000"/>
+      </a:schemeClr>
+    </dgm:linClrLst>
+    <dgm:effectClrLst/>
+    <dgm:txLinClrLst/>
+    <dgm:txFillClrLst/>
+    <dgm:txEffectClrLst/>
+  </dgm:styleLbl>
+  <dgm:styleLbl name="fgSibTrans2D1">
+    <dgm:fillClrLst meth="repeat">
+      <a:schemeClr val="accent1">
+        <a:tint val="60000"/>
+      </a:schemeClr>
+    </dgm:fillClrLst>
+    <dgm:linClrLst meth="repeat">
+      <a:schemeClr val="accent1">
+        <a:tint val="60000"/>
+      </a:schemeClr>
+    </dgm:linClrLst>
+    <dgm:effectClrLst/>
+    <dgm:txLinClrLst/>
+    <dgm:txFillClrLst/>
+    <dgm:txEffectClrLst/>
+  </dgm:styleLbl>
+  <dgm:styleLbl name="bgSibTrans2D1">
+    <dgm:fillClrLst meth="repeat">
+      <a:schemeClr val="accent1">
+        <a:tint val="60000"/>
+      </a:schemeClr>
+    </dgm:fillClrLst>
+    <dgm:linClrLst meth="repeat">
+      <a:schemeClr val="accent1">
+        <a:tint val="60000"/>
+      </a:schemeClr>
+    </dgm:linClrLst>
+    <dgm:effectClrLst/>
+    <dgm:txLinClrLst/>
+    <dgm:txFillClrLst/>
+    <dgm:txEffectClrLst/>
+  </dgm:styleLbl>
+  <dgm:styleLbl name="sibTrans1D1">
+    <dgm:fillClrLst meth="repeat">
+      <a:schemeClr val="accent1"/>
+    </dgm:fillClrLst>
+    <dgm:linClrLst meth="repeat">
+      <a:schemeClr val="accent1"/>
+    </dgm:linClrLst>
+    <dgm:effectClrLst/>
+    <dgm:txLinClrLst/>
+    <dgm:txFillClrLst meth="repeat">
+      <a:schemeClr val="tx1"/>
+    </dgm:txFillClrLst>
+    <dgm:txEffectClrLst/>
+  </dgm:styleLbl>
+  <dgm:styleLbl name="callout">
+    <dgm:fillClrLst meth="repeat">
+      <a:schemeClr val="accent1"/>
+    </dgm:fillClrLst>
+    <dgm:linClrLst meth="repeat">
+      <a:schemeClr val="accent1">
+        <a:tint val="50000"/>
+      </a:schemeClr>
+    </dgm:linClrLst>
+    <dgm:effectClrLst/>
+    <dgm:txLinClrLst/>
+    <dgm:txFillClrLst meth="repeat">
+      <a:schemeClr val="tx1"/>
+    </dgm:txFillClrLst>
+    <dgm:txEffectClrLst/>
+  </dgm:styleLbl>
+  <dgm:styleLbl name="asst0">
+    <dgm:fillClrLst meth="repeat">
+      <a:schemeClr val="accent1"/>
+    </dgm:fillClrLst>
+    <dgm:linClrLst meth="repeat">
+      <a:schemeClr val="lt1"/>
+    </dgm:linClrLst>
+    <dgm:effectClrLst/>
+    <dgm:txLinClrLst/>
+    <dgm:txFillClrLst/>
+    <dgm:txEffectClrLst/>
+  </dgm:styleLbl>
+  <dgm:styleLbl name="asst1">
+    <dgm:fillClrLst meth="repeat">
+      <a:schemeClr val="accent1"/>
+    </dgm:fillClrLst>
+    <dgm:linClrLst meth="repeat">
+      <a:schemeClr val="lt1"/>
+    </dgm:linClrLst>
+    <dgm:effectClrLst/>
+    <dgm:txLinClrLst/>
+    <dgm:txFillClrLst/>
+    <dgm:txEffectClrLst/>
+  </dgm:styleLbl>
+  <dgm:styleLbl name="asst2">
+    <dgm:fillClrLst meth="repeat">
+      <a:schemeClr val="accent1"/>
+    </dgm:fillClrLst>
+    <dgm:linClrLst meth="repeat">
+      <a:schemeClr val="lt1"/>
+    </dgm:linClrLst>
+    <dgm:effectClrLst/>
+    <dgm:txLinClrLst/>
+    <dgm:txFillClrLst/>
+    <dgm:txEffectClrLst/>
+  </dgm:styleLbl>
+  <dgm:styleLbl name="asst3">
+    <dgm:fillClrLst meth="repeat">
+      <a:schemeClr val="accent1"/>
+    </dgm:fillClrLst>
+    <dgm:linClrLst meth="repeat">
+      <a:schemeClr val="lt1"/>
+    </dgm:linClrLst>
+    <dgm:effectClrLst/>
+    <dgm:txLinClrLst/>
+    <dgm:txFillClrLst/>
+    <dgm:txEffectClrLst/>
+  </dgm:styleLbl>
+  <dgm:styleLbl name="asst4">
+    <dgm:fillClrLst meth="repeat">
+      <a:schemeClr val="accent1"/>
+    </dgm:fillClrLst>
+    <dgm:linClrLst meth="repeat">
+      <a:schemeClr val="lt1"/>
+    </dgm:linClrLst>
+    <dgm:effectClrLst/>
+    <dgm:txLinClrLst/>
+    <dgm:txFillClrLst/>
+    <dgm:txEffectClrLst/>
+  </dgm:styleLbl>
+  <dgm:styleLbl name="parChTrans2D1">
+    <dgm:fillClrLst meth="repeat">
+      <a:schemeClr val="accent1">
+        <a:tint val="60000"/>
+      </a:schemeClr>
+    </dgm:fillClrLst>
+    <dgm:linClrLst meth="repeat">
+      <a:schemeClr val="accent1">
+        <a:tint val="60000"/>
+      </a:schemeClr>
+    </dgm:linClrLst>
+    <dgm:effectClrLst/>
+    <dgm:txLinClrLst/>
+    <dgm:txFillClrLst meth="repeat">
+      <a:schemeClr val="lt1"/>
+    </dgm:txFillClrLst>
+    <dgm:txEffectClrLst/>
+  </dgm:styleLbl>
+  <dgm:styleLbl name="parChTrans2D2">
+    <dgm:fillClrLst meth="repeat">
+      <a:schemeClr val="accent1"/>
+    </dgm:fillClrLst>
+    <dgm:linClrLst meth="repeat">
+      <a:schemeClr val="accent1"/>
+    </dgm:linClrLst>
+    <dgm:effectClrLst/>
+    <dgm:txLinClrLst/>
+    <dgm:txFillClrLst meth="repeat">
+      <a:schemeClr val="lt1"/>
+    </dgm:txFillClrLst>
+    <dgm:txEffectClrLst/>
+  </dgm:styleLbl>
+  <dgm:styleLbl name="parChTrans2D3">
+    <dgm:fillClrLst meth="repeat">
+      <a:schemeClr val="accent1"/>
+    </dgm:fillClrLst>
+    <dgm:linClrLst meth="repeat">
+      <a:schemeClr val="accent1"/>
+    </dgm:linClrLst>
+    <dgm:effectClrLst/>
+    <dgm:txLinClrLst/>
+    <dgm:txFillClrLst meth="repeat">
+      <a:schemeClr val="lt1"/>
+    </dgm:txFillClrLst>
+    <dgm:txEffectClrLst/>
+  </dgm:styleLbl>
+  <dgm:styleLbl name="parChTrans2D4">
+    <dgm:fillClrLst meth="repeat">
+      <a:schemeClr val="accent1"/>
+    </dgm:fillClrLst>
+    <dgm:linClrLst meth="repeat">
+      <a:schemeClr val="accent1"/>
+    </dgm:linClrLst>
+    <dgm:effectClrLst/>
+    <dgm:txLinClrLst/>
+    <dgm:txFillClrLst meth="repeat">
+      <a:schemeClr val="lt1"/>
+    </dgm:txFillClrLst>
+    <dgm:txEffectClrLst/>
+  </dgm:styleLbl>
+  <dgm:styleLbl name="parChTrans1D1">
+    <dgm:fillClrLst meth="repeat">
+      <a:schemeClr val="accent1"/>
+    </dgm:fillClrLst>
+    <dgm:linClrLst meth="repeat">
+      <a:schemeClr val="accent1">
+        <a:shade val="60000"/>
+      </a:schemeClr>
+    </dgm:linClrLst>
+    <dgm:effectClrLst/>
+    <dgm:txLinClrLst/>
+    <dgm:txFillClrLst meth="repeat">
+      <a:schemeClr val="tx1"/>
+    </dgm:txFillClrLst>
+    <dgm:txEffectClrLst/>
+  </dgm:styleLbl>
+  <dgm:styleLbl name="parChTrans1D2">
+    <dgm:fillClrLst meth="repeat">
+      <a:schemeClr val="accent1"/>
+    </dgm:fillClrLst>
+    <dgm:linClrLst meth="repeat">
+      <a:schemeClr val="accent1">
+        <a:shade val="60000"/>
+      </a:schemeClr>
+    </dgm:linClrLst>
+    <dgm:effectClrLst/>
+    <dgm:txLinClrLst/>
+    <dgm:txFillClrLst meth="repeat">
+      <a:schemeClr val="tx1"/>
+    </dgm:txFillClrLst>
+    <dgm:txEffectClrLst/>
+  </dgm:styleLbl>
+  <dgm:styleLbl name="parChTrans1D3">
+    <dgm:fillClrLst meth="repeat">
+      <a:schemeClr val="accent1"/>
+    </dgm:fillClrLst>
+    <dgm:linClrLst meth="repeat">
+      <a:schemeClr val="accent1">
+        <a:shade val="80000"/>
+      </a:schemeClr>
+    </dgm:linClrLst>
+    <dgm:effectClrLst/>
+    <dgm:txLinClrLst/>
+    <dgm:txFillClrLst meth="repeat">
+      <a:schemeClr val="tx1"/>
+    </dgm:txFillClrLst>
+    <dgm:txEffectClrLst/>
+  </dgm:styleLbl>
+  <dgm:styleLbl name="parChTrans1D4">
+    <dgm:fillClrLst meth="repeat">
+      <a:schemeClr val="accent1"/>
+    </dgm:fillClrLst>
+    <dgm:linClrLst meth="repeat">
+      <a:schemeClr val="accent1">
+        <a:shade val="80000"/>
+      </a:schemeClr>
+    </dgm:linClrLst>
+    <dgm:effectClrLst/>
+    <dgm:txLinClrLst/>
+    <dgm:txFillClrLst meth="repeat">
+      <a:schemeClr val="tx1"/>
+    </dgm:txFillClrLst>
+    <dgm:txEffectClrLst/>
+  </dgm:styleLbl>
+  <dgm:styleLbl name="fgAcc1">
+    <dgm:fillClrLst meth="repeat">
+      <a:schemeClr val="lt1">
+        <a:alpha val="90000"/>
+      </a:schemeClr>
+    </dgm:fillClrLst>
+    <dgm:linClrLst meth="repeat">
+      <a:schemeClr val="accent1"/>
+    </dgm:linClrLst>
+    <dgm:effectClrLst/>
+    <dgm:txLinClrLst/>
+    <dgm:txFillClrLst meth="repeat">
+      <a:schemeClr val="dk1"/>
+    </dgm:txFillClrLst>
+    <dgm:txEffectClrLst/>
+  </dgm:styleLbl>
+  <dgm:styleLbl name="conFgAcc1">
+    <dgm:fillClrLst meth="repeat">
+      <a:schemeClr val="lt1">
+        <a:alpha val="90000"/>
+      </a:schemeClr>
+    </dgm:fillClrLst>
+    <dgm:linClrLst meth="repeat">
+      <a:schemeClr val="accent1"/>
+    </dgm:linClrLst>
+    <dgm:effectClrLst/>
+    <dgm:txLinClrLst/>
+    <dgm:txFillClrLst meth="repeat">
+      <a:schemeClr val="dk1"/>
+    </dgm:txFillClrLst>
+    <dgm:txEffectClrLst/>
+  </dgm:styleLbl>
+  <dgm:styleLbl name="alignAcc1">
+    <dgm:fillClrLst meth="repeat">
+      <a:schemeClr val="lt1">
+        <a:alpha val="90000"/>
+      </a:schemeClr>
+    </dgm:fillClrLst>
+    <dgm:linClrLst meth="repeat">
+      <a:schemeClr val="accent1"/>
+    </dgm:linClrLst>
+    <dgm:effectClrLst/>
+    <dgm:txLinClrLst/>
+    <dgm:txFillClrLst meth="repeat">
+      <a:schemeClr val="dk1"/>
+    </dgm:txFillClrLst>
+    <dgm:txEffectClrLst/>
+  </dgm:styleLbl>
+  <dgm:styleLbl name="trAlignAcc1">
+    <dgm:fillClrLst meth="repeat">
+      <a:schemeClr val="lt1">
+        <a:alpha val="40000"/>
+      </a:schemeClr>
+    </dgm:fillClrLst>
+    <dgm:linClrLst meth="repeat">
+      <a:schemeClr val="accent1"/>
+    </dgm:linClrLst>
+    <dgm:effectClrLst/>
+    <dgm:txLinClrLst/>
+    <dgm:txFillClrLst meth="repeat">
+      <a:schemeClr val="dk1"/>
+    </dgm:txFillClrLst>
+    <dgm:txEffectClrLst/>
+  </dgm:styleLbl>
+  <dgm:styleLbl name="bgAcc1">
+    <dgm:fillClrLst meth="repeat">
+      <a:schemeClr val="lt1">
+        <a:alpha val="90000"/>
+      </a:schemeClr>
+    </dgm:fillClrLst>
+    <dgm:linClrLst meth="repeat">
+      <a:schemeClr val="accent1"/>
+    </dgm:linClrLst>
+    <dgm:effectClrLst/>
+    <dgm:txLinClrLst/>
+    <dgm:txFillClrLst meth="repeat">
+      <a:schemeClr val="dk1"/>
+    </dgm:txFillClrLst>
+    <dgm:txEffectClrLst/>
+  </dgm:styleLbl>
+  <dgm:styleLbl name="solidFgAcc1">
+    <dgm:fillClrLst meth="repeat">
+      <a:schemeClr val="lt1"/>
+    </dgm:fillClrLst>
+    <dgm:linClrLst meth="repeat">
+      <a:schemeClr val="accent1"/>
+    </dgm:linClrLst>
+    <dgm:effectClrLst/>
+    <dgm:txLinClrLst/>
+    <dgm:txFillClrLst meth="repeat">
+      <a:schemeClr val="dk1"/>
+    </dgm:txFillClrLst>
+    <dgm:txEffectClrLst/>
+  </dgm:styleLbl>
+  <dgm:styleLbl name="solidAlignAcc1">
+    <dgm:fillClrLst meth="repeat">
+      <a:schemeClr val="lt1"/>
+    </dgm:fillClrLst>
+    <dgm:linClrLst meth="repeat">
+      <a:schemeClr val="accent1"/>
+    </dgm:linClrLst>
+    <dgm:effectClrLst/>
+    <dgm:txLinClrLst/>
+    <dgm:txFillClrLst meth="repeat">
+      <a:schemeClr val="dk1"/>
+    </dgm:txFillClrLst>
+    <dgm:txEffectClrLst/>
+  </dgm:styleLbl>
+  <dgm:styleLbl name="solidBgAcc1">
+    <dgm:fillClrLst meth="repeat">
+      <a:schemeClr val="lt1"/>
+    </dgm:fillClrLst>
+    <dgm:linClrLst meth="repeat">
+      <a:schemeClr val="accent1"/>
+    </dgm:linClrLst>
+    <dgm:effectClrLst/>
+    <dgm:txLinClrLst/>
+    <dgm:txFillClrLst meth="repeat">
+      <a:schemeClr val="dk1"/>
+    </dgm:txFillClrLst>
+    <dgm:txEffectClrLst/>
+  </dgm:styleLbl>
+  <dgm:styleLbl name="fgAccFollowNode1">
+    <dgm:fillClrLst meth="repeat">
+      <a:schemeClr val="accent1">
+        <a:alpha val="90000"/>
+        <a:tint val="40000"/>
+      </a:schemeClr>
+    </dgm:fillClrLst>
+    <dgm:linClrLst meth="repeat">
+      <a:schemeClr val="accent1">
+        <a:alpha val="90000"/>
+        <a:tint val="40000"/>
+      </a:schemeClr>
+    </dgm:linClrLst>
+    <dgm:effectClrLst/>
+    <dgm:txLinClrLst/>
+    <dgm:txFillClrLst meth="repeat">
+      <a:schemeClr val="dk1"/>
+    </dgm:txFillClrLst>
+    <dgm:txEffectClrLst/>
+  </dgm:styleLbl>
+  <dgm:styleLbl name="alignAccFollowNode1">
+    <dgm:fillClrLst meth="repeat">
+      <a:schemeClr val="accent1">
+        <a:alpha val="90000"/>
+        <a:tint val="40000"/>
+      </a:schemeClr>
+    </dgm:fillClrLst>
+    <dgm:linClrLst meth="repeat">
+      <a:schemeClr val="accent1">
+        <a:alpha val="90000"/>
+        <a:tint val="40000"/>
+      </a:schemeClr>
+    </dgm:linClrLst>
+    <dgm:effectClrLst/>
+    <dgm:txLinClrLst/>
+    <dgm:txFillClrLst meth="repeat">
+      <a:schemeClr val="dk1"/>
+    </dgm:txFillClrLst>
+    <dgm:txEffectClrLst/>
+  </dgm:styleLbl>
+  <dgm:styleLbl name="bgAccFollowNode1">
+    <dgm:fillClrLst meth="repeat">
+      <a:schemeClr val="bg1">
+        <a:lumMod val="95000"/>
+      </a:schemeClr>
+    </dgm:fillClrLst>
+    <dgm:linClrLst>
+      <a:schemeClr val="bg1">
+        <a:lumMod val="95000"/>
+      </a:schemeClr>
+    </dgm:linClrLst>
+    <dgm:effectClrLst/>
+    <dgm:txLinClrLst/>
+    <dgm:txFillClrLst meth="repeat">
+      <a:schemeClr val="tx1">
+        <a:lumMod val="75000"/>
+        <a:lumOff val="25000"/>
+      </a:schemeClr>
+    </dgm:txFillClrLst>
+    <dgm:txEffectClrLst/>
+  </dgm:styleLbl>
+  <dgm:styleLbl name="fgAcc0">
+    <dgm:fillClrLst meth="repeat">
+      <a:schemeClr val="lt1">
+        <a:alpha val="90000"/>
+      </a:schemeClr>
+    </dgm:fillClrLst>
+    <dgm:linClrLst meth="repeat">
+      <a:schemeClr val="accent1"/>
+    </dgm:linClrLst>
+    <dgm:effectClrLst/>
+    <dgm:txLinClrLst/>
+    <dgm:txFillClrLst meth="repeat">
+      <a:schemeClr val="dk1"/>
+    </dgm:txFillClrLst>
+    <dgm:txEffectClrLst/>
+  </dgm:styleLbl>
+  <dgm:styleLbl name="fgAcc2">
+    <dgm:fillClrLst meth="repeat">
+      <a:schemeClr val="lt1">
+        <a:alpha val="90000"/>
+      </a:schemeClr>
+    </dgm:fillClrLst>
+    <dgm:linClrLst meth="repeat">
+      <a:schemeClr val="accent1"/>
+    </dgm:linClrLst>
+    <dgm:effectClrLst/>
+    <dgm:txLinClrLst/>
+    <dgm:txFillClrLst meth="repeat">
+      <a:schemeClr val="dk1"/>
+    </dgm:txFillClrLst>
+    <dgm:txEffectClrLst/>
+  </dgm:styleLbl>
+  <dgm:styleLbl name="fgAcc3">
+    <dgm:fillClrLst meth="repeat">
+      <a:schemeClr val="lt1">
+        <a:alpha val="90000"/>
+      </a:schemeClr>
+    </dgm:fillClrLst>
+    <dgm:linClrLst meth="repeat">
+      <a:schemeClr val="accent1"/>
+    </dgm:linClrLst>
+    <dgm:effectClrLst/>
+    <dgm:txLinClrLst/>
+    <dgm:txFillClrLst meth="repeat">
+      <a:schemeClr val="dk1"/>
+    </dgm:txFillClrLst>
+    <dgm:txEffectClrLst/>
+  </dgm:styleLbl>
+  <dgm:styleLbl name="fgAcc4">
+    <dgm:fillClrLst meth="repeat">
+      <a:schemeClr val="lt1">
+        <a:alpha val="90000"/>
+      </a:schemeClr>
+    </dgm:fillClrLst>
+    <dgm:linClrLst meth="repeat">
+      <a:schemeClr val="accent1"/>
+    </dgm:linClrLst>
+    <dgm:effectClrLst/>
+    <dgm:txLinClrLst/>
+    <dgm:txFillClrLst meth="repeat">
+      <a:schemeClr val="dk1"/>
+    </dgm:txFillClrLst>
+    <dgm:txEffectClrLst/>
+  </dgm:styleLbl>
+  <dgm:styleLbl name="bgShp">
+    <dgm:fillClrLst meth="repeat">
+      <a:schemeClr val="accent1">
+        <a:tint val="40000"/>
+      </a:schemeClr>
+    </dgm:fillClrLst>
+    <dgm:linClrLst meth="repeat">
+      <a:schemeClr val="accent1"/>
+    </dgm:linClrLst>
+    <dgm:effectClrLst/>
+    <dgm:txLinClrLst/>
+    <dgm:txFillClrLst meth="repeat">
+      <a:schemeClr val="dk1"/>
+    </dgm:txFillClrLst>
+    <dgm:txEffectClrLst/>
+  </dgm:styleLbl>
+  <dgm:styleLbl name="dkBgShp">
+    <dgm:fillClrLst meth="repeat">
+      <a:schemeClr val="accent1">
+        <a:shade val="80000"/>
+      </a:schemeClr>
+    </dgm:fillClrLst>
+    <dgm:linClrLst meth="repeat">
+      <a:schemeClr val="accent1"/>
+    </dgm:linClrLst>
+    <dgm:effectClrLst/>
+    <dgm:txLinClrLst/>
+    <dgm:txFillClrLst meth="repeat">
+      <a:schemeClr val="lt1"/>
+    </dgm:txFillClrLst>
+    <dgm:txEffectClrLst/>
+  </dgm:styleLbl>
+  <dgm:styleLbl name="trBgShp">
+    <dgm:fillClrLst meth="repeat">
+      <a:schemeClr val="accent1">
+        <a:tint val="50000"/>
+        <a:alpha val="40000"/>
+      </a:schemeClr>
+    </dgm:fillClrLst>
+    <dgm:linClrLst meth="repeat">
+      <a:schemeClr val="accent1"/>
+    </dgm:linClrLst>
+    <dgm:effectClrLst/>
+    <dgm:txLinClrLst/>
+    <dgm:txFillClrLst meth="repeat">
+      <a:schemeClr val="lt1"/>
+    </dgm:txFillClrLst>
+    <dgm:txEffectClrLst/>
+  </dgm:styleLbl>
+  <dgm:styleLbl name="fgShp">
+    <dgm:fillClrLst meth="repeat">
+      <a:schemeClr val="accent1">
+        <a:tint val="60000"/>
+      </a:schemeClr>
+    </dgm:fillClrLst>
+    <dgm:linClrLst meth="repeat">
+      <a:schemeClr val="lt1"/>
+    </dgm:linClrLst>
+    <dgm:effectClrLst/>
+    <dgm:txLinClrLst/>
+    <dgm:txFillClrLst meth="repeat">
+      <a:schemeClr val="dk1"/>
+    </dgm:txFillClrLst>
+    <dgm:txEffectClrLst/>
+  </dgm:styleLbl>
+  <dgm:styleLbl name="revTx">
+    <dgm:fillClrLst meth="repeat">
+      <a:schemeClr val="lt1">
+        <a:alpha val="0"/>
+      </a:schemeClr>
+    </dgm:fillClrLst>
+    <dgm:linClrLst meth="repeat">
+      <a:schemeClr val="dk1">
+        <a:alpha val="0"/>
+      </a:schemeClr>
+    </dgm:linClrLst>
+    <dgm:effectClrLst/>
+    <dgm:txLinClrLst/>
+    <dgm:txFillClrLst meth="repeat">
+      <a:schemeClr val="tx1"/>
+    </dgm:txFillClrLst>
+    <dgm:txEffectClrLst/>
+  </dgm:styleLbl>
+</dgm:colorsDef>
+</file>
+
+<file path=ppt/diagrams/data1.xml><?xml version="1.0" encoding="utf-8"?>
+<dgm:dataModel xmlns:dgm="http://schemas.openxmlformats.org/drawingml/2006/diagram" xmlns:a="http://schemas.openxmlformats.org/drawingml/2006/main">
+  <dgm:ptLst>
+    <dgm:pt modelId="{58B0134F-1726-4A04-8912-86CC70A7A9D2}" type="doc">
+      <dgm:prSet loTypeId="urn:microsoft.com/office/officeart/2005/8/layout/hChevron3" loCatId="Inbox" qsTypeId="urn:microsoft.com/office/officeart/2005/8/quickstyle/simple4" qsCatId="simple" csTypeId="urn:microsoft.com/office/officeart/2005/8/colors/colorful3" csCatId="colorful"/>
+      <dgm:spPr/>
+      <dgm:t>
+        <a:bodyPr/>
+        <a:lstStyle/>
+        <a:p>
+          <a:endParaRPr lang="en-US"/>
+        </a:p>
+      </dgm:t>
+    </dgm:pt>
+    <dgm:pt modelId="{A48D23D6-1A09-4B44-8812-F897B93F9C59}">
+      <dgm:prSet custT="1"/>
+      <dgm:spPr/>
+      <dgm:t>
+        <a:bodyPr/>
+        <a:lstStyle/>
+        <a:p>
+          <a:r>
+            <a:rPr lang="en-US" sz="2200"/>
+            <a:t>Conception</a:t>
+          </a:r>
+        </a:p>
+      </dgm:t>
+    </dgm:pt>
+    <dgm:pt modelId="{C142E2DF-5BA7-4C22-AA48-E9C9FDEF529A}" type="parTrans" cxnId="{F5DFA5DE-B95D-4ABF-B798-8CE57F3E83F3}">
+      <dgm:prSet/>
+      <dgm:spPr/>
+      <dgm:t>
+        <a:bodyPr/>
+        <a:lstStyle/>
+        <a:p>
+          <a:endParaRPr lang="en-US" sz="2200"/>
+        </a:p>
+      </dgm:t>
+    </dgm:pt>
+    <dgm:pt modelId="{05369F15-DBC6-475B-A6DC-DEBC99DF0C5B}" type="sibTrans" cxnId="{F5DFA5DE-B95D-4ABF-B798-8CE57F3E83F3}">
+      <dgm:prSet/>
+      <dgm:spPr/>
+      <dgm:t>
+        <a:bodyPr/>
+        <a:lstStyle/>
+        <a:p>
+          <a:endParaRPr lang="en-US" sz="2200"/>
+        </a:p>
+      </dgm:t>
+    </dgm:pt>
+    <dgm:pt modelId="{137797FB-14CF-4B40-BE99-7AAE2531DCF2}">
+      <dgm:prSet custT="1"/>
+      <dgm:spPr/>
+      <dgm:t>
+        <a:bodyPr/>
+        <a:lstStyle/>
+        <a:p>
+          <a:r>
+            <a:rPr lang="en-US" sz="2200"/>
+            <a:t>Plan</a:t>
+          </a:r>
+        </a:p>
+      </dgm:t>
+    </dgm:pt>
+    <dgm:pt modelId="{0D3B06C4-4BF4-4327-992A-16AA767E8FF2}" type="parTrans" cxnId="{3C337305-B3AD-4B3D-AD87-8D52BC48C6B1}">
+      <dgm:prSet/>
+      <dgm:spPr/>
+      <dgm:t>
+        <a:bodyPr/>
+        <a:lstStyle/>
+        <a:p>
+          <a:endParaRPr lang="en-US" sz="2200"/>
+        </a:p>
+      </dgm:t>
+    </dgm:pt>
+    <dgm:pt modelId="{7D9F267E-817F-44B2-9F05-2F06327C5486}" type="sibTrans" cxnId="{3C337305-B3AD-4B3D-AD87-8D52BC48C6B1}">
+      <dgm:prSet/>
+      <dgm:spPr/>
+      <dgm:t>
+        <a:bodyPr/>
+        <a:lstStyle/>
+        <a:p>
+          <a:endParaRPr lang="en-US" sz="2200"/>
+        </a:p>
+      </dgm:t>
+    </dgm:pt>
+    <dgm:pt modelId="{EE500423-7CE0-44CA-BFE9-0E05AE235A82}">
+      <dgm:prSet custT="1"/>
+      <dgm:spPr/>
+      <dgm:t>
+        <a:bodyPr/>
+        <a:lstStyle/>
+        <a:p>
+          <a:r>
+            <a:rPr lang="en-US" sz="2200"/>
+            <a:t>Design</a:t>
+          </a:r>
+        </a:p>
+      </dgm:t>
+    </dgm:pt>
+    <dgm:pt modelId="{DBACAA50-58FC-4EA6-AFAF-34F1143A464F}" type="parTrans" cxnId="{9E774CD3-8820-4998-AAA9-50C837CA49DB}">
+      <dgm:prSet/>
+      <dgm:spPr/>
+      <dgm:t>
+        <a:bodyPr/>
+        <a:lstStyle/>
+        <a:p>
+          <a:endParaRPr lang="en-US" sz="2200"/>
+        </a:p>
+      </dgm:t>
+    </dgm:pt>
+    <dgm:pt modelId="{05E3D201-6619-45E9-A0B4-87F98D8F27C7}" type="sibTrans" cxnId="{9E774CD3-8820-4998-AAA9-50C837CA49DB}">
+      <dgm:prSet/>
+      <dgm:spPr/>
+      <dgm:t>
+        <a:bodyPr/>
+        <a:lstStyle/>
+        <a:p>
+          <a:endParaRPr lang="en-US" sz="2200"/>
+        </a:p>
+      </dgm:t>
+    </dgm:pt>
+    <dgm:pt modelId="{053DD413-6516-4808-BC0C-8C8CB5206325}">
+      <dgm:prSet custT="1"/>
+      <dgm:spPr/>
+      <dgm:t>
+        <a:bodyPr lIns="0" tIns="0" rIns="0" bIns="0"/>
+        <a:lstStyle/>
+        <a:p>
+          <a:r>
+            <a:rPr lang="en-US" sz="2200" dirty="0"/>
+            <a:t>Develop</a:t>
+          </a:r>
+        </a:p>
+      </dgm:t>
+    </dgm:pt>
+    <dgm:pt modelId="{9BF19D1F-F893-4894-B9E4-83389CA0A0FA}" type="parTrans" cxnId="{AC4DA8B8-9A16-4194-8747-A4D52E6DEB36}">
+      <dgm:prSet/>
+      <dgm:spPr/>
+      <dgm:t>
+        <a:bodyPr/>
+        <a:lstStyle/>
+        <a:p>
+          <a:endParaRPr lang="en-US" sz="2200"/>
+        </a:p>
+      </dgm:t>
+    </dgm:pt>
+    <dgm:pt modelId="{657F3C01-6E28-4DC0-8FC1-B2CC2773F83F}" type="sibTrans" cxnId="{AC4DA8B8-9A16-4194-8747-A4D52E6DEB36}">
+      <dgm:prSet/>
+      <dgm:spPr/>
+      <dgm:t>
+        <a:bodyPr/>
+        <a:lstStyle/>
+        <a:p>
+          <a:endParaRPr lang="en-US" sz="2200"/>
+        </a:p>
+      </dgm:t>
+    </dgm:pt>
+    <dgm:pt modelId="{1BCFF775-1B34-47A6-A2B4-BF6BFCC59E20}">
+      <dgm:prSet custT="1"/>
+      <dgm:spPr/>
+      <dgm:t>
+        <a:bodyPr/>
+        <a:lstStyle/>
+        <a:p>
+          <a:r>
+            <a:rPr lang="en-US" sz="2200"/>
+            <a:t>Test</a:t>
+          </a:r>
+        </a:p>
+      </dgm:t>
+    </dgm:pt>
+    <dgm:pt modelId="{6492F37E-253C-4716-B04D-84951A590447}" type="parTrans" cxnId="{63EB8CBF-0B1F-4EE3-88E8-A631763983F5}">
+      <dgm:prSet/>
+      <dgm:spPr/>
+      <dgm:t>
+        <a:bodyPr/>
+        <a:lstStyle/>
+        <a:p>
+          <a:endParaRPr lang="en-US" sz="2200"/>
+        </a:p>
+      </dgm:t>
+    </dgm:pt>
+    <dgm:pt modelId="{66CCA674-65C1-4B97-8D13-137676290415}" type="sibTrans" cxnId="{63EB8CBF-0B1F-4EE3-88E8-A631763983F5}">
+      <dgm:prSet/>
+      <dgm:spPr/>
+      <dgm:t>
+        <a:bodyPr/>
+        <a:lstStyle/>
+        <a:p>
+          <a:endParaRPr lang="en-US" sz="2200"/>
+        </a:p>
+      </dgm:t>
+    </dgm:pt>
+    <dgm:pt modelId="{8A693BBE-D29C-4D34-94C6-D0B4A82D9E6D}" type="pres">
+      <dgm:prSet presAssocID="{58B0134F-1726-4A04-8912-86CC70A7A9D2}" presName="Name0" presStyleCnt="0">
+        <dgm:presLayoutVars>
+          <dgm:dir/>
+          <dgm:resizeHandles val="exact"/>
+        </dgm:presLayoutVars>
+      </dgm:prSet>
+      <dgm:spPr/>
+    </dgm:pt>
+    <dgm:pt modelId="{A848F9F4-9606-4C25-AFC6-25A6DFA0B932}" type="pres">
+      <dgm:prSet presAssocID="{A48D23D6-1A09-4B44-8812-F897B93F9C59}" presName="parTxOnly" presStyleLbl="node1" presStyleIdx="0" presStyleCnt="5">
+        <dgm:presLayoutVars>
+          <dgm:bulletEnabled val="1"/>
+        </dgm:presLayoutVars>
+      </dgm:prSet>
+      <dgm:spPr/>
+    </dgm:pt>
+    <dgm:pt modelId="{57EB2521-6C59-462C-B556-852C4422733D}" type="pres">
+      <dgm:prSet presAssocID="{05369F15-DBC6-475B-A6DC-DEBC99DF0C5B}" presName="parSpace" presStyleCnt="0"/>
+      <dgm:spPr/>
+    </dgm:pt>
+    <dgm:pt modelId="{C8712A88-DA8E-471E-B8F2-E2EA2A46CA76}" type="pres">
+      <dgm:prSet presAssocID="{137797FB-14CF-4B40-BE99-7AAE2531DCF2}" presName="parTxOnly" presStyleLbl="node1" presStyleIdx="1" presStyleCnt="5">
+        <dgm:presLayoutVars>
+          <dgm:bulletEnabled val="1"/>
+        </dgm:presLayoutVars>
+      </dgm:prSet>
+      <dgm:spPr/>
+    </dgm:pt>
+    <dgm:pt modelId="{8AF47BB6-3AA9-4A80-A209-FBE164CEB87D}" type="pres">
+      <dgm:prSet presAssocID="{7D9F267E-817F-44B2-9F05-2F06327C5486}" presName="parSpace" presStyleCnt="0"/>
+      <dgm:spPr/>
+    </dgm:pt>
+    <dgm:pt modelId="{4554CE7A-7C51-4208-8A12-7B6AD67C02A7}" type="pres">
+      <dgm:prSet presAssocID="{EE500423-7CE0-44CA-BFE9-0E05AE235A82}" presName="parTxOnly" presStyleLbl="node1" presStyleIdx="2" presStyleCnt="5">
+        <dgm:presLayoutVars>
+          <dgm:bulletEnabled val="1"/>
+        </dgm:presLayoutVars>
+      </dgm:prSet>
+      <dgm:spPr/>
+    </dgm:pt>
+    <dgm:pt modelId="{A6E36357-75D8-4A6E-9C0D-BF7CEA46D849}" type="pres">
+      <dgm:prSet presAssocID="{05E3D201-6619-45E9-A0B4-87F98D8F27C7}" presName="parSpace" presStyleCnt="0"/>
+      <dgm:spPr/>
+    </dgm:pt>
+    <dgm:pt modelId="{61E644B1-66D5-4E96-A723-5BD44BEEC46B}" type="pres">
+      <dgm:prSet presAssocID="{053DD413-6516-4808-BC0C-8C8CB5206325}" presName="parTxOnly" presStyleLbl="node1" presStyleIdx="3" presStyleCnt="5">
+        <dgm:presLayoutVars>
+          <dgm:bulletEnabled val="1"/>
+        </dgm:presLayoutVars>
+      </dgm:prSet>
+      <dgm:spPr/>
+    </dgm:pt>
+    <dgm:pt modelId="{F6B4F68E-079D-42C3-AA45-969A773754F9}" type="pres">
+      <dgm:prSet presAssocID="{657F3C01-6E28-4DC0-8FC1-B2CC2773F83F}" presName="parSpace" presStyleCnt="0"/>
+      <dgm:spPr/>
+    </dgm:pt>
+    <dgm:pt modelId="{93C70A23-D549-4889-9745-9AE1A2B0FA73}" type="pres">
+      <dgm:prSet presAssocID="{1BCFF775-1B34-47A6-A2B4-BF6BFCC59E20}" presName="parTxOnly" presStyleLbl="node1" presStyleIdx="4" presStyleCnt="5">
+        <dgm:presLayoutVars>
+          <dgm:bulletEnabled val="1"/>
+        </dgm:presLayoutVars>
+      </dgm:prSet>
+      <dgm:spPr/>
+    </dgm:pt>
+  </dgm:ptLst>
+  <dgm:cxnLst>
+    <dgm:cxn modelId="{3C337305-B3AD-4B3D-AD87-8D52BC48C6B1}" srcId="{58B0134F-1726-4A04-8912-86CC70A7A9D2}" destId="{137797FB-14CF-4B40-BE99-7AAE2531DCF2}" srcOrd="1" destOrd="0" parTransId="{0D3B06C4-4BF4-4327-992A-16AA767E8FF2}" sibTransId="{7D9F267E-817F-44B2-9F05-2F06327C5486}"/>
+    <dgm:cxn modelId="{E499C973-45A7-4A36-B59F-7BC4EC829340}" type="presOf" srcId="{137797FB-14CF-4B40-BE99-7AAE2531DCF2}" destId="{C8712A88-DA8E-471E-B8F2-E2EA2A46CA76}" srcOrd="0" destOrd="0" presId="urn:microsoft.com/office/officeart/2005/8/layout/hChevron3"/>
+    <dgm:cxn modelId="{E46B4984-F1F0-438D-AB2A-E2C0354E0D62}" type="presOf" srcId="{053DD413-6516-4808-BC0C-8C8CB5206325}" destId="{61E644B1-66D5-4E96-A723-5BD44BEEC46B}" srcOrd="0" destOrd="0" presId="urn:microsoft.com/office/officeart/2005/8/layout/hChevron3"/>
+    <dgm:cxn modelId="{623525AA-78B5-48F9-85AC-E24874312B4B}" type="presOf" srcId="{1BCFF775-1B34-47A6-A2B4-BF6BFCC59E20}" destId="{93C70A23-D549-4889-9745-9AE1A2B0FA73}" srcOrd="0" destOrd="0" presId="urn:microsoft.com/office/officeart/2005/8/layout/hChevron3"/>
+    <dgm:cxn modelId="{8B9F6AB3-816A-497C-8EA7-598EE74F7C5B}" type="presOf" srcId="{A48D23D6-1A09-4B44-8812-F897B93F9C59}" destId="{A848F9F4-9606-4C25-AFC6-25A6DFA0B932}" srcOrd="0" destOrd="0" presId="urn:microsoft.com/office/officeart/2005/8/layout/hChevron3"/>
+    <dgm:cxn modelId="{AC4DA8B8-9A16-4194-8747-A4D52E6DEB36}" srcId="{58B0134F-1726-4A04-8912-86CC70A7A9D2}" destId="{053DD413-6516-4808-BC0C-8C8CB5206325}" srcOrd="3" destOrd="0" parTransId="{9BF19D1F-F893-4894-B9E4-83389CA0A0FA}" sibTransId="{657F3C01-6E28-4DC0-8FC1-B2CC2773F83F}"/>
+    <dgm:cxn modelId="{63EB8CBF-0B1F-4EE3-88E8-A631763983F5}" srcId="{58B0134F-1726-4A04-8912-86CC70A7A9D2}" destId="{1BCFF775-1B34-47A6-A2B4-BF6BFCC59E20}" srcOrd="4" destOrd="0" parTransId="{6492F37E-253C-4716-B04D-84951A590447}" sibTransId="{66CCA674-65C1-4B97-8D13-137676290415}"/>
+    <dgm:cxn modelId="{6C67B8C0-BBE2-4B37-8826-E848EA2732AF}" type="presOf" srcId="{EE500423-7CE0-44CA-BFE9-0E05AE235A82}" destId="{4554CE7A-7C51-4208-8A12-7B6AD67C02A7}" srcOrd="0" destOrd="0" presId="urn:microsoft.com/office/officeart/2005/8/layout/hChevron3"/>
+    <dgm:cxn modelId="{C4CD03C6-929D-4E1F-BF70-154FCFA64FF1}" type="presOf" srcId="{58B0134F-1726-4A04-8912-86CC70A7A9D2}" destId="{8A693BBE-D29C-4D34-94C6-D0B4A82D9E6D}" srcOrd="0" destOrd="0" presId="urn:microsoft.com/office/officeart/2005/8/layout/hChevron3"/>
+    <dgm:cxn modelId="{9E774CD3-8820-4998-AAA9-50C837CA49DB}" srcId="{58B0134F-1726-4A04-8912-86CC70A7A9D2}" destId="{EE500423-7CE0-44CA-BFE9-0E05AE235A82}" srcOrd="2" destOrd="0" parTransId="{DBACAA50-58FC-4EA6-AFAF-34F1143A464F}" sibTransId="{05E3D201-6619-45E9-A0B4-87F98D8F27C7}"/>
+    <dgm:cxn modelId="{F5DFA5DE-B95D-4ABF-B798-8CE57F3E83F3}" srcId="{58B0134F-1726-4A04-8912-86CC70A7A9D2}" destId="{A48D23D6-1A09-4B44-8812-F897B93F9C59}" srcOrd="0" destOrd="0" parTransId="{C142E2DF-5BA7-4C22-AA48-E9C9FDEF529A}" sibTransId="{05369F15-DBC6-475B-A6DC-DEBC99DF0C5B}"/>
+    <dgm:cxn modelId="{2F02F74F-3631-421B-B20C-F91CE3E23806}" type="presParOf" srcId="{8A693BBE-D29C-4D34-94C6-D0B4A82D9E6D}" destId="{A848F9F4-9606-4C25-AFC6-25A6DFA0B932}" srcOrd="0" destOrd="0" presId="urn:microsoft.com/office/officeart/2005/8/layout/hChevron3"/>
+    <dgm:cxn modelId="{80D66802-3B69-45FA-A4BD-13C58855FF5E}" type="presParOf" srcId="{8A693BBE-D29C-4D34-94C6-D0B4A82D9E6D}" destId="{57EB2521-6C59-462C-B556-852C4422733D}" srcOrd="1" destOrd="0" presId="urn:microsoft.com/office/officeart/2005/8/layout/hChevron3"/>
+    <dgm:cxn modelId="{19AAE8EB-8810-42A7-9331-BF2AC14A8329}" type="presParOf" srcId="{8A693BBE-D29C-4D34-94C6-D0B4A82D9E6D}" destId="{C8712A88-DA8E-471E-B8F2-E2EA2A46CA76}" srcOrd="2" destOrd="0" presId="urn:microsoft.com/office/officeart/2005/8/layout/hChevron3"/>
+    <dgm:cxn modelId="{61644070-B1B1-40AB-B527-590380CA170D}" type="presParOf" srcId="{8A693BBE-D29C-4D34-94C6-D0B4A82D9E6D}" destId="{8AF47BB6-3AA9-4A80-A209-FBE164CEB87D}" srcOrd="3" destOrd="0" presId="urn:microsoft.com/office/officeart/2005/8/layout/hChevron3"/>
+    <dgm:cxn modelId="{CEFAEF6D-03EE-4855-9F13-1F06168FB00A}" type="presParOf" srcId="{8A693BBE-D29C-4D34-94C6-D0B4A82D9E6D}" destId="{4554CE7A-7C51-4208-8A12-7B6AD67C02A7}" srcOrd="4" destOrd="0" presId="urn:microsoft.com/office/officeart/2005/8/layout/hChevron3"/>
+    <dgm:cxn modelId="{3F77D6C4-7230-4199-A1C9-CD30302004B3}" type="presParOf" srcId="{8A693BBE-D29C-4D34-94C6-D0B4A82D9E6D}" destId="{A6E36357-75D8-4A6E-9C0D-BF7CEA46D849}" srcOrd="5" destOrd="0" presId="urn:microsoft.com/office/officeart/2005/8/layout/hChevron3"/>
+    <dgm:cxn modelId="{B7B9BBB4-2544-4E8D-A8A1-36F419D7748B}" type="presParOf" srcId="{8A693BBE-D29C-4D34-94C6-D0B4A82D9E6D}" destId="{61E644B1-66D5-4E96-A723-5BD44BEEC46B}" srcOrd="6" destOrd="0" presId="urn:microsoft.com/office/officeart/2005/8/layout/hChevron3"/>
+    <dgm:cxn modelId="{896FC4C2-2D30-4880-A3CD-95685358709B}" type="presParOf" srcId="{8A693BBE-D29C-4D34-94C6-D0B4A82D9E6D}" destId="{F6B4F68E-079D-42C3-AA45-969A773754F9}" srcOrd="7" destOrd="0" presId="urn:microsoft.com/office/officeart/2005/8/layout/hChevron3"/>
+    <dgm:cxn modelId="{BF396B3F-624A-4AC5-ADAD-18B256D857CA}" type="presParOf" srcId="{8A693BBE-D29C-4D34-94C6-D0B4A82D9E6D}" destId="{93C70A23-D549-4889-9745-9AE1A2B0FA73}" srcOrd="8" destOrd="0" presId="urn:microsoft.com/office/officeart/2005/8/layout/hChevron3"/>
+  </dgm:cxnLst>
+  <dgm:bg/>
+  <dgm:whole/>
+  <dgm:extLst>
+    <a:ext uri="http://schemas.microsoft.com/office/drawing/2008/diagram">
+      <dsp:dataModelExt xmlns:dsp="http://schemas.microsoft.com/office/drawing/2008/diagram" relId="rId7" minVer="http://schemas.openxmlformats.org/drawingml/2006/diagram"/>
+    </a:ext>
+  </dgm:extLst>
+</dgm:dataModel>
+</file>
+
+<file path=ppt/diagrams/data2.xml><?xml version="1.0" encoding="utf-8"?>
+<dgm:dataModel xmlns:dgm="http://schemas.openxmlformats.org/drawingml/2006/diagram" xmlns:a="http://schemas.openxmlformats.org/drawingml/2006/main">
+  <dgm:ptLst>
+    <dgm:pt modelId="{89F10044-3BB8-455D-B632-2A211E1C48B6}" type="doc">
+      <dgm:prSet loTypeId="urn:microsoft.com/office/officeart/2016/7/layout/LinearArrowProcessNumbered" loCatId="process" qsTypeId="urn:microsoft.com/office/officeart/2005/8/quickstyle/simple1" qsCatId="simple" csTypeId="urn:microsoft.com/office/officeart/2005/8/colors/ColorSchemeForSuggestions" csCatId="other" phldr="1"/>
+      <dgm:spPr/>
+      <dgm:t>
+        <a:bodyPr/>
+        <a:lstStyle/>
+        <a:p>
+          <a:endParaRPr lang="en-US"/>
+        </a:p>
+      </dgm:t>
+    </dgm:pt>
+    <dgm:pt modelId="{6A284415-814F-4BEF-AC8D-C5631E62B063}">
+      <dgm:prSet custT="1"/>
+      <dgm:spPr/>
+      <dgm:t>
+        <a:bodyPr lIns="228600" rIns="228600"/>
+        <a:lstStyle/>
+        <a:p>
+          <a:r>
+            <a:rPr lang="en-US" sz="2000" dirty="0"/>
+            <a:t>Group into 2~3 people</a:t>
+          </a:r>
+        </a:p>
+      </dgm:t>
+    </dgm:pt>
+    <dgm:pt modelId="{9F5E2312-2CB5-475E-91BB-D208E5910871}" type="parTrans" cxnId="{35AABB54-7C39-4FAD-BFA6-EEC6941FD8A0}">
+      <dgm:prSet/>
+      <dgm:spPr/>
+      <dgm:t>
+        <a:bodyPr/>
+        <a:lstStyle/>
+        <a:p>
+          <a:endParaRPr lang="en-US"/>
+        </a:p>
+      </dgm:t>
+    </dgm:pt>
+    <dgm:pt modelId="{645E7018-B739-4AE6-8788-B1FD5A915518}" type="sibTrans" cxnId="{35AABB54-7C39-4FAD-BFA6-EEC6941FD8A0}">
+      <dgm:prSet phldrT="1" phldr="0"/>
+      <dgm:spPr/>
+      <dgm:t>
+        <a:bodyPr/>
+        <a:lstStyle/>
+        <a:p>
+          <a:r>
+            <a:rPr lang="en-US"/>
+            <a:t>1</a:t>
+          </a:r>
+        </a:p>
+      </dgm:t>
+    </dgm:pt>
+    <dgm:pt modelId="{66BC2DE2-0F41-4C26-9611-9793F0AC59B6}">
+      <dgm:prSet custT="1"/>
+      <dgm:spPr/>
+      <dgm:t>
+        <a:bodyPr lIns="228600" rIns="228600"/>
+        <a:lstStyle/>
+        <a:p>
+          <a:r>
+            <a:rPr lang="en-US" sz="2000" dirty="0"/>
+            <a:t>Brainstorm designs</a:t>
+          </a:r>
+        </a:p>
+      </dgm:t>
+    </dgm:pt>
+    <dgm:pt modelId="{0EF24E94-BECC-4102-8328-E91894F68C35}" type="parTrans" cxnId="{6A23B031-914E-4188-B6FD-3A7433CEDB0B}">
+      <dgm:prSet/>
+      <dgm:spPr/>
+      <dgm:t>
+        <a:bodyPr/>
+        <a:lstStyle/>
+        <a:p>
+          <a:endParaRPr lang="en-US"/>
+        </a:p>
+      </dgm:t>
+    </dgm:pt>
+    <dgm:pt modelId="{032DD855-0432-4C94-A975-04F9DBA10919}" type="sibTrans" cxnId="{6A23B031-914E-4188-B6FD-3A7433CEDB0B}">
+      <dgm:prSet phldrT="2" phldr="0"/>
+      <dgm:spPr/>
+      <dgm:t>
+        <a:bodyPr/>
+        <a:lstStyle/>
+        <a:p>
+          <a:r>
+            <a:rPr lang="en-US"/>
+            <a:t>2</a:t>
+          </a:r>
+        </a:p>
+      </dgm:t>
+    </dgm:pt>
+    <dgm:pt modelId="{A87FA3D8-E9F3-4D92-A763-91DB040EFECA}">
+      <dgm:prSet custT="1"/>
+      <dgm:spPr/>
+      <dgm:t>
+        <a:bodyPr lIns="228600" rIns="228600"/>
+        <a:lstStyle/>
+        <a:p>
+          <a:r>
+            <a:rPr lang="en-US" sz="2000" dirty="0"/>
+            <a:t>Evaluate feasible or not</a:t>
+          </a:r>
+        </a:p>
+      </dgm:t>
+    </dgm:pt>
+    <dgm:pt modelId="{CC697B97-854A-47AB-9A93-0EA5D988B98A}" type="parTrans" cxnId="{9EBD3A24-3C4F-4EF4-9FA8-F25AA55AB9D1}">
+      <dgm:prSet/>
+      <dgm:spPr/>
+      <dgm:t>
+        <a:bodyPr/>
+        <a:lstStyle/>
+        <a:p>
+          <a:endParaRPr lang="en-US"/>
+        </a:p>
+      </dgm:t>
+    </dgm:pt>
+    <dgm:pt modelId="{84179B8E-84A0-4E33-AA82-5D498C874B2D}" type="sibTrans" cxnId="{9EBD3A24-3C4F-4EF4-9FA8-F25AA55AB9D1}">
+      <dgm:prSet phldrT="4" phldr="0"/>
+      <dgm:spPr/>
+      <dgm:t>
+        <a:bodyPr/>
+        <a:lstStyle/>
+        <a:p>
+          <a:r>
+            <a:rPr lang="en-US"/>
+            <a:t>4</a:t>
+          </a:r>
+        </a:p>
+      </dgm:t>
+    </dgm:pt>
+    <dgm:pt modelId="{1BD04A26-62B8-44DD-9C92-C905947F465E}">
+      <dgm:prSet custT="1"/>
+      <dgm:spPr/>
+      <dgm:t>
+        <a:bodyPr lIns="228600" rIns="228600"/>
+        <a:lstStyle/>
+        <a:p>
+          <a:r>
+            <a:rPr lang="en-GB" sz="2000" dirty="0"/>
+            <a:t>list functions</a:t>
+          </a:r>
+          <a:endParaRPr lang="en-US" sz="2000" dirty="0"/>
+        </a:p>
+      </dgm:t>
+    </dgm:pt>
+    <dgm:pt modelId="{CDF9F1AB-D94C-4269-BB02-D34CF6244BA4}" type="parTrans" cxnId="{C9E05477-012B-420C-BB0E-0025186FC0C7}">
+      <dgm:prSet/>
+      <dgm:spPr/>
+    </dgm:pt>
+    <dgm:pt modelId="{60C6E22C-1AD0-4DF3-A32B-21DCA06AE9C1}" type="sibTrans" cxnId="{C9E05477-012B-420C-BB0E-0025186FC0C7}">
+      <dgm:prSet phldrT="3" phldr="0"/>
+      <dgm:spPr/>
+      <dgm:t>
+        <a:bodyPr/>
+        <a:lstStyle/>
+        <a:p>
+          <a:pPr latinLnBrk="1"/>
+          <a:r>
+            <a:rPr lang="ko-KR" altLang="en-US"/>
+            <a:t>3</a:t>
+          </a:r>
+        </a:p>
+      </dgm:t>
+    </dgm:pt>
+    <dgm:pt modelId="{88B3E3AD-C531-4531-A748-C1D7B926B86D}" type="pres">
+      <dgm:prSet presAssocID="{89F10044-3BB8-455D-B632-2A211E1C48B6}" presName="linearFlow" presStyleCnt="0">
+        <dgm:presLayoutVars>
+          <dgm:dir/>
+          <dgm:animLvl val="lvl"/>
+          <dgm:resizeHandles val="exact"/>
+        </dgm:presLayoutVars>
+      </dgm:prSet>
+      <dgm:spPr/>
+    </dgm:pt>
+    <dgm:pt modelId="{E3A98A82-0091-49C7-BA02-2BB5BDCCA0FA}" type="pres">
+      <dgm:prSet presAssocID="{6A284415-814F-4BEF-AC8D-C5631E62B063}" presName="compositeNode" presStyleCnt="0"/>
+      <dgm:spPr/>
+    </dgm:pt>
+    <dgm:pt modelId="{3F0FCAA9-354D-460F-992C-5567C9018750}" type="pres">
+      <dgm:prSet presAssocID="{6A284415-814F-4BEF-AC8D-C5631E62B063}" presName="parTx" presStyleLbl="node1" presStyleIdx="0" presStyleCnt="0">
+        <dgm:presLayoutVars>
+          <dgm:chMax val="0"/>
+          <dgm:chPref val="0"/>
+          <dgm:bulletEnabled val="1"/>
+        </dgm:presLayoutVars>
+      </dgm:prSet>
+      <dgm:spPr/>
+    </dgm:pt>
+    <dgm:pt modelId="{02AA51C1-A62E-4D4D-B1CB-6E7BECD76404}" type="pres">
+      <dgm:prSet presAssocID="{6A284415-814F-4BEF-AC8D-C5631E62B063}" presName="parSh" presStyleCnt="0"/>
+      <dgm:spPr/>
+    </dgm:pt>
+    <dgm:pt modelId="{336EFDE4-1FDE-472D-B71F-001B5D2357E7}" type="pres">
+      <dgm:prSet presAssocID="{6A284415-814F-4BEF-AC8D-C5631E62B063}" presName="lineNode" presStyleLbl="alignAccFollowNode1" presStyleIdx="0" presStyleCnt="12"/>
+      <dgm:spPr/>
+    </dgm:pt>
+    <dgm:pt modelId="{87419A2D-5B1A-4036-A366-A87DB80145A5}" type="pres">
+      <dgm:prSet presAssocID="{6A284415-814F-4BEF-AC8D-C5631E62B063}" presName="lineArrowNode" presStyleLbl="alignAccFollowNode1" presStyleIdx="1" presStyleCnt="12"/>
+      <dgm:spPr/>
+    </dgm:pt>
+    <dgm:pt modelId="{98346D83-95DE-4428-853E-B331C5C42E66}" type="pres">
+      <dgm:prSet presAssocID="{645E7018-B739-4AE6-8788-B1FD5A915518}" presName="sibTransNodeCircle" presStyleLbl="alignNode1" presStyleIdx="0" presStyleCnt="4">
+        <dgm:presLayoutVars>
+          <dgm:chMax val="0"/>
+          <dgm:bulletEnabled/>
+        </dgm:presLayoutVars>
+      </dgm:prSet>
+      <dgm:spPr/>
+    </dgm:pt>
+    <dgm:pt modelId="{43E05F34-DE52-4B5C-9A7C-505FAFD1F179}" type="pres">
+      <dgm:prSet presAssocID="{645E7018-B739-4AE6-8788-B1FD5A915518}" presName="spacerBetweenCircleAndCallout" presStyleCnt="0">
+        <dgm:presLayoutVars/>
+      </dgm:prSet>
+      <dgm:spPr/>
+    </dgm:pt>
+    <dgm:pt modelId="{B239A430-E804-4F80-B093-ACB09B9DE51B}" type="pres">
+      <dgm:prSet presAssocID="{6A284415-814F-4BEF-AC8D-C5631E62B063}" presName="nodeText" presStyleLbl="alignAccFollowNode1" presStyleIdx="2" presStyleCnt="12">
+        <dgm:presLayoutVars>
+          <dgm:bulletEnabled val="1"/>
+        </dgm:presLayoutVars>
+      </dgm:prSet>
+      <dgm:spPr/>
+    </dgm:pt>
+    <dgm:pt modelId="{71C5D91F-B8D5-4001-ABB8-9FC9525D0A4D}" type="pres">
+      <dgm:prSet presAssocID="{645E7018-B739-4AE6-8788-B1FD5A915518}" presName="sibTransComposite" presStyleCnt="0"/>
+      <dgm:spPr/>
+    </dgm:pt>
+    <dgm:pt modelId="{230F57DA-0EE0-4E38-BF3A-9DAE1791DBE5}" type="pres">
+      <dgm:prSet presAssocID="{66BC2DE2-0F41-4C26-9611-9793F0AC59B6}" presName="compositeNode" presStyleCnt="0"/>
+      <dgm:spPr/>
+    </dgm:pt>
+    <dgm:pt modelId="{F1217EEF-B817-4E84-B124-C7186BCDBF64}" type="pres">
+      <dgm:prSet presAssocID="{66BC2DE2-0F41-4C26-9611-9793F0AC59B6}" presName="parTx" presStyleLbl="node1" presStyleIdx="0" presStyleCnt="0">
+        <dgm:presLayoutVars>
+          <dgm:chMax val="0"/>
+          <dgm:chPref val="0"/>
+          <dgm:bulletEnabled val="1"/>
+        </dgm:presLayoutVars>
+      </dgm:prSet>
+      <dgm:spPr/>
+    </dgm:pt>
+    <dgm:pt modelId="{F735BF76-2FB8-4A26-BB8B-633F04AC4F69}" type="pres">
+      <dgm:prSet presAssocID="{66BC2DE2-0F41-4C26-9611-9793F0AC59B6}" presName="parSh" presStyleCnt="0"/>
+      <dgm:spPr/>
+    </dgm:pt>
+    <dgm:pt modelId="{38193176-F18A-435C-87C3-650F214C927A}" type="pres">
+      <dgm:prSet presAssocID="{66BC2DE2-0F41-4C26-9611-9793F0AC59B6}" presName="lineNode" presStyleLbl="alignAccFollowNode1" presStyleIdx="3" presStyleCnt="12"/>
+      <dgm:spPr/>
+    </dgm:pt>
+    <dgm:pt modelId="{8861F60A-B427-4AAB-8BEA-AE188BAE02B4}" type="pres">
+      <dgm:prSet presAssocID="{66BC2DE2-0F41-4C26-9611-9793F0AC59B6}" presName="lineArrowNode" presStyleLbl="alignAccFollowNode1" presStyleIdx="4" presStyleCnt="12"/>
+      <dgm:spPr/>
+    </dgm:pt>
+    <dgm:pt modelId="{E4678FD4-D765-44BF-B8BC-F2A5FFFDB7F5}" type="pres">
+      <dgm:prSet presAssocID="{032DD855-0432-4C94-A975-04F9DBA10919}" presName="sibTransNodeCircle" presStyleLbl="alignNode1" presStyleIdx="1" presStyleCnt="4">
+        <dgm:presLayoutVars>
+          <dgm:chMax val="0"/>
+          <dgm:bulletEnabled/>
+        </dgm:presLayoutVars>
+      </dgm:prSet>
+      <dgm:spPr/>
+    </dgm:pt>
+    <dgm:pt modelId="{402DA326-448D-4208-BCCC-E93227E7CB53}" type="pres">
+      <dgm:prSet presAssocID="{032DD855-0432-4C94-A975-04F9DBA10919}" presName="spacerBetweenCircleAndCallout" presStyleCnt="0">
+        <dgm:presLayoutVars/>
+      </dgm:prSet>
+      <dgm:spPr/>
+    </dgm:pt>
+    <dgm:pt modelId="{7151AB60-7D79-478C-BC77-4D84A1E2707E}" type="pres">
+      <dgm:prSet presAssocID="{66BC2DE2-0F41-4C26-9611-9793F0AC59B6}" presName="nodeText" presStyleLbl="alignAccFollowNode1" presStyleIdx="5" presStyleCnt="12">
+        <dgm:presLayoutVars>
+          <dgm:bulletEnabled val="1"/>
+        </dgm:presLayoutVars>
+      </dgm:prSet>
+      <dgm:spPr/>
+    </dgm:pt>
+    <dgm:pt modelId="{D856C688-B429-4522-ADC6-D131D424F1B5}" type="pres">
+      <dgm:prSet presAssocID="{032DD855-0432-4C94-A975-04F9DBA10919}" presName="sibTransComposite" presStyleCnt="0"/>
+      <dgm:spPr/>
+    </dgm:pt>
+    <dgm:pt modelId="{71E0D7EC-26CC-4E28-B482-8B458CDDFDCF}" type="pres">
+      <dgm:prSet presAssocID="{1BD04A26-62B8-44DD-9C92-C905947F465E}" presName="compositeNode" presStyleCnt="0"/>
+      <dgm:spPr/>
+    </dgm:pt>
+    <dgm:pt modelId="{BE0B9B8B-B420-4ECC-97B3-4FEC4580791D}" type="pres">
+      <dgm:prSet presAssocID="{1BD04A26-62B8-44DD-9C92-C905947F465E}" presName="parTx" presStyleLbl="node1" presStyleIdx="0" presStyleCnt="0">
+        <dgm:presLayoutVars>
+          <dgm:chMax val="0"/>
+          <dgm:chPref val="0"/>
+          <dgm:bulletEnabled val="1"/>
+        </dgm:presLayoutVars>
+      </dgm:prSet>
+      <dgm:spPr/>
+    </dgm:pt>
+    <dgm:pt modelId="{83612D3D-63DF-45F9-9DAF-64C5C213E20D}" type="pres">
+      <dgm:prSet presAssocID="{1BD04A26-62B8-44DD-9C92-C905947F465E}" presName="parSh" presStyleCnt="0"/>
+      <dgm:spPr/>
+    </dgm:pt>
+    <dgm:pt modelId="{C1384CE1-4BC6-4C38-A1D5-7355662FBE89}" type="pres">
+      <dgm:prSet presAssocID="{1BD04A26-62B8-44DD-9C92-C905947F465E}" presName="lineNode" presStyleLbl="alignAccFollowNode1" presStyleIdx="6" presStyleCnt="12"/>
+      <dgm:spPr/>
+    </dgm:pt>
+    <dgm:pt modelId="{F189CFB5-2434-434C-901B-71C22FFA4AA8}" type="pres">
+      <dgm:prSet presAssocID="{1BD04A26-62B8-44DD-9C92-C905947F465E}" presName="lineArrowNode" presStyleLbl="alignAccFollowNode1" presStyleIdx="7" presStyleCnt="12"/>
+      <dgm:spPr/>
+    </dgm:pt>
+    <dgm:pt modelId="{71029E25-ECA3-4B9E-A92A-F62FF325D81B}" type="pres">
+      <dgm:prSet presAssocID="{60C6E22C-1AD0-4DF3-A32B-21DCA06AE9C1}" presName="sibTransNodeCircle" presStyleLbl="alignNode1" presStyleIdx="2" presStyleCnt="4">
+        <dgm:presLayoutVars>
+          <dgm:chMax val="0"/>
+          <dgm:bulletEnabled/>
+        </dgm:presLayoutVars>
+      </dgm:prSet>
+      <dgm:spPr/>
+    </dgm:pt>
+    <dgm:pt modelId="{7C939100-3606-4B58-9F36-8A4711A03D5D}" type="pres">
+      <dgm:prSet presAssocID="{60C6E22C-1AD0-4DF3-A32B-21DCA06AE9C1}" presName="spacerBetweenCircleAndCallout" presStyleCnt="0">
+        <dgm:presLayoutVars/>
+      </dgm:prSet>
+      <dgm:spPr/>
+    </dgm:pt>
+    <dgm:pt modelId="{83671B20-2DD3-4683-9083-C1AC43CC1A7C}" type="pres">
+      <dgm:prSet presAssocID="{1BD04A26-62B8-44DD-9C92-C905947F465E}" presName="nodeText" presStyleLbl="alignAccFollowNode1" presStyleIdx="8" presStyleCnt="12">
+        <dgm:presLayoutVars>
+          <dgm:bulletEnabled val="1"/>
+        </dgm:presLayoutVars>
+      </dgm:prSet>
+      <dgm:spPr/>
+    </dgm:pt>
+    <dgm:pt modelId="{DC094415-F7A7-405C-B5B1-9859AF65831A}" type="pres">
+      <dgm:prSet presAssocID="{60C6E22C-1AD0-4DF3-A32B-21DCA06AE9C1}" presName="sibTransComposite" presStyleCnt="0"/>
+      <dgm:spPr/>
+    </dgm:pt>
+    <dgm:pt modelId="{B82F4E47-44A4-4429-9075-4EBCA803F7F3}" type="pres">
+      <dgm:prSet presAssocID="{A87FA3D8-E9F3-4D92-A763-91DB040EFECA}" presName="compositeNode" presStyleCnt="0"/>
+      <dgm:spPr/>
+    </dgm:pt>
+    <dgm:pt modelId="{EA674F57-BB8A-4086-B2C6-359FBE621828}" type="pres">
+      <dgm:prSet presAssocID="{A87FA3D8-E9F3-4D92-A763-91DB040EFECA}" presName="parTx" presStyleLbl="node1" presStyleIdx="0" presStyleCnt="0">
+        <dgm:presLayoutVars>
+          <dgm:chMax val="0"/>
+          <dgm:chPref val="0"/>
+          <dgm:bulletEnabled val="1"/>
+        </dgm:presLayoutVars>
+      </dgm:prSet>
+      <dgm:spPr/>
+    </dgm:pt>
+    <dgm:pt modelId="{647CE623-2DAB-40C5-A51B-BF4B345046B9}" type="pres">
+      <dgm:prSet presAssocID="{A87FA3D8-E9F3-4D92-A763-91DB040EFECA}" presName="parSh" presStyleCnt="0"/>
+      <dgm:spPr/>
+    </dgm:pt>
+    <dgm:pt modelId="{ED76D99B-89B0-4D78-B55D-DB4CDC452A5F}" type="pres">
+      <dgm:prSet presAssocID="{A87FA3D8-E9F3-4D92-A763-91DB040EFECA}" presName="lineNode" presStyleLbl="alignAccFollowNode1" presStyleIdx="9" presStyleCnt="12"/>
+      <dgm:spPr/>
+    </dgm:pt>
+    <dgm:pt modelId="{2AC8BC44-A2A6-4328-BA44-FAACBCB13958}" type="pres">
+      <dgm:prSet presAssocID="{A87FA3D8-E9F3-4D92-A763-91DB040EFECA}" presName="lineArrowNode" presStyleLbl="alignAccFollowNode1" presStyleIdx="10" presStyleCnt="12"/>
+      <dgm:spPr/>
+    </dgm:pt>
+    <dgm:pt modelId="{4E7F97DA-6147-4C8E-B597-CD15E927391D}" type="pres">
+      <dgm:prSet presAssocID="{84179B8E-84A0-4E33-AA82-5D498C874B2D}" presName="sibTransNodeCircle" presStyleLbl="alignNode1" presStyleIdx="3" presStyleCnt="4">
+        <dgm:presLayoutVars>
+          <dgm:chMax val="0"/>
+          <dgm:bulletEnabled/>
+        </dgm:presLayoutVars>
+      </dgm:prSet>
+      <dgm:spPr/>
+    </dgm:pt>
+    <dgm:pt modelId="{4EFD35D6-CAAE-449E-A4D5-2D54FB442EBF}" type="pres">
+      <dgm:prSet presAssocID="{84179B8E-84A0-4E33-AA82-5D498C874B2D}" presName="spacerBetweenCircleAndCallout" presStyleCnt="0">
+        <dgm:presLayoutVars/>
+      </dgm:prSet>
+      <dgm:spPr/>
+    </dgm:pt>
+    <dgm:pt modelId="{6202507F-0ABB-4214-A7D8-AC97F6540AFD}" type="pres">
+      <dgm:prSet presAssocID="{A87FA3D8-E9F3-4D92-A763-91DB040EFECA}" presName="nodeText" presStyleLbl="alignAccFollowNode1" presStyleIdx="11" presStyleCnt="12">
+        <dgm:presLayoutVars>
+          <dgm:bulletEnabled val="1"/>
+        </dgm:presLayoutVars>
+      </dgm:prSet>
+      <dgm:spPr/>
+    </dgm:pt>
+  </dgm:ptLst>
+  <dgm:cxnLst>
+    <dgm:cxn modelId="{9EBD3A24-3C4F-4EF4-9FA8-F25AA55AB9D1}" srcId="{89F10044-3BB8-455D-B632-2A211E1C48B6}" destId="{A87FA3D8-E9F3-4D92-A763-91DB040EFECA}" srcOrd="3" destOrd="0" parTransId="{CC697B97-854A-47AB-9A93-0EA5D988B98A}" sibTransId="{84179B8E-84A0-4E33-AA82-5D498C874B2D}"/>
+    <dgm:cxn modelId="{A000452D-00A9-4FC2-A539-768EAE844980}" type="presOf" srcId="{84179B8E-84A0-4E33-AA82-5D498C874B2D}" destId="{4E7F97DA-6147-4C8E-B597-CD15E927391D}" srcOrd="0" destOrd="0" presId="urn:microsoft.com/office/officeart/2016/7/layout/LinearArrowProcessNumbered"/>
+    <dgm:cxn modelId="{6A23B031-914E-4188-B6FD-3A7433CEDB0B}" srcId="{89F10044-3BB8-455D-B632-2A211E1C48B6}" destId="{66BC2DE2-0F41-4C26-9611-9793F0AC59B6}" srcOrd="1" destOrd="0" parTransId="{0EF24E94-BECC-4102-8328-E91894F68C35}" sibTransId="{032DD855-0432-4C94-A975-04F9DBA10919}"/>
+    <dgm:cxn modelId="{2F058434-D3A5-446D-927E-555555533294}" type="presOf" srcId="{645E7018-B739-4AE6-8788-B1FD5A915518}" destId="{98346D83-95DE-4428-853E-B331C5C42E66}" srcOrd="0" destOrd="0" presId="urn:microsoft.com/office/officeart/2016/7/layout/LinearArrowProcessNumbered"/>
+    <dgm:cxn modelId="{35AABB54-7C39-4FAD-BFA6-EEC6941FD8A0}" srcId="{89F10044-3BB8-455D-B632-2A211E1C48B6}" destId="{6A284415-814F-4BEF-AC8D-C5631E62B063}" srcOrd="0" destOrd="0" parTransId="{9F5E2312-2CB5-475E-91BB-D208E5910871}" sibTransId="{645E7018-B739-4AE6-8788-B1FD5A915518}"/>
+    <dgm:cxn modelId="{C9E05477-012B-420C-BB0E-0025186FC0C7}" srcId="{89F10044-3BB8-455D-B632-2A211E1C48B6}" destId="{1BD04A26-62B8-44DD-9C92-C905947F465E}" srcOrd="2" destOrd="0" parTransId="{CDF9F1AB-D94C-4269-BB02-D34CF6244BA4}" sibTransId="{60C6E22C-1AD0-4DF3-A32B-21DCA06AE9C1}"/>
+    <dgm:cxn modelId="{C570187C-248B-47F2-9550-317D5207C9C0}" type="presOf" srcId="{60C6E22C-1AD0-4DF3-A32B-21DCA06AE9C1}" destId="{71029E25-ECA3-4B9E-A92A-F62FF325D81B}" srcOrd="0" destOrd="0" presId="urn:microsoft.com/office/officeart/2016/7/layout/LinearArrowProcessNumbered"/>
+    <dgm:cxn modelId="{6E123B9C-40CA-4D38-B4A3-370EEA9C33AC}" type="presOf" srcId="{032DD855-0432-4C94-A975-04F9DBA10919}" destId="{E4678FD4-D765-44BF-B8BC-F2A5FFFDB7F5}" srcOrd="0" destOrd="0" presId="urn:microsoft.com/office/officeart/2016/7/layout/LinearArrowProcessNumbered"/>
+    <dgm:cxn modelId="{5FD590A9-F3C5-4C8D-8517-819FA56D9164}" type="presOf" srcId="{89F10044-3BB8-455D-B632-2A211E1C48B6}" destId="{88B3E3AD-C531-4531-A748-C1D7B926B86D}" srcOrd="0" destOrd="0" presId="urn:microsoft.com/office/officeart/2016/7/layout/LinearArrowProcessNumbered"/>
+    <dgm:cxn modelId="{EF24D4B0-C5C4-449C-9539-441D77DBEF0C}" type="presOf" srcId="{1BD04A26-62B8-44DD-9C92-C905947F465E}" destId="{83671B20-2DD3-4683-9083-C1AC43CC1A7C}" srcOrd="0" destOrd="0" presId="urn:microsoft.com/office/officeart/2016/7/layout/LinearArrowProcessNumbered"/>
+    <dgm:cxn modelId="{41BF4FBA-740F-44CA-8C99-3E0DC9EFAE03}" type="presOf" srcId="{6A284415-814F-4BEF-AC8D-C5631E62B063}" destId="{B239A430-E804-4F80-B093-ACB09B9DE51B}" srcOrd="0" destOrd="0" presId="urn:microsoft.com/office/officeart/2016/7/layout/LinearArrowProcessNumbered"/>
+    <dgm:cxn modelId="{430C6FE1-96FD-4739-8F34-98030A865D2A}" type="presOf" srcId="{66BC2DE2-0F41-4C26-9611-9793F0AC59B6}" destId="{7151AB60-7D79-478C-BC77-4D84A1E2707E}" srcOrd="0" destOrd="0" presId="urn:microsoft.com/office/officeart/2016/7/layout/LinearArrowProcessNumbered"/>
+    <dgm:cxn modelId="{769C35E5-87A9-45BC-B6C3-F9167527C386}" type="presOf" srcId="{A87FA3D8-E9F3-4D92-A763-91DB040EFECA}" destId="{6202507F-0ABB-4214-A7D8-AC97F6540AFD}" srcOrd="0" destOrd="0" presId="urn:microsoft.com/office/officeart/2016/7/layout/LinearArrowProcessNumbered"/>
+    <dgm:cxn modelId="{E724D212-AE4C-4078-B82D-0DA3ECE60DD2}" type="presParOf" srcId="{88B3E3AD-C531-4531-A748-C1D7B926B86D}" destId="{E3A98A82-0091-49C7-BA02-2BB5BDCCA0FA}" srcOrd="0" destOrd="0" presId="urn:microsoft.com/office/officeart/2016/7/layout/LinearArrowProcessNumbered"/>
+    <dgm:cxn modelId="{470C8E27-0A32-4B09-99E3-9082377AF7AB}" type="presParOf" srcId="{E3A98A82-0091-49C7-BA02-2BB5BDCCA0FA}" destId="{3F0FCAA9-354D-460F-992C-5567C9018750}" srcOrd="0" destOrd="0" presId="urn:microsoft.com/office/officeart/2016/7/layout/LinearArrowProcessNumbered"/>
+    <dgm:cxn modelId="{0B0173A3-B8CC-462F-9D93-72EFFDD39FCC}" type="presParOf" srcId="{E3A98A82-0091-49C7-BA02-2BB5BDCCA0FA}" destId="{02AA51C1-A62E-4D4D-B1CB-6E7BECD76404}" srcOrd="1" destOrd="0" presId="urn:microsoft.com/office/officeart/2016/7/layout/LinearArrowProcessNumbered"/>
+    <dgm:cxn modelId="{E0CEA071-4981-40CF-A8F1-2267B5B4FA69}" type="presParOf" srcId="{02AA51C1-A62E-4D4D-B1CB-6E7BECD76404}" destId="{336EFDE4-1FDE-472D-B71F-001B5D2357E7}" srcOrd="0" destOrd="0" presId="urn:microsoft.com/office/officeart/2016/7/layout/LinearArrowProcessNumbered"/>
+    <dgm:cxn modelId="{29582DFF-DECD-4B10-89FA-D29692C0F5BE}" type="presParOf" srcId="{02AA51C1-A62E-4D4D-B1CB-6E7BECD76404}" destId="{87419A2D-5B1A-4036-A366-A87DB80145A5}" srcOrd="1" destOrd="0" presId="urn:microsoft.com/office/officeart/2016/7/layout/LinearArrowProcessNumbered"/>
+    <dgm:cxn modelId="{94110291-A1FB-47E5-B5AE-809C44352C2D}" type="presParOf" srcId="{02AA51C1-A62E-4D4D-B1CB-6E7BECD76404}" destId="{98346D83-95DE-4428-853E-B331C5C42E66}" srcOrd="2" destOrd="0" presId="urn:microsoft.com/office/officeart/2016/7/layout/LinearArrowProcessNumbered"/>
+    <dgm:cxn modelId="{0648C30E-4E9A-4D33-BA8F-EABA2FEF681B}" type="presParOf" srcId="{02AA51C1-A62E-4D4D-B1CB-6E7BECD76404}" destId="{43E05F34-DE52-4B5C-9A7C-505FAFD1F179}" srcOrd="3" destOrd="0" presId="urn:microsoft.com/office/officeart/2016/7/layout/LinearArrowProcessNumbered"/>
+    <dgm:cxn modelId="{D026882E-2A09-4798-86E2-AA2739F746A8}" type="presParOf" srcId="{E3A98A82-0091-49C7-BA02-2BB5BDCCA0FA}" destId="{B239A430-E804-4F80-B093-ACB09B9DE51B}" srcOrd="2" destOrd="0" presId="urn:microsoft.com/office/officeart/2016/7/layout/LinearArrowProcessNumbered"/>
+    <dgm:cxn modelId="{67015A11-2131-4E22-B48F-0CFFD0436EE5}" type="presParOf" srcId="{88B3E3AD-C531-4531-A748-C1D7B926B86D}" destId="{71C5D91F-B8D5-4001-ABB8-9FC9525D0A4D}" srcOrd="1" destOrd="0" presId="urn:microsoft.com/office/officeart/2016/7/layout/LinearArrowProcessNumbered"/>
+    <dgm:cxn modelId="{63A88E41-5AFB-4FCE-9341-2403E1E298AA}" type="presParOf" srcId="{88B3E3AD-C531-4531-A748-C1D7B926B86D}" destId="{230F57DA-0EE0-4E38-BF3A-9DAE1791DBE5}" srcOrd="2" destOrd="0" presId="urn:microsoft.com/office/officeart/2016/7/layout/LinearArrowProcessNumbered"/>
+    <dgm:cxn modelId="{81E2CDF7-A6D8-478C-A2AC-16D4ACC48E1D}" type="presParOf" srcId="{230F57DA-0EE0-4E38-BF3A-9DAE1791DBE5}" destId="{F1217EEF-B817-4E84-B124-C7186BCDBF64}" srcOrd="0" destOrd="0" presId="urn:microsoft.com/office/officeart/2016/7/layout/LinearArrowProcessNumbered"/>
+    <dgm:cxn modelId="{21637C51-8868-4ED6-933B-C144D914CD2D}" type="presParOf" srcId="{230F57DA-0EE0-4E38-BF3A-9DAE1791DBE5}" destId="{F735BF76-2FB8-4A26-BB8B-633F04AC4F69}" srcOrd="1" destOrd="0" presId="urn:microsoft.com/office/officeart/2016/7/layout/LinearArrowProcessNumbered"/>
+    <dgm:cxn modelId="{8D90A2B1-25D0-449D-B037-3B09C31147EB}" type="presParOf" srcId="{F735BF76-2FB8-4A26-BB8B-633F04AC4F69}" destId="{38193176-F18A-435C-87C3-650F214C927A}" srcOrd="0" destOrd="0" presId="urn:microsoft.com/office/officeart/2016/7/layout/LinearArrowProcessNumbered"/>
+    <dgm:cxn modelId="{3DB69596-5C32-4305-B065-749D47FCD801}" type="presParOf" srcId="{F735BF76-2FB8-4A26-BB8B-633F04AC4F69}" destId="{8861F60A-B427-4AAB-8BEA-AE188BAE02B4}" srcOrd="1" destOrd="0" presId="urn:microsoft.com/office/officeart/2016/7/layout/LinearArrowProcessNumbered"/>
+    <dgm:cxn modelId="{459E5498-7923-4E8D-BC90-E5B72B590B08}" type="presParOf" srcId="{F735BF76-2FB8-4A26-BB8B-633F04AC4F69}" destId="{E4678FD4-D765-44BF-B8BC-F2A5FFFDB7F5}" srcOrd="2" destOrd="0" presId="urn:microsoft.com/office/officeart/2016/7/layout/LinearArrowProcessNumbered"/>
+    <dgm:cxn modelId="{5DD81C92-8210-4E7C-911E-B24B9E169554}" type="presParOf" srcId="{F735BF76-2FB8-4A26-BB8B-633F04AC4F69}" destId="{402DA326-448D-4208-BCCC-E93227E7CB53}" srcOrd="3" destOrd="0" presId="urn:microsoft.com/office/officeart/2016/7/layout/LinearArrowProcessNumbered"/>
+    <dgm:cxn modelId="{6164145D-7D0D-40C6-9142-DB722F696F0F}" type="presParOf" srcId="{230F57DA-0EE0-4E38-BF3A-9DAE1791DBE5}" destId="{7151AB60-7D79-478C-BC77-4D84A1E2707E}" srcOrd="2" destOrd="0" presId="urn:microsoft.com/office/officeart/2016/7/layout/LinearArrowProcessNumbered"/>
+    <dgm:cxn modelId="{2E6605DB-36BF-4264-81EB-FFC65248C74A}" type="presParOf" srcId="{88B3E3AD-C531-4531-A748-C1D7B926B86D}" destId="{D856C688-B429-4522-ADC6-D131D424F1B5}" srcOrd="3" destOrd="0" presId="urn:microsoft.com/office/officeart/2016/7/layout/LinearArrowProcessNumbered"/>
+    <dgm:cxn modelId="{A35E5794-EC85-4F2B-95AD-6155F9CB27C1}" type="presParOf" srcId="{88B3E3AD-C531-4531-A748-C1D7B926B86D}" destId="{71E0D7EC-26CC-4E28-B482-8B458CDDFDCF}" srcOrd="4" destOrd="0" presId="urn:microsoft.com/office/officeart/2016/7/layout/LinearArrowProcessNumbered"/>
+    <dgm:cxn modelId="{717ADAD4-4E7E-42F7-BC2E-5E7D2AF0B9BC}" type="presParOf" srcId="{71E0D7EC-26CC-4E28-B482-8B458CDDFDCF}" destId="{BE0B9B8B-B420-4ECC-97B3-4FEC4580791D}" srcOrd="0" destOrd="0" presId="urn:microsoft.com/office/officeart/2016/7/layout/LinearArrowProcessNumbered"/>
+    <dgm:cxn modelId="{74315130-6CAF-445C-8FC0-32F75D23FD28}" type="presParOf" srcId="{71E0D7EC-26CC-4E28-B482-8B458CDDFDCF}" destId="{83612D3D-63DF-45F9-9DAF-64C5C213E20D}" srcOrd="1" destOrd="0" presId="urn:microsoft.com/office/officeart/2016/7/layout/LinearArrowProcessNumbered"/>
+    <dgm:cxn modelId="{2EFE8C4A-14CB-43B1-B24A-6C8F89D6907F}" type="presParOf" srcId="{83612D3D-63DF-45F9-9DAF-64C5C213E20D}" destId="{C1384CE1-4BC6-4C38-A1D5-7355662FBE89}" srcOrd="0" destOrd="0" presId="urn:microsoft.com/office/officeart/2016/7/layout/LinearArrowProcessNumbered"/>
+    <dgm:cxn modelId="{6D8099A3-7C33-42E7-A394-0D56579186B2}" type="presParOf" srcId="{83612D3D-63DF-45F9-9DAF-64C5C213E20D}" destId="{F189CFB5-2434-434C-901B-71C22FFA4AA8}" srcOrd="1" destOrd="0" presId="urn:microsoft.com/office/officeart/2016/7/layout/LinearArrowProcessNumbered"/>
+    <dgm:cxn modelId="{FCB57637-06C5-43A3-959A-8706BABED9C5}" type="presParOf" srcId="{83612D3D-63DF-45F9-9DAF-64C5C213E20D}" destId="{71029E25-ECA3-4B9E-A92A-F62FF325D81B}" srcOrd="2" destOrd="0" presId="urn:microsoft.com/office/officeart/2016/7/layout/LinearArrowProcessNumbered"/>
+    <dgm:cxn modelId="{FC8C2C78-4035-4218-8D08-15B3459406A5}" type="presParOf" srcId="{83612D3D-63DF-45F9-9DAF-64C5C213E20D}" destId="{7C939100-3606-4B58-9F36-8A4711A03D5D}" srcOrd="3" destOrd="0" presId="urn:microsoft.com/office/officeart/2016/7/layout/LinearArrowProcessNumbered"/>
+    <dgm:cxn modelId="{FC2D886D-8963-456A-864A-956C5FB9FF3C}" type="presParOf" srcId="{71E0D7EC-26CC-4E28-B482-8B458CDDFDCF}" destId="{83671B20-2DD3-4683-9083-C1AC43CC1A7C}" srcOrd="2" destOrd="0" presId="urn:microsoft.com/office/officeart/2016/7/layout/LinearArrowProcessNumbered"/>
+    <dgm:cxn modelId="{319D7F5F-9BE9-4191-AC7F-47C4FAA51471}" type="presParOf" srcId="{88B3E3AD-C531-4531-A748-C1D7B926B86D}" destId="{DC094415-F7A7-405C-B5B1-9859AF65831A}" srcOrd="5" destOrd="0" presId="urn:microsoft.com/office/officeart/2016/7/layout/LinearArrowProcessNumbered"/>
+    <dgm:cxn modelId="{E3FAE1F1-8626-4469-ABE6-18E80A48ED66}" type="presParOf" srcId="{88B3E3AD-C531-4531-A748-C1D7B926B86D}" destId="{B82F4E47-44A4-4429-9075-4EBCA803F7F3}" srcOrd="6" destOrd="0" presId="urn:microsoft.com/office/officeart/2016/7/layout/LinearArrowProcessNumbered"/>
+    <dgm:cxn modelId="{7B107B21-13EB-49BB-841A-E79990FE2AA3}" type="presParOf" srcId="{B82F4E47-44A4-4429-9075-4EBCA803F7F3}" destId="{EA674F57-BB8A-4086-B2C6-359FBE621828}" srcOrd="0" destOrd="0" presId="urn:microsoft.com/office/officeart/2016/7/layout/LinearArrowProcessNumbered"/>
+    <dgm:cxn modelId="{FBA13BCA-63CD-459B-A0E9-BCEC5805D6FC}" type="presParOf" srcId="{B82F4E47-44A4-4429-9075-4EBCA803F7F3}" destId="{647CE623-2DAB-40C5-A51B-BF4B345046B9}" srcOrd="1" destOrd="0" presId="urn:microsoft.com/office/officeart/2016/7/layout/LinearArrowProcessNumbered"/>
+    <dgm:cxn modelId="{0D788A6E-787E-4113-A778-EB6E28F6AE15}" type="presParOf" srcId="{647CE623-2DAB-40C5-A51B-BF4B345046B9}" destId="{ED76D99B-89B0-4D78-B55D-DB4CDC452A5F}" srcOrd="0" destOrd="0" presId="urn:microsoft.com/office/officeart/2016/7/layout/LinearArrowProcessNumbered"/>
+    <dgm:cxn modelId="{6862C8B0-B12D-44B7-A929-D4138B6C8304}" type="presParOf" srcId="{647CE623-2DAB-40C5-A51B-BF4B345046B9}" destId="{2AC8BC44-A2A6-4328-BA44-FAACBCB13958}" srcOrd="1" destOrd="0" presId="urn:microsoft.com/office/officeart/2016/7/layout/LinearArrowProcessNumbered"/>
+    <dgm:cxn modelId="{5DE1DB88-D04D-432A-BCB1-2A5B8D343DF8}" type="presParOf" srcId="{647CE623-2DAB-40C5-A51B-BF4B345046B9}" destId="{4E7F97DA-6147-4C8E-B597-CD15E927391D}" srcOrd="2" destOrd="0" presId="urn:microsoft.com/office/officeart/2016/7/layout/LinearArrowProcessNumbered"/>
+    <dgm:cxn modelId="{D3DCCE8C-53B0-4970-8E54-0C5C68635002}" type="presParOf" srcId="{647CE623-2DAB-40C5-A51B-BF4B345046B9}" destId="{4EFD35D6-CAAE-449E-A4D5-2D54FB442EBF}" srcOrd="3" destOrd="0" presId="urn:microsoft.com/office/officeart/2016/7/layout/LinearArrowProcessNumbered"/>
+    <dgm:cxn modelId="{6B3A6A05-6399-4FD7-87F7-7421AA072457}" type="presParOf" srcId="{B82F4E47-44A4-4429-9075-4EBCA803F7F3}" destId="{6202507F-0ABB-4214-A7D8-AC97F6540AFD}" srcOrd="2" destOrd="0" presId="urn:microsoft.com/office/officeart/2016/7/layout/LinearArrowProcessNumbered"/>
+  </dgm:cxnLst>
+  <dgm:bg/>
+  <dgm:whole/>
+  <dgm:extLst>
+    <a:ext uri="http://schemas.microsoft.com/office/drawing/2008/diagram">
+      <dsp:dataModelExt xmlns:dsp="http://schemas.microsoft.com/office/drawing/2008/diagram" relId="rId7" minVer="http://schemas.openxmlformats.org/drawingml/2006/diagram"/>
+    </a:ext>
+  </dgm:extLst>
+</dgm:dataModel>
+</file>
+
+<file path=ppt/diagrams/drawing1.xml><?xml version="1.0" encoding="utf-8"?>
+<dsp:drawing xmlns:dgm="http://schemas.openxmlformats.org/drawingml/2006/diagram" xmlns:dsp="http://schemas.microsoft.com/office/drawing/2008/diagram" xmlns:a="http://schemas.openxmlformats.org/drawingml/2006/main">
+  <dsp:spTree>
+    <dsp:nvGrpSpPr>
+      <dsp:cNvPr id="0" name=""/>
+      <dsp:cNvGrpSpPr/>
+    </dsp:nvGrpSpPr>
+    <dsp:grpSpPr/>
+    <dsp:sp modelId="{A848F9F4-9606-4C25-AFC6-25A6DFA0B932}">
+      <dsp:nvSpPr>
+        <dsp:cNvPr id="0" name=""/>
+        <dsp:cNvSpPr/>
+      </dsp:nvSpPr>
+      <dsp:spPr>
+        <a:xfrm>
+          <a:off x="861" y="629207"/>
+          <a:ext cx="1679963" cy="671985"/>
+        </a:xfrm>
+        <a:prstGeom prst="homePlate">
+          <a:avLst/>
+        </a:prstGeom>
+        <a:gradFill rotWithShape="0">
+          <a:gsLst>
+            <a:gs pos="0">
+              <a:schemeClr val="accent3">
+                <a:hueOff val="0"/>
+                <a:satOff val="0"/>
+                <a:lumOff val="0"/>
+                <a:alphaOff val="0"/>
+                <a:tint val="97000"/>
+                <a:satMod val="100000"/>
+                <a:lumMod val="102000"/>
+              </a:schemeClr>
+            </a:gs>
+            <a:gs pos="50000">
+              <a:schemeClr val="accent3">
+                <a:hueOff val="0"/>
+                <a:satOff val="0"/>
+                <a:lumOff val="0"/>
+                <a:alphaOff val="0"/>
+                <a:shade val="100000"/>
+                <a:satMod val="103000"/>
+                <a:lumMod val="100000"/>
+              </a:schemeClr>
+            </a:gs>
+            <a:gs pos="100000">
+              <a:schemeClr val="accent3">
+                <a:hueOff val="0"/>
+                <a:satOff val="0"/>
+                <a:lumOff val="0"/>
+                <a:alphaOff val="0"/>
+                <a:shade val="93000"/>
+                <a:satMod val="110000"/>
+                <a:lumMod val="99000"/>
+              </a:schemeClr>
+            </a:gs>
+          </a:gsLst>
+          <a:lin ang="5400000" scaled="0"/>
+        </a:gradFill>
+        <a:ln>
+          <a:noFill/>
+        </a:ln>
+        <a:effectLst/>
+      </dsp:spPr>
+      <dsp:style>
+        <a:lnRef idx="0">
+          <a:scrgbClr r="0" g="0" b="0"/>
+        </a:lnRef>
+        <a:fillRef idx="3">
+          <a:scrgbClr r="0" g="0" b="0"/>
+        </a:fillRef>
+        <a:effectRef idx="2">
+          <a:scrgbClr r="0" g="0" b="0"/>
+        </a:effectRef>
+        <a:fontRef idx="minor">
+          <a:schemeClr val="lt1"/>
+        </a:fontRef>
+      </dsp:style>
+      <dsp:txBody>
+        <a:bodyPr spcFirstLastPara="0" vert="horz" wrap="square" lIns="117348" tIns="58674" rIns="29337" bIns="58674" numCol="1" spcCol="1270" anchor="ctr" anchorCtr="0">
+          <a:noAutofit/>
+        </a:bodyPr>
+        <a:lstStyle/>
+        <a:p>
+          <a:pPr marL="0" lvl="0" indent="0" algn="ctr" defTabSz="977900">
+            <a:lnSpc>
+              <a:spcPct val="90000"/>
+            </a:lnSpc>
+            <a:spcBef>
+              <a:spcPct val="0"/>
+            </a:spcBef>
+            <a:spcAft>
+              <a:spcPct val="35000"/>
+            </a:spcAft>
+            <a:buNone/>
+          </a:pPr>
+          <a:r>
+            <a:rPr lang="en-US" sz="2200" kern="1200"/>
+            <a:t>Conception</a:t>
+          </a:r>
+        </a:p>
+      </dsp:txBody>
+      <dsp:txXfrm>
+        <a:off x="861" y="629207"/>
+        <a:ext cx="1511967" cy="671985"/>
+      </dsp:txXfrm>
+    </dsp:sp>
+    <dsp:sp modelId="{C8712A88-DA8E-471E-B8F2-E2EA2A46CA76}">
+      <dsp:nvSpPr>
+        <dsp:cNvPr id="0" name=""/>
+        <dsp:cNvSpPr/>
+      </dsp:nvSpPr>
+      <dsp:spPr>
+        <a:xfrm>
+          <a:off x="1344832" y="629207"/>
+          <a:ext cx="1679963" cy="671985"/>
+        </a:xfrm>
+        <a:prstGeom prst="chevron">
+          <a:avLst/>
+        </a:prstGeom>
+        <a:gradFill rotWithShape="0">
+          <a:gsLst>
+            <a:gs pos="0">
+              <a:schemeClr val="accent3">
+                <a:hueOff val="777139"/>
+                <a:satOff val="-11497"/>
+                <a:lumOff val="2157"/>
+                <a:alphaOff val="0"/>
+                <a:tint val="97000"/>
+                <a:satMod val="100000"/>
+                <a:lumMod val="102000"/>
+              </a:schemeClr>
+            </a:gs>
+            <a:gs pos="50000">
+              <a:schemeClr val="accent3">
+                <a:hueOff val="777139"/>
+                <a:satOff val="-11497"/>
+                <a:lumOff val="2157"/>
+                <a:alphaOff val="0"/>
+                <a:shade val="100000"/>
+                <a:satMod val="103000"/>
+                <a:lumMod val="100000"/>
+              </a:schemeClr>
+            </a:gs>
+            <a:gs pos="100000">
+              <a:schemeClr val="accent3">
+                <a:hueOff val="777139"/>
+                <a:satOff val="-11497"/>
+                <a:lumOff val="2157"/>
+                <a:alphaOff val="0"/>
+                <a:shade val="93000"/>
+                <a:satMod val="110000"/>
+                <a:lumMod val="99000"/>
+              </a:schemeClr>
+            </a:gs>
+          </a:gsLst>
+          <a:lin ang="5400000" scaled="0"/>
+        </a:gradFill>
+        <a:ln>
+          <a:noFill/>
+        </a:ln>
+        <a:effectLst/>
+      </dsp:spPr>
+      <dsp:style>
+        <a:lnRef idx="0">
+          <a:scrgbClr r="0" g="0" b="0"/>
+        </a:lnRef>
+        <a:fillRef idx="3">
+          <a:scrgbClr r="0" g="0" b="0"/>
+        </a:fillRef>
+        <a:effectRef idx="2">
+          <a:scrgbClr r="0" g="0" b="0"/>
+        </a:effectRef>
+        <a:fontRef idx="minor">
+          <a:schemeClr val="lt1"/>
+        </a:fontRef>
+      </dsp:style>
+      <dsp:txBody>
+        <a:bodyPr spcFirstLastPara="0" vert="horz" wrap="square" lIns="88011" tIns="58674" rIns="29337" bIns="58674" numCol="1" spcCol="1270" anchor="ctr" anchorCtr="0">
+          <a:noAutofit/>
+        </a:bodyPr>
+        <a:lstStyle/>
+        <a:p>
+          <a:pPr marL="0" lvl="0" indent="0" algn="ctr" defTabSz="977900">
+            <a:lnSpc>
+              <a:spcPct val="90000"/>
+            </a:lnSpc>
+            <a:spcBef>
+              <a:spcPct val="0"/>
+            </a:spcBef>
+            <a:spcAft>
+              <a:spcPct val="35000"/>
+            </a:spcAft>
+            <a:buNone/>
+          </a:pPr>
+          <a:r>
+            <a:rPr lang="en-US" sz="2200" kern="1200"/>
+            <a:t>Plan</a:t>
+          </a:r>
+        </a:p>
+      </dsp:txBody>
+      <dsp:txXfrm>
+        <a:off x="1680825" y="629207"/>
+        <a:ext cx="1007978" cy="671985"/>
+      </dsp:txXfrm>
+    </dsp:sp>
+    <dsp:sp modelId="{4554CE7A-7C51-4208-8A12-7B6AD67C02A7}">
+      <dsp:nvSpPr>
+        <dsp:cNvPr id="0" name=""/>
+        <dsp:cNvSpPr/>
+      </dsp:nvSpPr>
+      <dsp:spPr>
+        <a:xfrm>
+          <a:off x="2688803" y="629207"/>
+          <a:ext cx="1679963" cy="671985"/>
+        </a:xfrm>
+        <a:prstGeom prst="chevron">
+          <a:avLst/>
+        </a:prstGeom>
+        <a:gradFill rotWithShape="0">
+          <a:gsLst>
+            <a:gs pos="0">
+              <a:schemeClr val="accent3">
+                <a:hueOff val="1554279"/>
+                <a:satOff val="-22994"/>
+                <a:lumOff val="4314"/>
+                <a:alphaOff val="0"/>
+                <a:tint val="97000"/>
+                <a:satMod val="100000"/>
+                <a:lumMod val="102000"/>
+              </a:schemeClr>
+            </a:gs>
+            <a:gs pos="50000">
+              <a:schemeClr val="accent3">
+                <a:hueOff val="1554279"/>
+                <a:satOff val="-22994"/>
+                <a:lumOff val="4314"/>
+                <a:alphaOff val="0"/>
+                <a:shade val="100000"/>
+                <a:satMod val="103000"/>
+                <a:lumMod val="100000"/>
+              </a:schemeClr>
+            </a:gs>
+            <a:gs pos="100000">
+              <a:schemeClr val="accent3">
+                <a:hueOff val="1554279"/>
+                <a:satOff val="-22994"/>
+                <a:lumOff val="4314"/>
+                <a:alphaOff val="0"/>
+                <a:shade val="93000"/>
+                <a:satMod val="110000"/>
+                <a:lumMod val="99000"/>
+              </a:schemeClr>
+            </a:gs>
+          </a:gsLst>
+          <a:lin ang="5400000" scaled="0"/>
+        </a:gradFill>
+        <a:ln>
+          <a:noFill/>
+        </a:ln>
+        <a:effectLst/>
+      </dsp:spPr>
+      <dsp:style>
+        <a:lnRef idx="0">
+          <a:scrgbClr r="0" g="0" b="0"/>
+        </a:lnRef>
+        <a:fillRef idx="3">
+          <a:scrgbClr r="0" g="0" b="0"/>
+        </a:fillRef>
+        <a:effectRef idx="2">
+          <a:scrgbClr r="0" g="0" b="0"/>
+        </a:effectRef>
+        <a:fontRef idx="minor">
+          <a:schemeClr val="lt1"/>
+        </a:fontRef>
+      </dsp:style>
+      <dsp:txBody>
+        <a:bodyPr spcFirstLastPara="0" vert="horz" wrap="square" lIns="88011" tIns="58674" rIns="29337" bIns="58674" numCol="1" spcCol="1270" anchor="ctr" anchorCtr="0">
+          <a:noAutofit/>
+        </a:bodyPr>
+        <a:lstStyle/>
+        <a:p>
+          <a:pPr marL="0" lvl="0" indent="0" algn="ctr" defTabSz="977900">
+            <a:lnSpc>
+              <a:spcPct val="90000"/>
+            </a:lnSpc>
+            <a:spcBef>
+              <a:spcPct val="0"/>
+            </a:spcBef>
+            <a:spcAft>
+              <a:spcPct val="35000"/>
+            </a:spcAft>
+            <a:buNone/>
+          </a:pPr>
+          <a:r>
+            <a:rPr lang="en-US" sz="2200" kern="1200"/>
+            <a:t>Design</a:t>
+          </a:r>
+        </a:p>
+      </dsp:txBody>
+      <dsp:txXfrm>
+        <a:off x="3024796" y="629207"/>
+        <a:ext cx="1007978" cy="671985"/>
+      </dsp:txXfrm>
+    </dsp:sp>
+    <dsp:sp modelId="{61E644B1-66D5-4E96-A723-5BD44BEEC46B}">
+      <dsp:nvSpPr>
+        <dsp:cNvPr id="0" name=""/>
+        <dsp:cNvSpPr/>
+      </dsp:nvSpPr>
+      <dsp:spPr>
+        <a:xfrm>
+          <a:off x="4032774" y="629207"/>
+          <a:ext cx="1679963" cy="671985"/>
+        </a:xfrm>
+        <a:prstGeom prst="chevron">
+          <a:avLst/>
+        </a:prstGeom>
+        <a:gradFill rotWithShape="0">
+          <a:gsLst>
+            <a:gs pos="0">
+              <a:schemeClr val="accent3">
+                <a:hueOff val="2331418"/>
+                <a:satOff val="-34491"/>
+                <a:lumOff val="6471"/>
+                <a:alphaOff val="0"/>
+                <a:tint val="97000"/>
+                <a:satMod val="100000"/>
+                <a:lumMod val="102000"/>
+              </a:schemeClr>
+            </a:gs>
+            <a:gs pos="50000">
+              <a:schemeClr val="accent3">
+                <a:hueOff val="2331418"/>
+                <a:satOff val="-34491"/>
+                <a:lumOff val="6471"/>
+                <a:alphaOff val="0"/>
+                <a:shade val="100000"/>
+                <a:satMod val="103000"/>
+                <a:lumMod val="100000"/>
+              </a:schemeClr>
+            </a:gs>
+            <a:gs pos="100000">
+              <a:schemeClr val="accent3">
+                <a:hueOff val="2331418"/>
+                <a:satOff val="-34491"/>
+                <a:lumOff val="6471"/>
+                <a:alphaOff val="0"/>
+                <a:shade val="93000"/>
+                <a:satMod val="110000"/>
+                <a:lumMod val="99000"/>
+              </a:schemeClr>
+            </a:gs>
+          </a:gsLst>
+          <a:lin ang="5400000" scaled="0"/>
+        </a:gradFill>
+        <a:ln>
+          <a:noFill/>
+        </a:ln>
+        <a:effectLst/>
+      </dsp:spPr>
+      <dsp:style>
+        <a:lnRef idx="0">
+          <a:scrgbClr r="0" g="0" b="0"/>
+        </a:lnRef>
+        <a:fillRef idx="3">
+          <a:scrgbClr r="0" g="0" b="0"/>
+        </a:fillRef>
+        <a:effectRef idx="2">
+          <a:scrgbClr r="0" g="0" b="0"/>
+        </a:effectRef>
+        <a:fontRef idx="minor">
+          <a:schemeClr val="lt1"/>
+        </a:fontRef>
+      </dsp:style>
+      <dsp:txBody>
+        <a:bodyPr spcFirstLastPara="0" vert="horz" wrap="square" lIns="0" tIns="0" rIns="0" bIns="0" numCol="1" spcCol="1270" anchor="ctr" anchorCtr="0">
+          <a:noAutofit/>
+        </a:bodyPr>
+        <a:lstStyle/>
+        <a:p>
+          <a:pPr marL="0" lvl="0" indent="0" algn="ctr" defTabSz="977900">
+            <a:lnSpc>
+              <a:spcPct val="90000"/>
+            </a:lnSpc>
+            <a:spcBef>
+              <a:spcPct val="0"/>
+            </a:spcBef>
+            <a:spcAft>
+              <a:spcPct val="35000"/>
+            </a:spcAft>
+            <a:buNone/>
+          </a:pPr>
+          <a:r>
+            <a:rPr lang="en-US" sz="2200" kern="1200" dirty="0"/>
+            <a:t>Develop</a:t>
+          </a:r>
+        </a:p>
+      </dsp:txBody>
+      <dsp:txXfrm>
+        <a:off x="4368767" y="629207"/>
+        <a:ext cx="1007978" cy="671985"/>
+      </dsp:txXfrm>
+    </dsp:sp>
+    <dsp:sp modelId="{93C70A23-D549-4889-9745-9AE1A2B0FA73}">
+      <dsp:nvSpPr>
+        <dsp:cNvPr id="0" name=""/>
+        <dsp:cNvSpPr/>
+      </dsp:nvSpPr>
+      <dsp:spPr>
+        <a:xfrm>
+          <a:off x="5376745" y="629207"/>
+          <a:ext cx="1679963" cy="671985"/>
+        </a:xfrm>
+        <a:prstGeom prst="chevron">
+          <a:avLst/>
+        </a:prstGeom>
+        <a:gradFill rotWithShape="0">
+          <a:gsLst>
+            <a:gs pos="0">
+              <a:schemeClr val="accent3">
+                <a:hueOff val="3108557"/>
+                <a:satOff val="-45988"/>
+                <a:lumOff val="8628"/>
+                <a:alphaOff val="0"/>
+                <a:tint val="97000"/>
+                <a:satMod val="100000"/>
+                <a:lumMod val="102000"/>
+              </a:schemeClr>
+            </a:gs>
+            <a:gs pos="50000">
+              <a:schemeClr val="accent3">
+                <a:hueOff val="3108557"/>
+                <a:satOff val="-45988"/>
+                <a:lumOff val="8628"/>
+                <a:alphaOff val="0"/>
+                <a:shade val="100000"/>
+                <a:satMod val="103000"/>
+                <a:lumMod val="100000"/>
+              </a:schemeClr>
+            </a:gs>
+            <a:gs pos="100000">
+              <a:schemeClr val="accent3">
+                <a:hueOff val="3108557"/>
+                <a:satOff val="-45988"/>
+                <a:lumOff val="8628"/>
+                <a:alphaOff val="0"/>
+                <a:shade val="93000"/>
+                <a:satMod val="110000"/>
+                <a:lumMod val="99000"/>
+              </a:schemeClr>
+            </a:gs>
+          </a:gsLst>
+          <a:lin ang="5400000" scaled="0"/>
+        </a:gradFill>
+        <a:ln>
+          <a:noFill/>
+        </a:ln>
+        <a:effectLst/>
+      </dsp:spPr>
+      <dsp:style>
+        <a:lnRef idx="0">
+          <a:scrgbClr r="0" g="0" b="0"/>
+        </a:lnRef>
+        <a:fillRef idx="3">
+          <a:scrgbClr r="0" g="0" b="0"/>
+        </a:fillRef>
+        <a:effectRef idx="2">
+          <a:scrgbClr r="0" g="0" b="0"/>
+        </a:effectRef>
+        <a:fontRef idx="minor">
+          <a:schemeClr val="lt1"/>
+        </a:fontRef>
+      </dsp:style>
+      <dsp:txBody>
+        <a:bodyPr spcFirstLastPara="0" vert="horz" wrap="square" lIns="88011" tIns="58674" rIns="29337" bIns="58674" numCol="1" spcCol="1270" anchor="ctr" anchorCtr="0">
+          <a:noAutofit/>
+        </a:bodyPr>
+        <a:lstStyle/>
+        <a:p>
+          <a:pPr marL="0" lvl="0" indent="0" algn="ctr" defTabSz="977900">
+            <a:lnSpc>
+              <a:spcPct val="90000"/>
+            </a:lnSpc>
+            <a:spcBef>
+              <a:spcPct val="0"/>
+            </a:spcBef>
+            <a:spcAft>
+              <a:spcPct val="35000"/>
+            </a:spcAft>
+            <a:buNone/>
+          </a:pPr>
+          <a:r>
+            <a:rPr lang="en-US" sz="2200" kern="1200"/>
+            <a:t>Test</a:t>
+          </a:r>
+        </a:p>
+      </dsp:txBody>
+      <dsp:txXfrm>
+        <a:off x="5712738" y="629207"/>
+        <a:ext cx="1007978" cy="671985"/>
+      </dsp:txXfrm>
+    </dsp:sp>
+  </dsp:spTree>
+</dsp:drawing>
+</file>
+
+<file path=ppt/diagrams/drawing2.xml><?xml version="1.0" encoding="utf-8"?>
+<dsp:drawing xmlns:dgm="http://schemas.openxmlformats.org/drawingml/2006/diagram" xmlns:dsp="http://schemas.microsoft.com/office/drawing/2008/diagram" xmlns:a="http://schemas.openxmlformats.org/drawingml/2006/main">
+  <dsp:spTree>
+    <dsp:nvGrpSpPr>
+      <dsp:cNvPr id="0" name=""/>
+      <dsp:cNvGrpSpPr/>
+    </dsp:nvGrpSpPr>
+    <dsp:grpSpPr/>
+    <dsp:sp modelId="{336EFDE4-1FDE-472D-B71F-001B5D2357E7}">
+      <dsp:nvSpPr>
+        <dsp:cNvPr id="0" name=""/>
+        <dsp:cNvSpPr/>
+      </dsp:nvSpPr>
+      <dsp:spPr>
+        <a:xfrm>
+          <a:off x="1282700" y="532860"/>
+          <a:ext cx="1026160" cy="72"/>
+        </a:xfrm>
+        <a:prstGeom prst="rect">
+          <a:avLst/>
+        </a:prstGeom>
+        <a:solidFill>
+          <a:schemeClr val="accent1">
+            <a:alpha val="90000"/>
+            <a:tint val="40000"/>
+            <a:hueOff val="0"/>
+            <a:satOff val="0"/>
+            <a:lumOff val="0"/>
+            <a:alphaOff val="0"/>
+          </a:schemeClr>
+        </a:solidFill>
+        <a:ln w="12700" cap="flat" cmpd="sng" algn="ctr">
+          <a:solidFill>
+            <a:schemeClr val="accent1">
+              <a:alpha val="90000"/>
+              <a:tint val="40000"/>
+              <a:hueOff val="0"/>
+              <a:satOff val="0"/>
+              <a:lumOff val="0"/>
+              <a:alphaOff val="0"/>
+            </a:schemeClr>
+          </a:solidFill>
+          <a:prstDash val="solid"/>
+        </a:ln>
+        <a:effectLst/>
+      </dsp:spPr>
+      <dsp:style>
+        <a:lnRef idx="2">
+          <a:scrgbClr r="0" g="0" b="0"/>
+        </a:lnRef>
+        <a:fillRef idx="1">
+          <a:scrgbClr r="0" g="0" b="0"/>
+        </a:fillRef>
+        <a:effectRef idx="0">
+          <a:scrgbClr r="0" g="0" b="0"/>
+        </a:effectRef>
+        <a:fontRef idx="minor"/>
+      </dsp:style>
+    </dsp:sp>
+    <dsp:sp modelId="{87419A2D-5B1A-4036-A366-A87DB80145A5}">
+      <dsp:nvSpPr>
+        <dsp:cNvPr id="0" name=""/>
+        <dsp:cNvSpPr/>
+      </dsp:nvSpPr>
+      <dsp:spPr>
+        <a:xfrm>
+          <a:off x="2370429" y="446698"/>
+          <a:ext cx="118008" cy="221650"/>
+        </a:xfrm>
+        <a:prstGeom prst="chevron">
+          <a:avLst>
+            <a:gd name="adj" fmla="val 90000"/>
+          </a:avLst>
+        </a:prstGeom>
+        <a:solidFill>
+          <a:schemeClr val="accent1">
+            <a:alpha val="90000"/>
+            <a:tint val="40000"/>
+            <a:hueOff val="0"/>
+            <a:satOff val="0"/>
+            <a:lumOff val="0"/>
+            <a:alphaOff val="0"/>
+          </a:schemeClr>
+        </a:solidFill>
+        <a:ln w="12700" cap="flat" cmpd="sng" algn="ctr">
+          <a:solidFill>
+            <a:schemeClr val="accent1">
+              <a:alpha val="90000"/>
+              <a:tint val="40000"/>
+              <a:hueOff val="0"/>
+              <a:satOff val="0"/>
+              <a:lumOff val="0"/>
+              <a:alphaOff val="0"/>
+            </a:schemeClr>
+          </a:solidFill>
+          <a:prstDash val="solid"/>
+        </a:ln>
+        <a:effectLst/>
+      </dsp:spPr>
+      <dsp:style>
+        <a:lnRef idx="2">
+          <a:scrgbClr r="0" g="0" b="0"/>
+        </a:lnRef>
+        <a:fillRef idx="1">
+          <a:scrgbClr r="0" g="0" b="0"/>
+        </a:fillRef>
+        <a:effectRef idx="0">
+          <a:scrgbClr r="0" g="0" b="0"/>
+        </a:effectRef>
+        <a:fontRef idx="minor"/>
+      </dsp:style>
+    </dsp:sp>
+    <dsp:sp modelId="{98346D83-95DE-4428-853E-B331C5C42E66}">
+      <dsp:nvSpPr>
+        <dsp:cNvPr id="0" name=""/>
+        <dsp:cNvSpPr/>
+      </dsp:nvSpPr>
+      <dsp:spPr>
+        <a:xfrm>
+          <a:off x="621533" y="0"/>
+          <a:ext cx="1065792" cy="1065792"/>
+        </a:xfrm>
+        <a:prstGeom prst="ellipse">
+          <a:avLst/>
+        </a:prstGeom>
+        <a:solidFill>
+          <a:schemeClr val="accent1">
+            <a:hueOff val="0"/>
+            <a:satOff val="0"/>
+            <a:lumOff val="0"/>
+            <a:alphaOff val="0"/>
+          </a:schemeClr>
+        </a:solidFill>
+        <a:ln w="12700" cap="flat" cmpd="sng" algn="ctr">
+          <a:solidFill>
+            <a:schemeClr val="accent1">
+              <a:hueOff val="0"/>
+              <a:satOff val="0"/>
+              <a:lumOff val="0"/>
+              <a:alphaOff val="0"/>
+            </a:schemeClr>
+          </a:solidFill>
+          <a:prstDash val="solid"/>
+        </a:ln>
+        <a:effectLst/>
+      </dsp:spPr>
+      <dsp:style>
+        <a:lnRef idx="2">
+          <a:scrgbClr r="0" g="0" b="0"/>
+        </a:lnRef>
+        <a:fillRef idx="1">
+          <a:scrgbClr r="0" g="0" b="0"/>
+        </a:fillRef>
+        <a:effectRef idx="0">
+          <a:scrgbClr r="0" g="0" b="0"/>
+        </a:effectRef>
+        <a:fontRef idx="minor">
+          <a:schemeClr val="lt1"/>
+        </a:fontRef>
+      </dsp:style>
+      <dsp:txBody>
+        <a:bodyPr spcFirstLastPara="0" vert="horz" wrap="square" lIns="41359" tIns="41359" rIns="41359" bIns="41359" numCol="1" spcCol="1270" anchor="ctr" anchorCtr="0">
+          <a:noAutofit/>
+        </a:bodyPr>
+        <a:lstStyle/>
+        <a:p>
+          <a:pPr marL="0" lvl="0" indent="0" algn="ctr" defTabSz="2178050">
+            <a:lnSpc>
+              <a:spcPct val="90000"/>
+            </a:lnSpc>
+            <a:spcBef>
+              <a:spcPct val="0"/>
+            </a:spcBef>
+            <a:spcAft>
+              <a:spcPct val="35000"/>
+            </a:spcAft>
+            <a:buNone/>
+          </a:pPr>
+          <a:r>
+            <a:rPr lang="en-US" sz="4900" kern="1200"/>
+            <a:t>1</a:t>
+          </a:r>
+        </a:p>
+      </dsp:txBody>
+      <dsp:txXfrm>
+        <a:off x="777615" y="156082"/>
+        <a:ext cx="753628" cy="753628"/>
+      </dsp:txXfrm>
+    </dsp:sp>
+    <dsp:sp modelId="{B239A430-E804-4F80-B093-ACB09B9DE51B}">
+      <dsp:nvSpPr>
+        <dsp:cNvPr id="0" name=""/>
+        <dsp:cNvSpPr/>
+      </dsp:nvSpPr>
+      <dsp:spPr>
+        <a:xfrm>
+          <a:off x="0" y="1231392"/>
+          <a:ext cx="2308860" cy="1876356"/>
+        </a:xfrm>
+        <a:prstGeom prst="upArrowCallout">
+          <a:avLst>
+            <a:gd name="adj1" fmla="val 50000"/>
+            <a:gd name="adj2" fmla="val 20000"/>
+            <a:gd name="adj3" fmla="val 20000"/>
+            <a:gd name="adj4" fmla="val 100000"/>
+          </a:avLst>
+        </a:prstGeom>
+        <a:solidFill>
+          <a:schemeClr val="accent1">
+            <a:alpha val="90000"/>
+            <a:tint val="40000"/>
+            <a:hueOff val="0"/>
+            <a:satOff val="0"/>
+            <a:lumOff val="0"/>
+            <a:alphaOff val="0"/>
+          </a:schemeClr>
+        </a:solidFill>
+        <a:ln w="12700" cap="flat" cmpd="sng" algn="ctr">
+          <a:solidFill>
+            <a:schemeClr val="accent1">
+              <a:alpha val="90000"/>
+              <a:tint val="40000"/>
+              <a:hueOff val="0"/>
+              <a:satOff val="0"/>
+              <a:lumOff val="0"/>
+              <a:alphaOff val="0"/>
+            </a:schemeClr>
+          </a:solidFill>
+          <a:prstDash val="solid"/>
+        </a:ln>
+        <a:effectLst/>
+      </dsp:spPr>
+      <dsp:style>
+        <a:lnRef idx="2">
+          <a:scrgbClr r="0" g="0" b="0"/>
+        </a:lnRef>
+        <a:fillRef idx="1">
+          <a:scrgbClr r="0" g="0" b="0"/>
+        </a:fillRef>
+        <a:effectRef idx="0">
+          <a:scrgbClr r="0" g="0" b="0"/>
+        </a:effectRef>
+        <a:fontRef idx="minor"/>
+      </dsp:style>
+      <dsp:txBody>
+        <a:bodyPr spcFirstLastPara="0" vert="horz" wrap="square" lIns="228600" tIns="165100" rIns="228600" bIns="165100" numCol="1" spcCol="1270" anchor="t" anchorCtr="0">
+          <a:noAutofit/>
+        </a:bodyPr>
+        <a:lstStyle/>
+        <a:p>
+          <a:pPr marL="0" lvl="0" indent="0" algn="l" defTabSz="889000">
+            <a:lnSpc>
+              <a:spcPct val="90000"/>
+            </a:lnSpc>
+            <a:spcBef>
+              <a:spcPct val="0"/>
+            </a:spcBef>
+            <a:spcAft>
+              <a:spcPct val="35000"/>
+            </a:spcAft>
+            <a:buNone/>
+          </a:pPr>
+          <a:r>
+            <a:rPr lang="en-US" sz="2000" kern="1200" dirty="0"/>
+            <a:t>Group into 2~3 people</a:t>
+          </a:r>
+        </a:p>
+      </dsp:txBody>
+      <dsp:txXfrm>
+        <a:off x="0" y="1606663"/>
+        <a:ext cx="2308860" cy="1501085"/>
+      </dsp:txXfrm>
+    </dsp:sp>
+    <dsp:sp modelId="{38193176-F18A-435C-87C3-650F214C927A}">
+      <dsp:nvSpPr>
+        <dsp:cNvPr id="0" name=""/>
+        <dsp:cNvSpPr/>
+      </dsp:nvSpPr>
+      <dsp:spPr>
+        <a:xfrm>
+          <a:off x="2565400" y="532860"/>
+          <a:ext cx="2308860" cy="72"/>
+        </a:xfrm>
+        <a:prstGeom prst="rect">
+          <a:avLst/>
+        </a:prstGeom>
+        <a:solidFill>
+          <a:schemeClr val="accent1">
+            <a:alpha val="90000"/>
+            <a:tint val="40000"/>
+            <a:hueOff val="0"/>
+            <a:satOff val="0"/>
+            <a:lumOff val="0"/>
+            <a:alphaOff val="0"/>
+          </a:schemeClr>
+        </a:solidFill>
+        <a:ln w="12700" cap="flat" cmpd="sng" algn="ctr">
+          <a:solidFill>
+            <a:schemeClr val="accent1">
+              <a:alpha val="90000"/>
+              <a:tint val="40000"/>
+              <a:hueOff val="0"/>
+              <a:satOff val="0"/>
+              <a:lumOff val="0"/>
+              <a:alphaOff val="0"/>
+            </a:schemeClr>
+          </a:solidFill>
+          <a:prstDash val="solid"/>
+        </a:ln>
+        <a:effectLst/>
+      </dsp:spPr>
+      <dsp:style>
+        <a:lnRef idx="2">
+          <a:scrgbClr r="0" g="0" b="0"/>
+        </a:lnRef>
+        <a:fillRef idx="1">
+          <a:scrgbClr r="0" g="0" b="0"/>
+        </a:fillRef>
+        <a:effectRef idx="0">
+          <a:scrgbClr r="0" g="0" b="0"/>
+        </a:effectRef>
+        <a:fontRef idx="minor"/>
+      </dsp:style>
+    </dsp:sp>
+    <dsp:sp modelId="{8861F60A-B427-4AAB-8BEA-AE188BAE02B4}">
+      <dsp:nvSpPr>
+        <dsp:cNvPr id="0" name=""/>
+        <dsp:cNvSpPr/>
+      </dsp:nvSpPr>
+      <dsp:spPr>
+        <a:xfrm>
+          <a:off x="4935829" y="446698"/>
+          <a:ext cx="118008" cy="221650"/>
+        </a:xfrm>
+        <a:prstGeom prst="chevron">
+          <a:avLst>
+            <a:gd name="adj" fmla="val 90000"/>
+          </a:avLst>
+        </a:prstGeom>
+        <a:solidFill>
+          <a:schemeClr val="accent1">
+            <a:alpha val="90000"/>
+            <a:tint val="40000"/>
+            <a:hueOff val="0"/>
+            <a:satOff val="0"/>
+            <a:lumOff val="0"/>
+            <a:alphaOff val="0"/>
+          </a:schemeClr>
+        </a:solidFill>
+        <a:ln w="12700" cap="flat" cmpd="sng" algn="ctr">
+          <a:solidFill>
+            <a:schemeClr val="accent1">
+              <a:alpha val="90000"/>
+              <a:tint val="40000"/>
+              <a:hueOff val="0"/>
+              <a:satOff val="0"/>
+              <a:lumOff val="0"/>
+              <a:alphaOff val="0"/>
+            </a:schemeClr>
+          </a:solidFill>
+          <a:prstDash val="solid"/>
+        </a:ln>
+        <a:effectLst/>
+      </dsp:spPr>
+      <dsp:style>
+        <a:lnRef idx="2">
+          <a:scrgbClr r="0" g="0" b="0"/>
+        </a:lnRef>
+        <a:fillRef idx="1">
+          <a:scrgbClr r="0" g="0" b="0"/>
+        </a:fillRef>
+        <a:effectRef idx="0">
+          <a:scrgbClr r="0" g="0" b="0"/>
+        </a:effectRef>
+        <a:fontRef idx="minor"/>
+      </dsp:style>
+    </dsp:sp>
+    <dsp:sp modelId="{E4678FD4-D765-44BF-B8BC-F2A5FFFDB7F5}">
+      <dsp:nvSpPr>
+        <dsp:cNvPr id="0" name=""/>
+        <dsp:cNvSpPr/>
+      </dsp:nvSpPr>
+      <dsp:spPr>
+        <a:xfrm>
+          <a:off x="3186933" y="0"/>
+          <a:ext cx="1065792" cy="1065792"/>
+        </a:xfrm>
+        <a:prstGeom prst="ellipse">
+          <a:avLst/>
+        </a:prstGeom>
+        <a:solidFill>
+          <a:schemeClr val="accent1">
+            <a:hueOff val="0"/>
+            <a:satOff val="0"/>
+            <a:lumOff val="0"/>
+            <a:alphaOff val="0"/>
+          </a:schemeClr>
+        </a:solidFill>
+        <a:ln w="12700" cap="flat" cmpd="sng" algn="ctr">
+          <a:solidFill>
+            <a:schemeClr val="accent1">
+              <a:hueOff val="0"/>
+              <a:satOff val="0"/>
+              <a:lumOff val="0"/>
+              <a:alphaOff val="0"/>
+            </a:schemeClr>
+          </a:solidFill>
+          <a:prstDash val="solid"/>
+        </a:ln>
+        <a:effectLst/>
+      </dsp:spPr>
+      <dsp:style>
+        <a:lnRef idx="2">
+          <a:scrgbClr r="0" g="0" b="0"/>
+        </a:lnRef>
+        <a:fillRef idx="1">
+          <a:scrgbClr r="0" g="0" b="0"/>
+        </a:fillRef>
+        <a:effectRef idx="0">
+          <a:scrgbClr r="0" g="0" b="0"/>
+        </a:effectRef>
+        <a:fontRef idx="minor">
+          <a:schemeClr val="lt1"/>
+        </a:fontRef>
+      </dsp:style>
+      <dsp:txBody>
+        <a:bodyPr spcFirstLastPara="0" vert="horz" wrap="square" lIns="41359" tIns="41359" rIns="41359" bIns="41359" numCol="1" spcCol="1270" anchor="ctr" anchorCtr="0">
+          <a:noAutofit/>
+        </a:bodyPr>
+        <a:lstStyle/>
+        <a:p>
+          <a:pPr marL="0" lvl="0" indent="0" algn="ctr" defTabSz="2178050">
+            <a:lnSpc>
+              <a:spcPct val="90000"/>
+            </a:lnSpc>
+            <a:spcBef>
+              <a:spcPct val="0"/>
+            </a:spcBef>
+            <a:spcAft>
+              <a:spcPct val="35000"/>
+            </a:spcAft>
+            <a:buNone/>
+          </a:pPr>
+          <a:r>
+            <a:rPr lang="en-US" sz="4900" kern="1200"/>
+            <a:t>2</a:t>
+          </a:r>
+        </a:p>
+      </dsp:txBody>
+      <dsp:txXfrm>
+        <a:off x="3343015" y="156082"/>
+        <a:ext cx="753628" cy="753628"/>
+      </dsp:txXfrm>
+    </dsp:sp>
+    <dsp:sp modelId="{7151AB60-7D79-478C-BC77-4D84A1E2707E}">
+      <dsp:nvSpPr>
+        <dsp:cNvPr id="0" name=""/>
+        <dsp:cNvSpPr/>
+      </dsp:nvSpPr>
+      <dsp:spPr>
+        <a:xfrm>
+          <a:off x="2565400" y="1231392"/>
+          <a:ext cx="2308860" cy="1876356"/>
+        </a:xfrm>
+        <a:prstGeom prst="upArrowCallout">
+          <a:avLst>
+            <a:gd name="adj1" fmla="val 50000"/>
+            <a:gd name="adj2" fmla="val 20000"/>
+            <a:gd name="adj3" fmla="val 20000"/>
+            <a:gd name="adj4" fmla="val 100000"/>
+          </a:avLst>
+        </a:prstGeom>
+        <a:solidFill>
+          <a:schemeClr val="accent1">
+            <a:alpha val="90000"/>
+            <a:tint val="40000"/>
+            <a:hueOff val="0"/>
+            <a:satOff val="0"/>
+            <a:lumOff val="0"/>
+            <a:alphaOff val="0"/>
+          </a:schemeClr>
+        </a:solidFill>
+        <a:ln w="12700" cap="flat" cmpd="sng" algn="ctr">
+          <a:solidFill>
+            <a:schemeClr val="accent1">
+              <a:alpha val="90000"/>
+              <a:tint val="40000"/>
+              <a:hueOff val="0"/>
+              <a:satOff val="0"/>
+              <a:lumOff val="0"/>
+              <a:alphaOff val="0"/>
+            </a:schemeClr>
+          </a:solidFill>
+          <a:prstDash val="solid"/>
+        </a:ln>
+        <a:effectLst/>
+      </dsp:spPr>
+      <dsp:style>
+        <a:lnRef idx="2">
+          <a:scrgbClr r="0" g="0" b="0"/>
+        </a:lnRef>
+        <a:fillRef idx="1">
+          <a:scrgbClr r="0" g="0" b="0"/>
+        </a:fillRef>
+        <a:effectRef idx="0">
+          <a:scrgbClr r="0" g="0" b="0"/>
+        </a:effectRef>
+        <a:fontRef idx="minor"/>
+      </dsp:style>
+      <dsp:txBody>
+        <a:bodyPr spcFirstLastPara="0" vert="horz" wrap="square" lIns="228600" tIns="165100" rIns="228600" bIns="165100" numCol="1" spcCol="1270" anchor="t" anchorCtr="0">
+          <a:noAutofit/>
+        </a:bodyPr>
+        <a:lstStyle/>
+        <a:p>
+          <a:pPr marL="0" lvl="0" indent="0" algn="l" defTabSz="889000">
+            <a:lnSpc>
+              <a:spcPct val="90000"/>
+            </a:lnSpc>
+            <a:spcBef>
+              <a:spcPct val="0"/>
+            </a:spcBef>
+            <a:spcAft>
+              <a:spcPct val="35000"/>
+            </a:spcAft>
+            <a:buNone/>
+          </a:pPr>
+          <a:r>
+            <a:rPr lang="en-US" sz="2000" kern="1200" dirty="0"/>
+            <a:t>Brainstorm designs</a:t>
+          </a:r>
+        </a:p>
+      </dsp:txBody>
+      <dsp:txXfrm>
+        <a:off x="2565400" y="1606663"/>
+        <a:ext cx="2308860" cy="1501085"/>
+      </dsp:txXfrm>
+    </dsp:sp>
+    <dsp:sp modelId="{C1384CE1-4BC6-4C38-A1D5-7355662FBE89}">
+      <dsp:nvSpPr>
+        <dsp:cNvPr id="0" name=""/>
+        <dsp:cNvSpPr/>
+      </dsp:nvSpPr>
+      <dsp:spPr>
+        <a:xfrm>
+          <a:off x="5130800" y="532860"/>
+          <a:ext cx="2308860" cy="72"/>
+        </a:xfrm>
+        <a:prstGeom prst="rect">
+          <a:avLst/>
+        </a:prstGeom>
+        <a:solidFill>
+          <a:schemeClr val="accent1">
+            <a:alpha val="90000"/>
+            <a:tint val="40000"/>
+            <a:hueOff val="0"/>
+            <a:satOff val="0"/>
+            <a:lumOff val="0"/>
+            <a:alphaOff val="0"/>
+          </a:schemeClr>
+        </a:solidFill>
+        <a:ln w="12700" cap="flat" cmpd="sng" algn="ctr">
+          <a:solidFill>
+            <a:schemeClr val="accent1">
+              <a:alpha val="90000"/>
+              <a:tint val="40000"/>
+              <a:hueOff val="0"/>
+              <a:satOff val="0"/>
+              <a:lumOff val="0"/>
+              <a:alphaOff val="0"/>
+            </a:schemeClr>
+          </a:solidFill>
+          <a:prstDash val="solid"/>
+        </a:ln>
+        <a:effectLst/>
+      </dsp:spPr>
+      <dsp:style>
+        <a:lnRef idx="2">
+          <a:scrgbClr r="0" g="0" b="0"/>
+        </a:lnRef>
+        <a:fillRef idx="1">
+          <a:scrgbClr r="0" g="0" b="0"/>
+        </a:fillRef>
+        <a:effectRef idx="0">
+          <a:scrgbClr r="0" g="0" b="0"/>
+        </a:effectRef>
+        <a:fontRef idx="minor"/>
+      </dsp:style>
+    </dsp:sp>
+    <dsp:sp modelId="{F189CFB5-2434-434C-901B-71C22FFA4AA8}">
+      <dsp:nvSpPr>
+        <dsp:cNvPr id="0" name=""/>
+        <dsp:cNvSpPr/>
+      </dsp:nvSpPr>
+      <dsp:spPr>
+        <a:xfrm>
+          <a:off x="7501229" y="446698"/>
+          <a:ext cx="118008" cy="221650"/>
+        </a:xfrm>
+        <a:prstGeom prst="chevron">
+          <a:avLst>
+            <a:gd name="adj" fmla="val 90000"/>
+          </a:avLst>
+        </a:prstGeom>
+        <a:solidFill>
+          <a:schemeClr val="accent1">
+            <a:alpha val="90000"/>
+            <a:tint val="40000"/>
+            <a:hueOff val="0"/>
+            <a:satOff val="0"/>
+            <a:lumOff val="0"/>
+            <a:alphaOff val="0"/>
+          </a:schemeClr>
+        </a:solidFill>
+        <a:ln w="12700" cap="flat" cmpd="sng" algn="ctr">
+          <a:solidFill>
+            <a:schemeClr val="accent1">
+              <a:alpha val="90000"/>
+              <a:tint val="40000"/>
+              <a:hueOff val="0"/>
+              <a:satOff val="0"/>
+              <a:lumOff val="0"/>
+              <a:alphaOff val="0"/>
+            </a:schemeClr>
+          </a:solidFill>
+          <a:prstDash val="solid"/>
+        </a:ln>
+        <a:effectLst/>
+      </dsp:spPr>
+      <dsp:style>
+        <a:lnRef idx="2">
+          <a:scrgbClr r="0" g="0" b="0"/>
+        </a:lnRef>
+        <a:fillRef idx="1">
+          <a:scrgbClr r="0" g="0" b="0"/>
+        </a:fillRef>
+        <a:effectRef idx="0">
+          <a:scrgbClr r="0" g="0" b="0"/>
+        </a:effectRef>
+        <a:fontRef idx="minor"/>
+      </dsp:style>
+    </dsp:sp>
+    <dsp:sp modelId="{71029E25-ECA3-4B9E-A92A-F62FF325D81B}">
+      <dsp:nvSpPr>
+        <dsp:cNvPr id="0" name=""/>
+        <dsp:cNvSpPr/>
+      </dsp:nvSpPr>
+      <dsp:spPr>
+        <a:xfrm>
+          <a:off x="5752333" y="0"/>
+          <a:ext cx="1065792" cy="1065792"/>
+        </a:xfrm>
+        <a:prstGeom prst="ellipse">
+          <a:avLst/>
+        </a:prstGeom>
+        <a:solidFill>
+          <a:schemeClr val="accent1">
+            <a:hueOff val="0"/>
+            <a:satOff val="0"/>
+            <a:lumOff val="0"/>
+            <a:alphaOff val="0"/>
+          </a:schemeClr>
+        </a:solidFill>
+        <a:ln w="12700" cap="flat" cmpd="sng" algn="ctr">
+          <a:solidFill>
+            <a:schemeClr val="accent1">
+              <a:hueOff val="0"/>
+              <a:satOff val="0"/>
+              <a:lumOff val="0"/>
+              <a:alphaOff val="0"/>
+            </a:schemeClr>
+          </a:solidFill>
+          <a:prstDash val="solid"/>
+        </a:ln>
+        <a:effectLst/>
+      </dsp:spPr>
+      <dsp:style>
+        <a:lnRef idx="2">
+          <a:scrgbClr r="0" g="0" b="0"/>
+        </a:lnRef>
+        <a:fillRef idx="1">
+          <a:scrgbClr r="0" g="0" b="0"/>
+        </a:fillRef>
+        <a:effectRef idx="0">
+          <a:scrgbClr r="0" g="0" b="0"/>
+        </a:effectRef>
+        <a:fontRef idx="minor">
+          <a:schemeClr val="lt1"/>
+        </a:fontRef>
+      </dsp:style>
+      <dsp:txBody>
+        <a:bodyPr spcFirstLastPara="0" vert="horz" wrap="square" lIns="41359" tIns="41359" rIns="41359" bIns="41359" numCol="1" spcCol="1270" anchor="ctr" anchorCtr="0">
+          <a:noAutofit/>
+        </a:bodyPr>
+        <a:lstStyle/>
+        <a:p>
+          <a:pPr marL="0" lvl="0" indent="0" algn="ctr" defTabSz="2178050" latinLnBrk="1">
+            <a:lnSpc>
+              <a:spcPct val="90000"/>
+            </a:lnSpc>
+            <a:spcBef>
+              <a:spcPct val="0"/>
+            </a:spcBef>
+            <a:spcAft>
+              <a:spcPct val="35000"/>
+            </a:spcAft>
+            <a:buNone/>
+          </a:pPr>
+          <a:r>
+            <a:rPr lang="ko-KR" altLang="en-US" sz="4900" kern="1200"/>
+            <a:t>3</a:t>
+          </a:r>
+        </a:p>
+      </dsp:txBody>
+      <dsp:txXfrm>
+        <a:off x="5908415" y="156082"/>
+        <a:ext cx="753628" cy="753628"/>
+      </dsp:txXfrm>
+    </dsp:sp>
+    <dsp:sp modelId="{83671B20-2DD3-4683-9083-C1AC43CC1A7C}">
+      <dsp:nvSpPr>
+        <dsp:cNvPr id="0" name=""/>
+        <dsp:cNvSpPr/>
+      </dsp:nvSpPr>
+      <dsp:spPr>
+        <a:xfrm>
+          <a:off x="5130800" y="1231392"/>
+          <a:ext cx="2308860" cy="1876356"/>
+        </a:xfrm>
+        <a:prstGeom prst="upArrowCallout">
+          <a:avLst>
+            <a:gd name="adj1" fmla="val 50000"/>
+            <a:gd name="adj2" fmla="val 20000"/>
+            <a:gd name="adj3" fmla="val 20000"/>
+            <a:gd name="adj4" fmla="val 100000"/>
+          </a:avLst>
+        </a:prstGeom>
+        <a:solidFill>
+          <a:schemeClr val="accent1">
+            <a:alpha val="90000"/>
+            <a:tint val="40000"/>
+            <a:hueOff val="0"/>
+            <a:satOff val="0"/>
+            <a:lumOff val="0"/>
+            <a:alphaOff val="0"/>
+          </a:schemeClr>
+        </a:solidFill>
+        <a:ln w="12700" cap="flat" cmpd="sng" algn="ctr">
+          <a:solidFill>
+            <a:schemeClr val="accent1">
+              <a:alpha val="90000"/>
+              <a:tint val="40000"/>
+              <a:hueOff val="0"/>
+              <a:satOff val="0"/>
+              <a:lumOff val="0"/>
+              <a:alphaOff val="0"/>
+            </a:schemeClr>
+          </a:solidFill>
+          <a:prstDash val="solid"/>
+        </a:ln>
+        <a:effectLst/>
+      </dsp:spPr>
+      <dsp:style>
+        <a:lnRef idx="2">
+          <a:scrgbClr r="0" g="0" b="0"/>
+        </a:lnRef>
+        <a:fillRef idx="1">
+          <a:scrgbClr r="0" g="0" b="0"/>
+        </a:fillRef>
+        <a:effectRef idx="0">
+          <a:scrgbClr r="0" g="0" b="0"/>
+        </a:effectRef>
+        <a:fontRef idx="minor"/>
+      </dsp:style>
+      <dsp:txBody>
+        <a:bodyPr spcFirstLastPara="0" vert="horz" wrap="square" lIns="228600" tIns="165100" rIns="228600" bIns="165100" numCol="1" spcCol="1270" anchor="t" anchorCtr="0">
+          <a:noAutofit/>
+        </a:bodyPr>
+        <a:lstStyle/>
+        <a:p>
+          <a:pPr marL="0" lvl="0" indent="0" algn="l" defTabSz="889000">
+            <a:lnSpc>
+              <a:spcPct val="90000"/>
+            </a:lnSpc>
+            <a:spcBef>
+              <a:spcPct val="0"/>
+            </a:spcBef>
+            <a:spcAft>
+              <a:spcPct val="35000"/>
+            </a:spcAft>
+            <a:buNone/>
+          </a:pPr>
+          <a:r>
+            <a:rPr lang="en-GB" sz="2000" kern="1200" dirty="0"/>
+            <a:t>list functions</a:t>
+          </a:r>
+          <a:endParaRPr lang="en-US" sz="2000" kern="1200" dirty="0"/>
+        </a:p>
+      </dsp:txBody>
+      <dsp:txXfrm>
+        <a:off x="5130800" y="1606663"/>
+        <a:ext cx="2308860" cy="1501085"/>
+      </dsp:txXfrm>
+    </dsp:sp>
+    <dsp:sp modelId="{ED76D99B-89B0-4D78-B55D-DB4CDC452A5F}">
+      <dsp:nvSpPr>
+        <dsp:cNvPr id="0" name=""/>
+        <dsp:cNvSpPr/>
+      </dsp:nvSpPr>
+      <dsp:spPr>
+        <a:xfrm>
+          <a:off x="7696200" y="532860"/>
+          <a:ext cx="1154430" cy="72"/>
+        </a:xfrm>
+        <a:prstGeom prst="rect">
+          <a:avLst/>
+        </a:prstGeom>
+        <a:solidFill>
+          <a:schemeClr val="accent1">
+            <a:alpha val="90000"/>
+            <a:tint val="40000"/>
+            <a:hueOff val="0"/>
+            <a:satOff val="0"/>
+            <a:lumOff val="0"/>
+            <a:alphaOff val="0"/>
+          </a:schemeClr>
+        </a:solidFill>
+        <a:ln w="12700" cap="flat" cmpd="sng" algn="ctr">
+          <a:solidFill>
+            <a:schemeClr val="accent1">
+              <a:alpha val="90000"/>
+              <a:tint val="40000"/>
+              <a:hueOff val="0"/>
+              <a:satOff val="0"/>
+              <a:lumOff val="0"/>
+              <a:alphaOff val="0"/>
+            </a:schemeClr>
+          </a:solidFill>
+          <a:prstDash val="solid"/>
+        </a:ln>
+        <a:effectLst/>
+      </dsp:spPr>
+      <dsp:style>
+        <a:lnRef idx="2">
+          <a:scrgbClr r="0" g="0" b="0"/>
+        </a:lnRef>
+        <a:fillRef idx="1">
+          <a:scrgbClr r="0" g="0" b="0"/>
+        </a:fillRef>
+        <a:effectRef idx="0">
+          <a:scrgbClr r="0" g="0" b="0"/>
+        </a:effectRef>
+        <a:fontRef idx="minor"/>
+      </dsp:style>
+    </dsp:sp>
+    <dsp:sp modelId="{4E7F97DA-6147-4C8E-B597-CD15E927391D}">
+      <dsp:nvSpPr>
+        <dsp:cNvPr id="0" name=""/>
+        <dsp:cNvSpPr/>
+      </dsp:nvSpPr>
+      <dsp:spPr>
+        <a:xfrm>
+          <a:off x="8317733" y="0"/>
+          <a:ext cx="1065792" cy="1065792"/>
+        </a:xfrm>
+        <a:prstGeom prst="ellipse">
+          <a:avLst/>
+        </a:prstGeom>
+        <a:solidFill>
+          <a:schemeClr val="accent1">
+            <a:hueOff val="0"/>
+            <a:satOff val="0"/>
+            <a:lumOff val="0"/>
+            <a:alphaOff val="0"/>
+          </a:schemeClr>
+        </a:solidFill>
+        <a:ln w="12700" cap="flat" cmpd="sng" algn="ctr">
+          <a:solidFill>
+            <a:schemeClr val="accent1">
+              <a:hueOff val="0"/>
+              <a:satOff val="0"/>
+              <a:lumOff val="0"/>
+              <a:alphaOff val="0"/>
+            </a:schemeClr>
+          </a:solidFill>
+          <a:prstDash val="solid"/>
+        </a:ln>
+        <a:effectLst/>
+      </dsp:spPr>
+      <dsp:style>
+        <a:lnRef idx="2">
+          <a:scrgbClr r="0" g="0" b="0"/>
+        </a:lnRef>
+        <a:fillRef idx="1">
+          <a:scrgbClr r="0" g="0" b="0"/>
+        </a:fillRef>
+        <a:effectRef idx="0">
+          <a:scrgbClr r="0" g="0" b="0"/>
+        </a:effectRef>
+        <a:fontRef idx="minor">
+          <a:schemeClr val="lt1"/>
+        </a:fontRef>
+      </dsp:style>
+      <dsp:txBody>
+        <a:bodyPr spcFirstLastPara="0" vert="horz" wrap="square" lIns="41359" tIns="41359" rIns="41359" bIns="41359" numCol="1" spcCol="1270" anchor="ctr" anchorCtr="0">
+          <a:noAutofit/>
+        </a:bodyPr>
+        <a:lstStyle/>
+        <a:p>
+          <a:pPr marL="0" lvl="0" indent="0" algn="ctr" defTabSz="2178050">
+            <a:lnSpc>
+              <a:spcPct val="90000"/>
+            </a:lnSpc>
+            <a:spcBef>
+              <a:spcPct val="0"/>
+            </a:spcBef>
+            <a:spcAft>
+              <a:spcPct val="35000"/>
+            </a:spcAft>
+            <a:buNone/>
+          </a:pPr>
+          <a:r>
+            <a:rPr lang="en-US" sz="4900" kern="1200"/>
+            <a:t>4</a:t>
+          </a:r>
+        </a:p>
+      </dsp:txBody>
+      <dsp:txXfrm>
+        <a:off x="8473815" y="156082"/>
+        <a:ext cx="753628" cy="753628"/>
+      </dsp:txXfrm>
+    </dsp:sp>
+    <dsp:sp modelId="{6202507F-0ABB-4214-A7D8-AC97F6540AFD}">
+      <dsp:nvSpPr>
+        <dsp:cNvPr id="0" name=""/>
+        <dsp:cNvSpPr/>
+      </dsp:nvSpPr>
+      <dsp:spPr>
+        <a:xfrm>
+          <a:off x="7696200" y="1231392"/>
+          <a:ext cx="2308860" cy="1876356"/>
+        </a:xfrm>
+        <a:prstGeom prst="upArrowCallout">
+          <a:avLst>
+            <a:gd name="adj1" fmla="val 50000"/>
+            <a:gd name="adj2" fmla="val 20000"/>
+            <a:gd name="adj3" fmla="val 20000"/>
+            <a:gd name="adj4" fmla="val 100000"/>
+          </a:avLst>
+        </a:prstGeom>
+        <a:solidFill>
+          <a:schemeClr val="accent1">
+            <a:alpha val="90000"/>
+            <a:tint val="40000"/>
+            <a:hueOff val="0"/>
+            <a:satOff val="0"/>
+            <a:lumOff val="0"/>
+            <a:alphaOff val="0"/>
+          </a:schemeClr>
+        </a:solidFill>
+        <a:ln w="12700" cap="flat" cmpd="sng" algn="ctr">
+          <a:solidFill>
+            <a:schemeClr val="accent1">
+              <a:alpha val="90000"/>
+              <a:tint val="40000"/>
+              <a:hueOff val="0"/>
+              <a:satOff val="0"/>
+              <a:lumOff val="0"/>
+              <a:alphaOff val="0"/>
+            </a:schemeClr>
+          </a:solidFill>
+          <a:prstDash val="solid"/>
+        </a:ln>
+        <a:effectLst/>
+      </dsp:spPr>
+      <dsp:style>
+        <a:lnRef idx="2">
+          <a:scrgbClr r="0" g="0" b="0"/>
+        </a:lnRef>
+        <a:fillRef idx="1">
+          <a:scrgbClr r="0" g="0" b="0"/>
+        </a:fillRef>
+        <a:effectRef idx="0">
+          <a:scrgbClr r="0" g="0" b="0"/>
+        </a:effectRef>
+        <a:fontRef idx="minor"/>
+      </dsp:style>
+      <dsp:txBody>
+        <a:bodyPr spcFirstLastPara="0" vert="horz" wrap="square" lIns="228600" tIns="165100" rIns="228600" bIns="165100" numCol="1" spcCol="1270" anchor="t" anchorCtr="0">
+          <a:noAutofit/>
+        </a:bodyPr>
+        <a:lstStyle/>
+        <a:p>
+          <a:pPr marL="0" lvl="0" indent="0" algn="l" defTabSz="889000">
+            <a:lnSpc>
+              <a:spcPct val="90000"/>
+            </a:lnSpc>
+            <a:spcBef>
+              <a:spcPct val="0"/>
+            </a:spcBef>
+            <a:spcAft>
+              <a:spcPct val="35000"/>
+            </a:spcAft>
+            <a:buNone/>
+          </a:pPr>
+          <a:r>
+            <a:rPr lang="en-US" sz="2000" kern="1200" dirty="0"/>
+            <a:t>Evaluate feasible or not</a:t>
+          </a:r>
+        </a:p>
+      </dsp:txBody>
+      <dsp:txXfrm>
+        <a:off x="7696200" y="1606663"/>
+        <a:ext cx="2308860" cy="1501085"/>
+      </dsp:txXfrm>
+    </dsp:sp>
+  </dsp:spTree>
+</dsp:drawing>
+</file>
+
+<file path=ppt/diagrams/layout1.xml><?xml version="1.0" encoding="utf-8"?>
+<dgm:layoutDef xmlns:dgm="http://schemas.openxmlformats.org/drawingml/2006/diagram" xmlns:a="http://schemas.openxmlformats.org/drawingml/2006/main" uniqueId="urn:microsoft.com/office/officeart/2005/8/layout/hChevron3">
+  <dgm:title val=""/>
+  <dgm:desc val=""/>
+  <dgm:catLst>
+    <dgm:cat type="process" pri="10000"/>
+  </dgm:catLst>
+  <dgm:sampData useDef="1">
+    <dgm:dataModel>
+      <dgm:ptLst/>
+      <dgm:bg/>
+      <dgm:whole/>
+    </dgm:dataModel>
+  </dgm:sampData>
+  <dgm:styleData>
+    <dgm:dataModel>
+      <dgm:ptLst>
+        <dgm:pt modelId="0" type="doc"/>
+        <dgm:pt modelId="1"/>
+        <dgm:pt modelId="2"/>
+      </dgm:ptLst>
+      <dgm:cxnLst>
+        <dgm:cxn modelId="3" srcId="0" destId="1" srcOrd="0" destOrd="0"/>
+        <dgm:cxn modelId="4" srcId="0" destId="2" srcOrd="1" destOrd="0"/>
+      </dgm:cxnLst>
+      <dgm:bg/>
+      <dgm:whole/>
+    </dgm:dataModel>
+  </dgm:styleData>
+  <dgm:clrData>
+    <dgm:dataModel>
+      <dgm:ptLst>
+        <dgm:pt modelId="0" type="doc"/>
+        <dgm:pt modelId="1"/>
+        <dgm:pt modelId="2"/>
+        <dgm:pt modelId="3"/>
+        <dgm:pt modelId="4"/>
+      </dgm:ptLst>
+      <dgm:cxnLst>
+        <dgm:cxn modelId="5" srcId="0" destId="1" srcOrd="0" destOrd="0"/>
+        <dgm:cxn modelId="6" srcId="0" destId="2" srcOrd="1" destOrd="0"/>
+        <dgm:cxn modelId="7" srcId="0" destId="3" srcOrd="2" destOrd="0"/>
+        <dgm:cxn modelId="8" srcId="0" destId="4" srcOrd="3" destOrd="0"/>
+      </dgm:cxnLst>
+      <dgm:bg/>
+      <dgm:whole/>
+    </dgm:dataModel>
+  </dgm:clrData>
+  <dgm:layoutNode name="Name0">
+    <dgm:varLst>
+      <dgm:dir/>
+      <dgm:resizeHandles val="exact"/>
+    </dgm:varLst>
+    <dgm:choose name="Name1">
+      <dgm:if name="Name2" func="var" arg="dir" op="equ" val="norm">
+        <dgm:alg type="lin"/>
+      </dgm:if>
+      <dgm:else name="Name3">
+        <dgm:alg type="lin">
+          <dgm:param type="linDir" val="fromR"/>
+        </dgm:alg>
+      </dgm:else>
+    </dgm:choose>
+    <dgm:shape xmlns:r="http://schemas.openxmlformats.org/officeDocument/2006/relationships" r:blip="">
+      <dgm:adjLst/>
+    </dgm:shape>
+    <dgm:presOf/>
+    <dgm:choose name="Name4">
+      <dgm:if name="Name5" axis="root des" func="maxDepth" op="gte" val="2">
+        <dgm:constrLst>
+          <dgm:constr type="w" for="ch" forName="parAndChTx" refType="w"/>
+          <dgm:constr type="primFontSz" for="ch" ptType="node" op="equ"/>
+          <dgm:constr type="w" for="ch" forName="parAndChSpace" refType="w" refFor="ch" refForName="parAndChTx" fact="-0.2"/>
+          <dgm:constr type="w" for="ch" ptType="sibTrans" op="equ"/>
+        </dgm:constrLst>
+        <dgm:ruleLst/>
+        <dgm:forEach name="Name6" axis="ch" ptType="node">
+          <dgm:layoutNode name="parAndChTx">
+            <dgm:varLst>
+              <dgm:bulletEnabled val="1"/>
+            </dgm:varLst>
+            <dgm:alg type="tx"/>
+            <dgm:choose name="Name7">
+              <dgm:if name="Name8" func="var" arg="dir" op="equ" val="norm">
+                <dgm:choose name="Name9">
+                  <dgm:if name="Name10" axis="self" ptType="node" func="pos" op="equ" val="1">
+                    <dgm:shape xmlns:r="http://schemas.openxmlformats.org/officeDocument/2006/relationships" type="homePlate" r:blip="">
+                      <dgm:adjLst>
+                        <dgm:adj idx="1" val="0.25"/>
+                      </dgm:adjLst>
+                    </dgm:shape>
+                    <dgm:presOf axis="desOrSelf" ptType="node"/>
+                    <dgm:constrLst>
+                      <dgm:constr type="h" refType="w" op="equ" fact="0.8"/>
+                      <dgm:constr type="primFontSz" val="65"/>
+                      <dgm:constr type="tMarg" refType="primFontSz" fact="0.2"/>
+                      <dgm:constr type="bMarg" refType="primFontSz" fact="0.2"/>
+                      <dgm:constr type="lMarg" refType="w" fact="0.1"/>
+                      <dgm:constr type="rMarg" refType="w" fact="0.4"/>
+                    </dgm:constrLst>
+                  </dgm:if>
+                  <dgm:else name="Name11">
+                    <dgm:shape xmlns:r="http://schemas.openxmlformats.org/officeDocument/2006/relationships" type="chevron" r:blip="">
+                      <dgm:adjLst>
+                        <dgm:adj idx="1" val="0.25"/>
+                      </dgm:adjLst>
+                    </dgm:shape>
+                    <dgm:presOf axis="desOrSelf" ptType="node"/>
+                    <dgm:constrLst>
+                      <dgm:constr type="h" refType="w" op="equ" fact="0.8"/>
+                      <dgm:constr type="primFontSz" val="65"/>
+                      <dgm:constr type="tMarg" refType="primFontSz" fact="0.2"/>
+                      <dgm:constr type="bMarg" refType="primFontSz" fact="0.2"/>
+                      <dgm:constr type="lMarg" refType="w" fact="0.1"/>
+                      <dgm:constr type="rMarg" refType="w" fact="0.1"/>
+                    </dgm:constrLst>
+                  </dgm:else>
+                </dgm:choose>
+              </dgm:if>
+              <dgm:else name="Name12">
+                <dgm:choose name="Name13">
+                  <dgm:if name="Name14" axis="self" ptType="node" func="pos" op="equ" val="1">
+                    <dgm:shape xmlns:r="http://schemas.openxmlformats.org/officeDocument/2006/relationships" rot="180" type="homePlate" r:blip="">
+                      <dgm:adjLst>
+                        <dgm:adj idx="1" val="0.25"/>
+                      </dgm:adjLst>
+                    </dgm:shape>
+                    <dgm:presOf axis="desOrSelf" ptType="node"/>
+                    <dgm:constrLst>
+                      <dgm:constr type="h" refType="w" op="equ" fact="0.8"/>
+                      <dgm:constr type="primFontSz" val="65"/>
+                      <dgm:constr type="tMarg" refType="primFontSz" fact="0.2"/>
+                      <dgm:constr type="bMarg" refType="primFontSz" fact="0.2"/>
+                      <dgm:constr type="lMarg" refType="w" fact="0.4"/>
+                      <dgm:constr type="rMarg" refType="w" fact="0.1"/>
+                    </dgm:constrLst>
+                  </dgm:if>
+                  <dgm:else name="Name15">
+                    <dgm:shape xmlns:r="http://schemas.openxmlformats.org/officeDocument/2006/relationships" rot="180" type="chevron" r:blip="">
+                      <dgm:adjLst>
+                        <dgm:adj idx="1" val="0.25"/>
+                      </dgm:adjLst>
+                    </dgm:shape>
+                    <dgm:presOf axis="desOrSelf" ptType="node"/>
+                    <dgm:constrLst>
+                      <dgm:constr type="h" refType="w" op="equ" fact="0.8"/>
+                      <dgm:constr type="primFontSz" val="65"/>
+                      <dgm:constr type="tMarg" refType="primFontSz" fact="0.2"/>
+                      <dgm:constr type="bMarg" refType="primFontSz" fact="0.2"/>
+                      <dgm:constr type="lMarg" refType="w" fact="0.1"/>
+                      <dgm:constr type="rMarg" refType="w" fact="0.1"/>
+                    </dgm:constrLst>
+                  </dgm:else>
+                </dgm:choose>
+              </dgm:else>
+            </dgm:choose>
+            <dgm:ruleLst>
+              <dgm:rule type="primFontSz" val="5" fact="NaN" max="NaN"/>
+            </dgm:ruleLst>
+          </dgm:layoutNode>
+          <dgm:forEach name="Name16" axis="followSib" ptType="sibTrans" cnt="1">
+            <dgm:layoutNode name="parAndChSpace">
+              <dgm:alg type="sp"/>
+              <dgm:shape xmlns:r="http://schemas.openxmlformats.org/officeDocument/2006/relationships" r:blip="">
+                <dgm:adjLst/>
+              </dgm:shape>
+              <dgm:presOf/>
+              <dgm:constrLst/>
+              <dgm:ruleLst/>
+            </dgm:layoutNode>
+          </dgm:forEach>
+        </dgm:forEach>
+      </dgm:if>
+      <dgm:else name="Name17">
+        <dgm:constrLst>
+          <dgm:constr type="w" for="ch" forName="parTxOnly" refType="w"/>
+          <dgm:constr type="primFontSz" for="ch" ptType="node" op="equ"/>
+          <dgm:constr type="w" for="ch" forName="parSpace" refType="w" refFor="ch" refForName="parTxOnly" fact="-0.2"/>
+          <dgm:constr type="w" for="ch" ptType="sibTrans" op="equ"/>
+        </dgm:constrLst>
+        <dgm:ruleLst/>
+        <dgm:forEach name="Name18" axis="ch" ptType="node">
+          <dgm:layoutNode name="parTxOnly">
+            <dgm:varLst>
+              <dgm:bulletEnabled val="1"/>
+            </dgm:varLst>
+            <dgm:alg type="tx"/>
+            <dgm:presOf axis="desOrSelf" ptType="node"/>
+            <dgm:choose name="Name19">
+              <dgm:if name="Name20" func="var" arg="dir" op="equ" val="norm">
+                <dgm:choose name="Name21">
+                  <dgm:if name="Name22" axis="self" ptType="node" func="pos" op="equ" val="1">
+                    <dgm:shape xmlns:r="http://schemas.openxmlformats.org/officeDocument/2006/relationships" type="homePlate" r:blip="">
+                      <dgm:adjLst/>
+                    </dgm:shape>
+                    <dgm:constrLst>
+                      <dgm:constr type="h" refType="w" op="equ" fact="0.4"/>
+                      <dgm:constr type="primFontSz" val="65"/>
+                      <dgm:constr type="tMarg" refType="primFontSz" fact="0.21"/>
+                      <dgm:constr type="bMarg" refType="primFontSz" fact="0.21"/>
+                      <dgm:constr type="lMarg" refType="primFontSz" fact="0.42"/>
+                      <dgm:constr type="rMarg" refType="primFontSz" fact="0.105"/>
+                    </dgm:constrLst>
+                  </dgm:if>
+                  <dgm:else name="Name23">
+                    <dgm:shape xmlns:r="http://schemas.openxmlformats.org/officeDocument/2006/relationships" type="chevron" r:blip="">
+                      <dgm:adjLst/>
+                    </dgm:shape>
+                    <dgm:constrLst>
+                      <dgm:constr type="h" refType="w" op="equ" fact="0.4"/>
+                      <dgm:constr type="primFontSz" val="65"/>
+                      <dgm:constr type="tMarg" refType="primFontSz" fact="0.21"/>
+                      <dgm:constr type="bMarg" refType="primFontSz" fact="0.21"/>
+                      <dgm:constr type="lMarg" refType="primFontSz" fact="0.315"/>
+                      <dgm:constr type="rMarg" refType="primFontSz" fact="0.105"/>
+                    </dgm:constrLst>
+                  </dgm:else>
+                </dgm:choose>
+              </dgm:if>
+              <dgm:else name="Name24">
+                <dgm:choose name="Name25">
+                  <dgm:if name="Name26" axis="self" ptType="node" func="pos" op="equ" val="1">
+                    <dgm:shape xmlns:r="http://schemas.openxmlformats.org/officeDocument/2006/relationships" rot="180" type="homePlate" r:blip="">
+                      <dgm:adjLst/>
+                    </dgm:shape>
+                    <dgm:constrLst>
+                      <dgm:constr type="h" refType="w" op="equ" fact="0.4"/>
+                      <dgm:constr type="primFontSz" val="65"/>
+                      <dgm:constr type="tMarg" refType="primFontSz" fact="0.21"/>
+                      <dgm:constr type="bMarg" refType="primFontSz" fact="0.21"/>
+                      <dgm:constr type="lMarg" refType="primFontSz" fact="0.105"/>
+                      <dgm:constr type="rMarg" refType="primFontSz" fact="0.42"/>
+                    </dgm:constrLst>
+                  </dgm:if>
+                  <dgm:else name="Name27">
+                    <dgm:shape xmlns:r="http://schemas.openxmlformats.org/officeDocument/2006/relationships" rot="180" type="chevron" r:blip="">
+                      <dgm:adjLst/>
+                    </dgm:shape>
+                    <dgm:constrLst>
+                      <dgm:constr type="h" refType="w" op="equ" fact="0.4"/>
+                      <dgm:constr type="primFontSz" val="65"/>
+                      <dgm:constr type="tMarg" refType="primFontSz" fact="0.21"/>
+                      <dgm:constr type="bMarg" refType="primFontSz" fact="0.21"/>
+                      <dgm:constr type="lMarg" refType="primFontSz" fact="0.105"/>
+                      <dgm:constr type="rMarg" refType="primFontSz" fact="0.315"/>
+                    </dgm:constrLst>
+                  </dgm:else>
+                </dgm:choose>
+              </dgm:else>
+            </dgm:choose>
+            <dgm:ruleLst>
+              <dgm:rule type="primFontSz" val="5" fact="NaN" max="NaN"/>
+            </dgm:ruleLst>
+          </dgm:layoutNode>
+          <dgm:forEach name="Name28" axis="followSib" ptType="sibTrans" cnt="1">
+            <dgm:layoutNode name="parSpace">
+              <dgm:alg type="sp"/>
+              <dgm:shape xmlns:r="http://schemas.openxmlformats.org/officeDocument/2006/relationships" r:blip="">
+                <dgm:adjLst/>
+              </dgm:shape>
+              <dgm:presOf/>
+              <dgm:constrLst/>
+              <dgm:ruleLst/>
+            </dgm:layoutNode>
+          </dgm:forEach>
+        </dgm:forEach>
+      </dgm:else>
+    </dgm:choose>
+  </dgm:layoutNode>
+</dgm:layoutDef>
+</file>
+
+<file path=ppt/diagrams/layout2.xml><?xml version="1.0" encoding="utf-8"?>
+<dgm:layoutDef xmlns:dgm="http://schemas.openxmlformats.org/drawingml/2006/diagram" xmlns:a="http://schemas.openxmlformats.org/drawingml/2006/main" uniqueId="urn:microsoft.com/office/officeart/2016/7/layout/LinearArrowProcessNumbered">
+  <dgm:title val="Linear Arrow Process Numbered"/>
+  <dgm:desc val="Used to show a progression; a timeline; sequential steps in a task, process, or workflow; or to emphasize movement or direction. Automatic numbers have been introduced to show the steps of the process which appears in a circle. Level 1 and Level 2 text appear in a shape called UpArrowCallout. Also the nodes are connected by an arrow like shape emphasizing the process nature."/>
+  <dgm:catLst>
+    <dgm:cat type="process" pri="500"/>
+  </dgm:catLst>
+  <dgm:sampData>
+    <dgm:dataModel>
+      <dgm:ptLst>
+        <dgm:pt modelId="0" type="doc"/>
+        <dgm:pt modelId="1">
+          <dgm:prSet phldr="1"/>
+        </dgm:pt>
+        <dgm:pt modelId="11">
+          <dgm:prSet phldr="1"/>
+        </dgm:pt>
+        <dgm:pt modelId="2">
+          <dgm:prSet phldr="1"/>
+        </dgm:pt>
+        <dgm:pt modelId="21">
+          <dgm:prSet phldr="1"/>
+        </dgm:pt>
+        <dgm:pt modelId="3">
+          <dgm:prSet phldr="1"/>
+        </dgm:pt>
+        <dgm:pt modelId="31">
+          <dgm:prSet phldr="1"/>
+        </dgm:pt>
+        <dgm:pt modelId="101" type="sibTrans" cxnId="4">
+          <dgm:prSet phldrT="1"/>
+          <dgm:t>
+            <a:bodyPr/>
+            <a:lstStyle/>
+            <a:p>
+              <a:r>
+                <a:t>1</a:t>
+              </a:r>
+            </a:p>
+          </dgm:t>
+        </dgm:pt>
+        <dgm:pt modelId="201" type="sibTrans" cxnId="5">
+          <dgm:prSet phldrT="2"/>
+          <dgm:t>
+            <a:bodyPr/>
+            <a:lstStyle/>
+            <a:p>
+              <a:r>
+                <a:t>2</a:t>
+              </a:r>
+            </a:p>
+          </dgm:t>
+        </dgm:pt>
+        <dgm:pt modelId="301" type="sibTrans" cxnId="6">
+          <dgm:prSet phldrT="3"/>
+          <dgm:t>
+            <a:bodyPr/>
+            <a:lstStyle/>
+            <a:p>
+              <a:r>
+                <a:t>3</a:t>
+              </a:r>
+            </a:p>
+          </dgm:t>
+        </dgm:pt>
+      </dgm:ptLst>
+      <dgm:cxnLst>
+        <dgm:cxn modelId="4" srcId="0" destId="1" srcOrd="0" destOrd="0" sibTransId="101"/>
+        <dgm:cxn modelId="5" srcId="0" destId="2" srcOrd="1" destOrd="0" sibTransId="201"/>
+        <dgm:cxn modelId="6" srcId="0" destId="3" srcOrd="3" destOrd="0" sibTransId="301"/>
+        <dgm:cxn modelId="13" srcId="1" destId="11" srcOrd="0" destOrd="0"/>
+        <dgm:cxn modelId="23" srcId="2" destId="21" srcOrd="0" destOrd="0"/>
+        <dgm:cxn modelId="33" srcId="3" destId="31" srcOrd="0" destOrd="0"/>
+      </dgm:cxnLst>
+      <dgm:bg/>
+      <dgm:whole/>
+    </dgm:dataModel>
+  </dgm:sampData>
+  <dgm:styleData>
+    <dgm:dataModel>
+      <dgm:ptLst>
+        <dgm:pt modelId="0" type="doc"/>
+        <dgm:pt modelId="1">
+          <dgm:prSet phldr="1"/>
+        </dgm:pt>
+        <dgm:pt modelId="11">
+          <dgm:prSet phldr="1"/>
+        </dgm:pt>
+        <dgm:pt modelId="2">
+          <dgm:prSet phldr="1"/>
+        </dgm:pt>
+        <dgm:pt modelId="21">
+          <dgm:prSet phldr="1"/>
+        </dgm:pt>
+      </dgm:ptLst>
+      <dgm:cxnLst>
+        <dgm:cxn modelId="4" srcId="0" destId="1" srcOrd="0" destOrd="0"/>
+        <dgm:cxn modelId="5" srcId="0" destId="2" srcOrd="1" destOrd="0"/>
+        <dgm:cxn modelId="13" srcId="1" destId="11" srcOrd="0" destOrd="0"/>
+        <dgm:cxn modelId="23" srcId="2" destId="21" srcOrd="0" destOrd="0"/>
+      </dgm:cxnLst>
+      <dgm:bg/>
+      <dgm:whole/>
+    </dgm:dataModel>
+  </dgm:styleData>
+  <dgm:clrData>
+    <dgm:dataModel>
+      <dgm:ptLst>
+        <dgm:pt modelId="0" type="doc"/>
+        <dgm:pt modelId="1">
+          <dgm:prSet phldr="1"/>
+        </dgm:pt>
+        <dgm:pt modelId="11">
+          <dgm:prSet phldr="1"/>
+        </dgm:pt>
+        <dgm:pt modelId="2">
+          <dgm:prSet phldr="1"/>
+        </dgm:pt>
+        <dgm:pt modelId="21">
+          <dgm:prSet phldr="1"/>
+        </dgm:pt>
+        <dgm:pt modelId="3">
+          <dgm:prSet phldr="1"/>
+        </dgm:pt>
+        <dgm:pt modelId="31">
+          <dgm:prSet phldr="1"/>
+        </dgm:pt>
+        <dgm:pt modelId="4">
+          <dgm:prSet phldr="1"/>
+        </dgm:pt>
+        <dgm:pt modelId="41">
+          <dgm:prSet phldr="1"/>
+        </dgm:pt>
+      </dgm:ptLst>
+      <dgm:cxnLst>
+        <dgm:cxn modelId="5" srcId="0" destId="1" srcOrd="0" destOrd="0"/>
+        <dgm:cxn modelId="6" srcId="0" destId="2" srcOrd="1" destOrd="0"/>
+        <dgm:cxn modelId="7" srcId="0" destId="3" srcOrd="2" destOrd="0"/>
+        <dgm:cxn modelId="8" srcId="0" destId="4" srcOrd="3" destOrd="0"/>
+        <dgm:cxn modelId="13" srcId="1" destId="11" srcOrd="0" destOrd="0"/>
+        <dgm:cxn modelId="23" srcId="2" destId="21" srcOrd="0" destOrd="0"/>
+        <dgm:cxn modelId="33" srcId="3" destId="31" srcOrd="0" destOrd="0"/>
+        <dgm:cxn modelId="43" srcId="4" destId="41" srcOrd="0" destOrd="0"/>
+      </dgm:cxnLst>
+      <dgm:bg/>
+      <dgm:whole/>
+    </dgm:dataModel>
+  </dgm:clrData>
+  <dgm:layoutNode name="linearFlow">
+    <dgm:varLst>
+      <dgm:dir/>
+      <dgm:animLvl val="lvl"/>
+      <dgm:resizeHandles val="exact"/>
+    </dgm:varLst>
+    <dgm:alg type="lin">
+      <dgm:param type="linDir" val="fromL"/>
+      <dgm:param type="nodeVertAlign" val="t"/>
+    </dgm:alg>
+    <dgm:shape xmlns:r="http://schemas.openxmlformats.org/officeDocument/2006/relationships" r:blip="">
+      <dgm:adjLst/>
+    </dgm:shape>
+    <dgm:presOf/>
+    <dgm:constrLst>
+      <dgm:constr type="w" for="ch" forName="compositeNode" refType="w"/>
+      <dgm:constr type="h" for="ch" forName="compositeNode" op="equ"/>
+      <dgm:constr type="w" for="ch" forName="sibTransComposite" refType="w" refFor="ch" refForName="compositeNode" fact="0"/>
+      <dgm:constr type="w" for="des" forName="parTx"/>
+      <dgm:constr type="h" for="des" forName="parTx" op="equ"/>
+      <dgm:constr type="h" for="des" forName="parSh" op="equ"/>
+      <dgm:constr type="w" for="des" forName="nodeText"/>
+      <dgm:constr type="h" for="des" forName="nodeText" op="equ"/>
+      <dgm:constr type="w" for="des" forName="parSh"/>
+      <dgm:constr type="w" for="des" forName="parSh" op="equ"/>
+      <dgm:constr type="primFontSz" for="des" forName="parTx" val="26"/>
+      <dgm:constr type="primFontSz" for="des" forName="parTx" op="equ"/>
+      <dgm:constr type="primFontSz" for="des" forName="parSh" op="equ"/>
+      <dgm:constr type="primFontSz" for="des" forName="nodeText" op="equ"/>
+      <dgm:constr type="secFontSz" for="des" forName="nodeText" op="equ"/>
+      <dgm:constr type="primFontSz" for="des" forName="sibTransNodeCircle" op="equ"/>
+      <dgm:constr type="h" for="des" forName="sibTransNodeCircle" op="equ"/>
+      <dgm:constr type="w" for="des" forName="sibTransNodeCircle" op="equ"/>
+      <dgm:constr type="h" for="des" forName="parTx" refType="primFontSz" refFor="des" refForName="parTx" fact="1.5"/>
+      <dgm:constr type="h" for="ch" forName="compositeNode" refType="h"/>
+      <dgm:constr type="h" for="des" forName="parSh" refType="w"/>
+      <dgm:constr type="h" for="des" forName="nodeText" refType="primFontSz" refFor="des" refForName="parTx" fact="2.1"/>
+      <dgm:constr type="h" for="des" forName="parSh" refType="h" refFor="des" refForName="parTx" op="lte" fact="1.2"/>
+      <dgm:constr type="h" for="des" forName="parSh" refType="h" refFor="des" refForName="parTx" op="gte" fact="1.2"/>
+    </dgm:constrLst>
+    <dgm:ruleLst>
+      <dgm:rule type="primFontSz" for="des" forName="parSh" val="5" fact="NaN" max="NaN"/>
+    </dgm:ruleLst>
+    <dgm:forEach name="Name3" axis="ch" ptType="node">
+      <dgm:layoutNode name="compositeNode">
+        <dgm:alg type="composite"/>
+        <dgm:shape xmlns:r="http://schemas.openxmlformats.org/officeDocument/2006/relationships" r:blip="">
+          <dgm:adjLst/>
+        </dgm:shape>
+        <dgm:presOf/>
+        <dgm:choose name="Name004">
+          <dgm:if name="Name5" axis="self" ptType="node" func="cnt" op="equ" val="0">
+            <dgm:constrLst>
+              <dgm:constr type="w" for="ch" forName="parTx" refType="w"/>
+              <dgm:constr type="w" for="ch" forName="parSh" refType="w" refFor="ch" refForName="parTx"/>
+              <dgm:constr type="w" for="ch" forName="nodeText" refType="w" refFor="ch" refForName="parTx"/>
+              <dgm:constr type="t" for="ch" forName="nodeText" refType="b" refFor="ch" refForName="parSh"/>
+            </dgm:constrLst>
+          </dgm:if>
+          <dgm:else name="Name6">
+            <dgm:constrLst>
+              <dgm:constr type="w" for="ch" forName="parTx" refType="w"/>
+              <dgm:constr type="w" for="ch" forName="parSh" refType="w" refFor="ch" refForName="parTx"/>
+              <dgm:constr type="w" for="ch" forName="nodeText" refType="w" refFor="ch" refForName="parTx" fact="0.9"/>
+              <dgm:constr type="t" for="ch" forName="nodeText" refType="b" refFor="ch" refForName="parSh"/>
+            </dgm:constrLst>
+          </dgm:else>
+        </dgm:choose>
+        <dgm:ruleLst>
+          <dgm:rule type="h" val="INF" fact="NaN" max="NaN"/>
+        </dgm:ruleLst>
+        <dgm:layoutNode name="parTx">
+          <dgm:varLst>
+            <dgm:chMax val="0"/>
+            <dgm:chPref val="0"/>
+            <dgm:bulletEnabled val="1"/>
+          </dgm:varLst>
+          <dgm:alg type="tx"/>
+          <dgm:shape xmlns:r="http://schemas.openxmlformats.org/officeDocument/2006/relationships" type="rect" r:blip="" zOrderOff="1" hideGeom="1">
+            <dgm:adjLst/>
+          </dgm:shape>
+          <dgm:presOf/>
+          <dgm:constrLst>
+            <dgm:constr type="h" refType="w" op="lte" fact="0.4"/>
+            <dgm:constr type="h"/>
+          </dgm:constrLst>
+          <dgm:ruleLst>
+            <dgm:rule type="h" val="INF" fact="NaN" max="NaN"/>
+          </dgm:ruleLst>
+        </dgm:layoutNode>
+        <dgm:layoutNode name="parSh">
+          <dgm:alg type="composite"/>
+          <dgm:shape xmlns:r="http://schemas.openxmlformats.org/officeDocument/2006/relationships" r:blip="">
+            <dgm:adjLst/>
+          </dgm:shape>
+          <dgm:presOf axis="self" ptType="node"/>
+          <dgm:choose name="casesForFirstAndLastNode">
+            <dgm:if name="ifFirstNode" axis="self" ptType="node" func="pos" op="equ" val="1">
+              <dgm:choose name="removeLineWhenOnlyOneNode">
+                <dgm:if name="ifOnlyOneNode" axis="followSib" ptType="node" func="cnt" op="equ" val="0">
+                  <dgm:constrLst>
+                    <dgm:constr type="h"/>
+                    <dgm:constr type="h" for="ch" forName="lineNode" val="0.002"/>
+                    <dgm:constr type="w" for="ch" forName="lineNode" refType="w" fact="0"/>
+                    <dgm:constr type="w" for="ch" forName="lineArrowNode" refType="w" fact="0"/>
+                    <dgm:constr type="h" for="ch" forName="lineArrowNode" refType="h" fact="0"/>
+                    <dgm:constr type="ctrY" for="ch" forName="lineNode" refType="ctrY" refFor="ch" refForName="sibTransNodeCircle"/>
+                    <dgm:constr type="h" for="ch" forName="sibTransNodeCircle" refType="h" fact="0.9"/>
+                    <dgm:constr type="w" for="ch" forName="sibTransNodeCircle" refType="h" refFor="ch" refForName="sibTransNodeCircle"/>
+                    <dgm:constr type="ctrX" for="ch" forName="sibTransNodeCircle" refType="w" fact="0.45"/>
+                    <dgm:constr type="ctrY" for="ch" forName="sibTransNodeCircle" refType="h" fact="0.25"/>
+                    <dgm:constr type="t" for="ch" forName="spacerBetweenCircleAndCallout" refType="b" refFor="ch" refForName="sibTransNodeCircle"/>
+                    <dgm:constr type="h" for="ch" forName="spacerBetweenCircleAndCallout" val="4.6"/>
+                  </dgm:constrLst>
+                </dgm:if>
+                <dgm:else name="ifMoreThanOneNode">
+                  <dgm:constrLst>
+                    <dgm:constr type="h"/>
+                    <dgm:constr type="h" for="ch" forName="lineNode" val="0.002"/>
+                    <dgm:constr type="w" for="ch" forName="lineNode" refType="w" fact="0.4"/>
+                    <dgm:constr type="l" for="ch" forName="lineNode" refType="w" fact="0.5"/>
+                    <dgm:constr type="w" for="ch" forName="lineArrowNode" refType="w" fact="0.046"/>
+                    <dgm:constr type="h" for="ch" forName="lineArrowNode" refType="h" fact="0.18"/>
+                    <dgm:constr type="l" for="ch" forName="lineArrowNode" refType="w" fact="0.924"/>
+                    <dgm:constr type="t" for="ch" forName="lineArrowNode" refType="h" fact="0.18"/>
+                    <dgm:constr type="ctrY" for="ch" forName="lineNode" refType="ctrY" refFor="ch" refForName="sibTransNodeCircle"/>
+                    <dgm:constr type="h" for="ch" forName="sibTransNodeCircle" refType="h" fact="0.9"/>
+                    <dgm:constr type="w" for="ch" forName="sibTransNodeCircle" refType="h" refFor="ch" refForName="sibTransNodeCircle"/>
+                    <dgm:constr type="ctrX" for="ch" forName="sibTransNodeCircle" refType="w" fact="0.45"/>
+                    <dgm:constr type="ctrY" for="ch" forName="sibTransNodeCircle" refType="h" fact="0.25"/>
+                    <dgm:constr type="t" for="ch" forName="spacerBetweenCircleAndCallout" refType="b" refFor="ch" refForName="sibTransNodeCircle"/>
+                    <dgm:constr type="h" for="ch" forName="spacerBetweenCircleAndCallout" val="4.6"/>
+                  </dgm:constrLst>
+                </dgm:else>
+              </dgm:choose>
+            </dgm:if>
+            <dgm:if name="ifLastNode" axis="self" ptType="node" func="revPos" op="equ" val="1">
+              <dgm:constrLst>
+                <dgm:constr type="h"/>
+                <dgm:constr type="h" for="ch" forName="lineNode" val="0.002"/>
+                <dgm:constr type="w" for="ch" forName="lineNode" refType="w" fact="0.45"/>
+                <dgm:constr type="w" for="ch" forName="lineArrowNode" refType="w" fact="0"/>
+                <dgm:constr type="h" for="ch" forName="lineArrowNode" refType="h" fact="0"/>
+                <dgm:constr type="ctrY" for="ch" forName="lineNode" refType="ctrY" refFor="ch" refForName="sibTransNodeCircle"/>
+                <dgm:constr type="h" for="ch" forName="sibTransNodeCircle" refType="h"/>
+                <dgm:constr type="w" for="ch" forName="sibTransNodeCircle" refType="h" refFor="ch" refForName="sibTransNodeCircle"/>
+                <dgm:constr type="ctrX" for="ch" forName="sibTransNodeCircle" refType="w" fact="0.45"/>
+                <dgm:constr type="ctrY" for="ch" forName="sibTransNodeCircle" refType="h" fact="0.25"/>
+                <dgm:constr type="t" for="ch" forName="spacerBetweenCircleAndCallout" refType="b" refFor="ch" refForName="sibTransNodeCircle"/>
+                <dgm:constr type="h" for="ch" forName="spacerBetweenCircleAndCallout" val="4.6"/>
+              </dgm:constrLst>
+            </dgm:if>
+            <dgm:else name="allOtherNodes">
+              <dgm:constrLst>
+                <dgm:constr type="h"/>
+                <dgm:constr type="h" for="ch" forName="lineNode" val="0.002"/>
+                <dgm:constr type="w" for="ch" forName="lineNode" refType="w" fact="0.9"/>
+                <dgm:constr type="w" for="ch" forName="lineArrowNode" refType="w" fact="0.046"/>
+                <dgm:constr type="h" for="ch" forName="lineArrowNode" refType="h" fact="0.18"/>
+                <dgm:constr type="l" for="ch" forName="lineArrowNode" refType="w" fact="0.924"/>
+                <dgm:constr type="t" for="ch" forName="lineArrowNode" refType="h" fact="0.18"/>
+                <dgm:constr type="ctrY" for="ch" forName="lineNode" refType="ctrY" refFor="ch" refForName="sibTransNodeCircle"/>
+                <dgm:constr type="h" for="ch" forName="sibTransNodeCircle" refType="h" fact="0.9"/>
+                <dgm:constr type="w" for="ch" forName="sibTransNodeCircle" refType="h" refFor="ch" refForName="sibTransNodeCircle"/>
+                <dgm:constr type="ctrX" for="ch" forName="sibTransNodeCircle" refType="w" fact="0.45"/>
+                <dgm:constr type="ctrY" for="ch" forName="sibTransNodeCircle" refType="h" fact="0.25"/>
+                <dgm:constr type="t" for="ch" forName="spacerBetweenCircleAndCallout" refType="b" refFor="ch" refForName="sibTransNodeCircle"/>
+                <dgm:constr type="h" for="ch" forName="spacerBetweenCircleAndCallout" val="4.6"/>
+              </dgm:constrLst>
+            </dgm:else>
+          </dgm:choose>
+          <dgm:layoutNode name="lineNode" styleLbl="alignAccFollowNode1">
+            <dgm:alg type="sp"/>
+            <dgm:shape xmlns:r="http://schemas.openxmlformats.org/officeDocument/2006/relationships" type="rect" r:blip="">
+              <dgm:adjLst/>
+            </dgm:shape>
+            <dgm:presOf/>
+            <dgm:constrLst/>
+            <dgm:ruleLst/>
+          </dgm:layoutNode>
+          <dgm:layoutNode name="lineArrowNode" styleLbl="alignAccFollowNode1">
+            <dgm:alg type="sp"/>
+            <dgm:shape xmlns:r="http://schemas.openxmlformats.org/officeDocument/2006/relationships" type="chevron" r:blip="">
+              <dgm:adjLst>
+                <dgm:adj idx="1" val="0.9"/>
+              </dgm:adjLst>
+            </dgm:shape>
+            <dgm:presOf/>
+            <dgm:ruleLst/>
+          </dgm:layoutNode>
+          <dgm:forEach name="Name19" axis="followSib" ptType="sibTrans" hideLastTrans="0" cnt="1">
+            <dgm:layoutNode name="sibTransNodeCircle" styleLbl="alignNode1">
+              <dgm:varLst>
+                <dgm:chMax val="0"/>
+                <dgm:bulletEnabled/>
+              </dgm:varLst>
+              <dgm:presOf axis="self" ptType="sibTrans"/>
+              <dgm:alg type="tx">
+                <dgm:param type="txAnchorVert" val="mid"/>
+                <dgm:param type="txAnchorHorzCh" val="ctr"/>
+                <dgm:param type="parTxRTLAlign" val="l"/>
+              </dgm:alg>
+              <dgm:shape xmlns:r="http://schemas.openxmlformats.org/officeDocument/2006/relationships" type="ellipse" r:blip="">
+                <dgm:adjLst/>
+              </dgm:shape>
+              <dgm:constrLst>
+                <dgm:constr type="w" refType="h" op="equ"/>
+                <dgm:constr type="primFontSz" val="60"/>
+                <dgm:constr type="tMarg" refType="w" fact="0.11"/>
+                <dgm:constr type="lMarg" refType="w" fact="0.11"/>
+                <dgm:constr type="rMarg" refType="w" fact="0.11"/>
+                <dgm:constr type="bMarg" refType="w" fact="0.11"/>
+              </dgm:constrLst>
+              <dgm:ruleLst>
+                <dgm:rule type="primFontSz" val="14" fact="NaN" max="NaN"/>
+              </dgm:ruleLst>
+            </dgm:layoutNode>
+            <dgm:layoutNode name="spacerBetweenCircleAndCallout">
+              <dgm:varLst/>
+              <dgm:presOf/>
+              <dgm:alg type="sp"/>
+              <dgm:shape xmlns:r="http://schemas.openxmlformats.org/officeDocument/2006/relationships" r:blip="">
+                <dgm:adjLst/>
+              </dgm:shape>
+              <dgm:constrLst/>
+              <dgm:ruleLst/>
+            </dgm:layoutNode>
+          </dgm:forEach>
+          <dgm:presOf/>
+          <dgm:ruleLst/>
+        </dgm:layoutNode>
+        <dgm:layoutNode name="nodeText" styleLbl="alignAccFollowNode1">
+          <dgm:varLst>
+            <dgm:bulletEnabled val="1"/>
+          </dgm:varLst>
+          <dgm:alg type="tx">
+            <dgm:param type="parTxLTRAlign" val="l"/>
+            <dgm:param type="parTxRTLAlign" val="r"/>
+            <dgm:param type="txAnchorVert" val="t"/>
+          </dgm:alg>
+          <dgm:shape xmlns:r="http://schemas.openxmlformats.org/officeDocument/2006/relationships" type="upArrowCallout" r:blip="">
+            <dgm:adjLst>
+              <dgm:adj idx="1" val="0.5"/>
+              <dgm:adj idx="2" val="0.2"/>
+              <dgm:adj idx="3" val="0.2"/>
+              <dgm:adj idx="4" val="1"/>
+            </dgm:adjLst>
+          </dgm:shape>
+          <dgm:presOf axis="desOrSelf" ptType="node"/>
+          <dgm:constrLst>
+            <dgm:constr type="secFontSz" val="16"/>
+            <dgm:constr type="primFontSz" val="26"/>
+            <dgm:constr type="h"/>
+            <dgm:constr type="tMarg" val="13"/>
+            <dgm:constr type="lMarg" refType="w" fact="0.2236"/>
+            <dgm:constr type="rMarg" refType="w" fact="0.2236"/>
+            <dgm:constr type="bMarg" val="13"/>
+          </dgm:constrLst>
+          <dgm:ruleLst>
+            <dgm:rule type="secFontSz" val="11" fact="NaN" max="NaN"/>
+            <dgm:rule type="primFontSz" val="11" fact="NaN" max="NaN"/>
+            <dgm:rule type="h" val="INF" fact="NaN" max="NaN"/>
+          </dgm:ruleLst>
+        </dgm:layoutNode>
+      </dgm:layoutNode>
+      <dgm:forEach name="sibTransForEach" axis="followSib" ptType="sibTrans" cnt="1">
+        <dgm:layoutNode name="sibTransComposite" styleLbl="alignAccFollowNode1">
+          <dgm:alg type="sp"/>
+          <dgm:shape xmlns:r="http://schemas.openxmlformats.org/officeDocument/2006/relationships" r:blip="">
+            <dgm:adjLst/>
+          </dgm:shape>
+          <dgm:ruleLst/>
+        </dgm:layoutNode>
+        <dgm:ruleLst>
+          <dgm:rule type="h" val="INF" fact="NaN" max="NaN"/>
+        </dgm:ruleLst>
+      </dgm:forEach>
+    </dgm:forEach>
+  </dgm:layoutNode>
+  <dgm:extLst>
+    <a:ext uri="{4F341089-5ED1-44EC-B178-C955D00A3D55}">
+      <dgm1611:autoBuNodeInfoLst xmlns:dgm1611="http://schemas.microsoft.com/office/drawing/2016/11/diagram">
+        <dgm1611:autoBuNodeInfo lvl="1" ptType="sibTrans">
+          <dgm1611:buPr prefix="" leadZeros="0">
+            <a:buAutoNum type="arabicParenBoth"/>
+          </dgm1611:buPr>
+        </dgm1611:autoBuNodeInfo>
+      </dgm1611:autoBuNodeInfoLst>
+    </a:ext>
+  </dgm:extLst>
+</dgm:layoutDef>
+</file>
+
+<file path=ppt/diagrams/quickStyle1.xml><?xml version="1.0" encoding="utf-8"?>
+<dgm:styleDef xmlns:dgm="http://schemas.openxmlformats.org/drawingml/2006/diagram" xmlns:a="http://schemas.openxmlformats.org/drawingml/2006/main" uniqueId="urn:microsoft.com/office/officeart/2005/8/quickstyle/simple4">
+  <dgm:title val=""/>
+  <dgm:desc val=""/>
+  <dgm:catLst>
+    <dgm:cat type="simple" pri="10400"/>
+  </dgm:catLst>
+  <dgm:scene3d>
+    <a:camera prst="orthographicFront"/>
+    <a:lightRig rig="threePt" dir="t"/>
+  </dgm:scene3d>
+  <dgm:styleLbl name="node0">
+    <dgm:scene3d>
+      <a:camera prst="orthographicFront"/>
+      <a:lightRig rig="threePt" dir="t"/>
+    </dgm:scene3d>
+    <dgm:sp3d/>
+    <dgm:txPr/>
+    <dgm:style>
+      <a:lnRef idx="0">
+        <a:scrgbClr r="0" g="0" b="0"/>
+      </a:lnRef>
+      <a:fillRef idx="3">
+        <a:scrgbClr r="0" g="0" b="0"/>
+      </a:fillRef>
+      <a:effectRef idx="2">
+        <a:scrgbClr r="0" g="0" b="0"/>
+      </a:effectRef>
+      <a:fontRef idx="minor">
+        <a:schemeClr val="lt1"/>
+      </a:fontRef>
+    </dgm:style>
+  </dgm:styleLbl>
+  <dgm:styleLbl name="lnNode1">
+    <dgm:scene3d>
+      <a:camera prst="orthographicFront"/>
+      <a:lightRig rig="threePt" dir="t"/>
+    </dgm:scene3d>
+    <dgm:sp3d/>
+    <dgm:txPr/>
+    <dgm:style>
+      <a:lnRef idx="1">
+        <a:scrgbClr r="0" g="0" b="0"/>
+      </a:lnRef>
+      <a:fillRef idx="3">
+        <a:scrgbClr r="0" g="0" b="0"/>
+      </a:fillRef>
+      <a:effectRef idx="2">
+        <a:scrgbClr r="0" g="0" b="0"/>
+      </a:effectRef>
+      <a:fontRef idx="minor">
+        <a:schemeClr val="lt1"/>
+      </a:fontRef>
+    </dgm:style>
+  </dgm:styleLbl>
+  <dgm:styleLbl name="vennNode1">
+    <dgm:scene3d>
+      <a:camera prst="orthographicFront"/>
+      <a:lightRig rig="threePt" dir="t"/>
+    </dgm:scene3d>
+    <dgm:sp3d/>
+    <dgm:txPr/>
+    <dgm:style>
+      <a:lnRef idx="0">
+        <a:scrgbClr r="0" g="0" b="0"/>
+      </a:lnRef>
+      <a:fillRef idx="3">
+        <a:scrgbClr r="0" g="0" b="0"/>
+      </a:fillRef>
+      <a:effectRef idx="0">
+        <a:scrgbClr r="0" g="0" b="0"/>
+      </a:effectRef>
+      <a:fontRef idx="minor">
+        <a:schemeClr val="tx1"/>
+      </a:fontRef>
+    </dgm:style>
+  </dgm:styleLbl>
+  <dgm:styleLbl name="alignNode1">
+    <dgm:scene3d>
+      <a:camera prst="orthographicFront"/>
+      <a:lightRig rig="threePt" dir="t"/>
+    </dgm:scene3d>
+    <dgm:sp3d/>
+    <dgm:txPr/>
+    <dgm:style>
+      <a:lnRef idx="1">
+        <a:scrgbClr r="0" g="0" b="0"/>
+      </a:lnRef>
+      <a:fillRef idx="3">
+        <a:scrgbClr r="0" g="0" b="0"/>
+      </a:fillRef>
+      <a:effectRef idx="2">
+        <a:scrgbClr r="0" g="0" b="0"/>
+      </a:effectRef>
+      <a:fontRef idx="minor">
+        <a:schemeClr val="lt1"/>
+      </a:fontRef>
+    </dgm:style>
+  </dgm:styleLbl>
+  <dgm:styleLbl name="node1">
+    <dgm:scene3d>
+      <a:camera prst="orthographicFront"/>
+      <a:lightRig rig="threePt" dir="t"/>
+    </dgm:scene3d>
+    <dgm:sp3d/>
+    <dgm:txPr/>
+    <dgm:style>
+      <a:lnRef idx="0">
+        <a:scrgbClr r="0" g="0" b="0"/>
+      </a:lnRef>
+      <a:fillRef idx="3">
+        <a:scrgbClr r="0" g="0" b="0"/>
+      </a:fillRef>
+      <a:effectRef idx="2">
+        <a:scrgbClr r="0" g="0" b="0"/>
+      </a:effectRef>
+      <a:fontRef idx="minor">
+        <a:schemeClr val="lt1"/>
+      </a:fontRef>
+    </dgm:style>
+  </dgm:styleLbl>
+  <dgm:styleLbl name="node2">
+    <dgm:scene3d>
+      <a:camera prst="orthographicFront"/>
+      <a:lightRig rig="threePt" dir="t"/>
+    </dgm:scene3d>
+    <dgm:sp3d/>
+    <dgm:txPr/>
+    <dgm:style>
+      <a:lnRef idx="0">
+        <a:scrgbClr r="0" g="0" b="0"/>
+      </a:lnRef>
+      <a:fillRef idx="3">
+        <a:scrgbClr r="0" g="0" b="0"/>
+      </a:fillRef>
+      <a:effectRef idx="2">
+        <a:scrgbClr r="0" g="0" b="0"/>
+      </a:effectRef>
+      <a:fontRef idx="minor">
+        <a:schemeClr val="lt1"/>
+      </a:fontRef>
+    </dgm:style>
+  </dgm:styleLbl>
+  <dgm:styleLbl name="node3">
+    <dgm:scene3d>
+      <a:camera prst="orthographicFront"/>
+      <a:lightRig rig="threePt" dir="t"/>
+    </dgm:scene3d>
+    <dgm:sp3d/>
+    <dgm:txPr/>
+    <dgm:style>
+      <a:lnRef idx="0">
+        <a:scrgbClr r="0" g="0" b="0"/>
+      </a:lnRef>
+      <a:fillRef idx="3">
+        <a:scrgbClr r="0" g="0" b="0"/>
+      </a:fillRef>
+      <a:effectRef idx="2">
+        <a:scrgbClr r="0" g="0" b="0"/>
+      </a:effectRef>
+      <a:fontRef idx="minor">
+        <a:schemeClr val="lt1"/>
+      </a:fontRef>
+    </dgm:style>
+  </dgm:styleLbl>
+  <dgm:styleLbl name="node4">
+    <dgm:scene3d>
+      <a:camera prst="orthographicFront"/>
+      <a:lightRig rig="threePt" dir="t"/>
+    </dgm:scene3d>
+    <dgm:sp3d/>
+    <dgm:txPr/>
+    <dgm:style>
+      <a:lnRef idx="0">
+        <a:scrgbClr r="0" g="0" b="0"/>
+      </a:lnRef>
+      <a:fillRef idx="3">
+        <a:scrgbClr r="0" g="0" b="0"/>
+      </a:fillRef>
+      <a:effectRef idx="2">
+        <a:scrgbClr r="0" g="0" b="0"/>
+      </a:effectRef>
+      <a:fontRef idx="minor">
+        <a:schemeClr val="lt1"/>
+      </a:fontRef>
+    </dgm:style>
+  </dgm:styleLbl>
+  <dgm:styleLbl name="fgImgPlace1">
+    <dgm:scene3d>
+      <a:camera prst="orthographicFront"/>
+      <a:lightRig rig="threePt" dir="t"/>
+    </dgm:scene3d>
+    <dgm:sp3d/>
+    <dgm:txPr/>
+    <dgm:style>
+      <a:lnRef idx="0">
+        <a:scrgbClr r="0" g="0" b="0"/>
+      </a:lnRef>
+      <a:fillRef idx="1">
+        <a:scrgbClr r="0" g="0" b="0"/>
+      </a:fillRef>
+      <a:effectRef idx="2">
+        <a:scrgbClr r="0" g="0" b="0"/>
+      </a:effectRef>
+      <a:fontRef idx="minor"/>
+    </dgm:style>
+  </dgm:styleLbl>
+  <dgm:styleLbl name="alignImgPlace1">
+    <dgm:scene3d>
+      <a:camera prst="orthographicFront"/>
+      <a:lightRig rig="threePt" dir="t"/>
+    </dgm:scene3d>
+    <dgm:sp3d/>
+    <dgm:txPr/>
+    <dgm:style>
+      <a:lnRef idx="0">
+        <a:scrgbClr r="0" g="0" b="0"/>
+      </a:lnRef>
+      <a:fillRef idx="1">
+        <a:scrgbClr r="0" g="0" b="0"/>
+      </a:fillRef>
+      <a:effectRef idx="2">
+        <a:scrgbClr r="0" g="0" b="0"/>
+      </a:effectRef>
+      <a:fontRef idx="minor"/>
+    </dgm:style>
+  </dgm:styleLbl>
+  <dgm:styleLbl name="bgImgPlace1">
+    <dgm:scene3d>
+      <a:camera prst="orthographicFront"/>
+      <a:lightRig rig="threePt" dir="t"/>
+    </dgm:scene3d>
+    <dgm:sp3d/>
+    <dgm:txPr/>
+    <dgm:style>
+      <a:lnRef idx="0">
+        <a:scrgbClr r="0" g="0" b="0"/>
+      </a:lnRef>
+      <a:fillRef idx="1">
+        <a:scrgbClr r="0" g="0" b="0"/>
+      </a:fillRef>
+      <a:effectRef idx="2">
+        <a:scrgbClr r="0" g="0" b="0"/>
+      </a:effectRef>
+      <a:fontRef idx="minor"/>
+    </dgm:style>
+  </dgm:styleLbl>
+  <dgm:styleLbl name="sibTrans2D1">
+    <dgm:scene3d>
+      <a:camera prst="orthographicFront"/>
+      <a:lightRig rig="threePt" dir="t"/>
+    </dgm:scene3d>
+    <dgm:sp3d/>
+    <dgm:txPr/>
+    <dgm:style>
+      <a:lnRef idx="0">
+        <a:scrgbClr r="0" g="0" b="0"/>
+      </a:lnRef>
+      <a:fillRef idx="3">
+        <a:scrgbClr r="0" g="0" b="0"/>
+      </a:fillRef>
+      <a:effectRef idx="2">
+        <a:scrgbClr r="0" g="0" b="0"/>
+      </a:effectRef>
+      <a:fontRef idx="minor">
+        <a:schemeClr val="lt1"/>
+      </a:fontRef>
+    </dgm:style>
+  </dgm:styleLbl>
+  <dgm:styleLbl name="fgSibTrans2D1">
+    <dgm:scene3d>
+      <a:camera prst="orthographicFront"/>
+      <a:lightRig rig="threePt" dir="t"/>
+    </dgm:scene3d>
+    <dgm:sp3d/>
+    <dgm:txPr/>
+    <dgm:style>
+      <a:lnRef idx="0">
+        <a:scrgbClr r="0" g="0" b="0"/>
+      </a:lnRef>
+      <a:fillRef idx="3">
+        <a:scrgbClr r="0" g="0" b="0"/>
+      </a:fillRef>
+      <a:effectRef idx="2">
+        <a:scrgbClr r="0" g="0" b="0"/>
+      </a:effectRef>
+      <a:fontRef idx="minor">
+        <a:schemeClr val="lt1"/>
+      </a:fontRef>
+    </dgm:style>
+  </dgm:styleLbl>
+  <dgm:styleLbl name="bgSibTrans2D1">
+    <dgm:scene3d>
+      <a:camera prst="orthographicFront"/>
+      <a:lightRig rig="threePt" dir="t"/>
+    </dgm:scene3d>
+    <dgm:sp3d/>
+    <dgm:txPr/>
+    <dgm:style>
+      <a:lnRef idx="0">
+        <a:scrgbClr r="0" g="0" b="0"/>
+      </a:lnRef>
+      <a:fillRef idx="3">
+        <a:scrgbClr r="0" g="0" b="0"/>
+      </a:fillRef>
+      <a:effectRef idx="2">
+        <a:scrgbClr r="0" g="0" b="0"/>
+      </a:effectRef>
+      <a:fontRef idx="minor">
+        <a:schemeClr val="lt1"/>
+      </a:fontRef>
+    </dgm:style>
+  </dgm:styleLbl>
+  <dgm:styleLbl name="sibTrans1D1">
+    <dgm:scene3d>
+      <a:camera prst="orthographicFront"/>
+      <a:lightRig rig="threePt" dir="t"/>
+    </dgm:scene3d>
+    <dgm:sp3d/>
+    <dgm:txPr/>
+    <dgm:style>
+      <a:lnRef idx="1">
+        <a:scrgbClr r="0" g="0" b="0"/>
+      </a:lnRef>
+      <a:fillRef idx="0">
+        <a:scrgbClr r="0" g="0" b="0"/>
+      </a:fillRef>
+      <a:effectRef idx="0">
+        <a:scrgbClr r="0" g="0" b="0"/>
+      </a:effectRef>
+      <a:fontRef idx="minor"/>
+    </dgm:style>
+  </dgm:styleLbl>
+  <dgm:styleLbl name="callout">
+    <dgm:scene3d>
+      <a:camera prst="orthographicFront"/>
+      <a:lightRig rig="threePt" dir="t"/>
+    </dgm:scene3d>
+    <dgm:sp3d/>
+    <dgm:txPr/>
+    <dgm:style>
+      <a:lnRef idx="2">
+        <a:scrgbClr r="0" g="0" b="0"/>
+      </a:lnRef>
+      <a:fillRef idx="1">
+        <a:scrgbClr r="0" g="0" b="0"/>
+      </a:fillRef>
+      <a:effectRef idx="1">
+        <a:scrgbClr r="0" g="0" b="0"/>
+      </a:effectRef>
+      <a:fontRef idx="minor"/>
+    </dgm:style>
+  </dgm:styleLbl>
+  <dgm:styleLbl name="asst0">
+    <dgm:scene3d>
+      <a:camera prst="orthographicFront"/>
+      <a:lightRig rig="threePt" dir="t"/>
+    </dgm:scene3d>
+    <dgm:sp3d/>
+    <dgm:txPr/>
+    <dgm:style>
+      <a:lnRef idx="0">
+        <a:scrgbClr r="0" g="0" b="0"/>
+      </a:lnRef>
+      <a:fillRef idx="3">
+        <a:scrgbClr r="0" g="0" b="0"/>
+      </a:fillRef>
+      <a:effectRef idx="2">
+        <a:scrgbClr r="0" g="0" b="0"/>
+      </a:effectRef>
+      <a:fontRef idx="minor">
+        <a:schemeClr val="lt1"/>
+      </a:fontRef>
+    </dgm:style>
+  </dgm:styleLbl>
+  <dgm:styleLbl name="asst1">
+    <dgm:scene3d>
+      <a:camera prst="orthographicFront"/>
+      <a:lightRig rig="threePt" dir="t"/>
+    </dgm:scene3d>
+    <dgm:sp3d/>
+    <dgm:txPr/>
+    <dgm:style>
+      <a:lnRef idx="0">
+        <a:scrgbClr r="0" g="0" b="0"/>
+      </a:lnRef>
+      <a:fillRef idx="3">
+        <a:scrgbClr r="0" g="0" b="0"/>
+      </a:fillRef>
+      <a:effectRef idx="2">
+        <a:scrgbClr r="0" g="0" b="0"/>
+      </a:effectRef>
+      <a:fontRef idx="minor">
+        <a:schemeClr val="lt1"/>
+      </a:fontRef>
+    </dgm:style>
+  </dgm:styleLbl>
+  <dgm:styleLbl name="asst2">
+    <dgm:scene3d>
+      <a:camera prst="orthographicFront"/>
+      <a:lightRig rig="threePt" dir="t"/>
+    </dgm:scene3d>
+    <dgm:sp3d/>
+    <dgm:txPr/>
+    <dgm:style>
+      <a:lnRef idx="0">
+        <a:scrgbClr r="0" g="0" b="0"/>
+      </a:lnRef>
+      <a:fillRef idx="3">
+        <a:scrgbClr r="0" g="0" b="0"/>
+      </a:fillRef>
+      <a:effectRef idx="2">
+        <a:scrgbClr r="0" g="0" b="0"/>
+      </a:effectRef>
+      <a:fontRef idx="minor">
+        <a:schemeClr val="lt1"/>
+      </a:fontRef>
+    </dgm:style>
+  </dgm:styleLbl>
+  <dgm:styleLbl name="asst3">
+    <dgm:scene3d>
+      <a:camera prst="orthographicFront"/>
+      <a:lightRig rig="threePt" dir="t"/>
+    </dgm:scene3d>
+    <dgm:sp3d/>
+    <dgm:txPr/>
+    <dgm:style>
+      <a:lnRef idx="0">
+        <a:scrgbClr r="0" g="0" b="0"/>
+      </a:lnRef>
+      <a:fillRef idx="3">
+        <a:scrgbClr r="0" g="0" b="0"/>
+      </a:fillRef>
+      <a:effectRef idx="2">
+        <a:scrgbClr r="0" g="0" b="0"/>
+      </a:effectRef>
+      <a:fontRef idx="minor">
+        <a:schemeClr val="lt1"/>
+      </a:fontRef>
+    </dgm:style>
+  </dgm:styleLbl>
+  <dgm:styleLbl name="asst4">
+    <dgm:scene3d>
+      <a:camera prst="orthographicFront"/>
+      <a:lightRig rig="threePt" dir="t"/>
+    </dgm:scene3d>
+    <dgm:sp3d/>
+    <dgm:txPr/>
+    <dgm:style>
+      <a:lnRef idx="0">
+        <a:scrgbClr r="0" g="0" b="0"/>
+      </a:lnRef>
+      <a:fillRef idx="3">
+        <a:scrgbClr r="0" g="0" b="0"/>
+      </a:fillRef>
+      <a:effectRef idx="2">
+        <a:scrgbClr r="0" g="0" b="0"/>
+      </a:effectRef>
+      <a:fontRef idx="minor">
+        <a:schemeClr val="lt1"/>
+      </a:fontRef>
+    </dgm:style>
+  </dgm:styleLbl>
+  <dgm:styleLbl name="parChTrans2D1">
+    <dgm:scene3d>
+      <a:camera prst="orthographicFront"/>
+      <a:lightRig rig="threePt" dir="t"/>
+    </dgm:scene3d>
+    <dgm:sp3d/>
+    <dgm:txPr/>
+    <dgm:style>
+      <a:lnRef idx="0">
+        <a:scrgbClr r="0" g="0" b="0"/>
+      </a:lnRef>
+      <a:fillRef idx="3">
+        <a:scrgbClr r="0" g="0" b="0"/>
+      </a:fillRef>
+      <a:effectRef idx="2">
+        <a:scrgbClr r="0" g="0" b="0"/>
+      </a:effectRef>
+      <a:fontRef idx="minor">
+        <a:schemeClr val="lt1"/>
+      </a:fontRef>
+    </dgm:style>
+  </dgm:styleLbl>
+  <dgm:styleLbl name="parChTrans2D2">
+    <dgm:scene3d>
+      <a:camera prst="orthographicFront"/>
+      <a:lightRig rig="threePt" dir="t"/>
+    </dgm:scene3d>
+    <dgm:sp3d/>
+    <dgm:txPr/>
+    <dgm:style>
+      <a:lnRef idx="0">
+        <a:scrgbClr r="0" g="0" b="0"/>
+      </a:lnRef>
+      <a:fillRef idx="3">
+        <a:scrgbClr r="0" g="0" b="0"/>
+      </a:fillRef>
+      <a:effectRef idx="2">
+        <a:scrgbClr r="0" g="0" b="0"/>
+      </a:effectRef>
+      <a:fontRef idx="minor">
+        <a:schemeClr val="lt1"/>
+      </a:fontRef>
+    </dgm:style>
+  </dgm:styleLbl>
+  <dgm:styleLbl name="parChTrans2D3">
+    <dgm:scene3d>
+      <a:camera prst="orthographicFront"/>
+      <a:lightRig rig="threePt" dir="t"/>
+    </dgm:scene3d>
+    <dgm:sp3d/>
+    <dgm:txPr/>
+    <dgm:style>
+      <a:lnRef idx="1">
+        <a:scrgbClr r="0" g="0" b="0"/>
+      </a:lnRef>
+      <a:fillRef idx="3">
+        <a:scrgbClr r="0" g="0" b="0"/>
+      </a:fillRef>
+      <a:effectRef idx="2">
+        <a:scrgbClr r="0" g="0" b="0"/>
+      </a:effectRef>
+      <a:fontRef idx="minor">
+        <a:schemeClr val="lt1"/>
+      </a:fontRef>
+    </dgm:style>
+  </dgm:styleLbl>
+  <dgm:styleLbl name="parChTrans2D4">
+    <dgm:scene3d>
+      <a:camera prst="orthographicFront"/>
+      <a:lightRig rig="threePt" dir="t"/>
+    </dgm:scene3d>
+    <dgm:sp3d/>
+    <dgm:txPr/>
+    <dgm:style>
+      <a:lnRef idx="1">
+        <a:scrgbClr r="0" g="0" b="0"/>
+      </a:lnRef>
+      <a:fillRef idx="3">
+        <a:scrgbClr r="0" g="0" b="0"/>
+      </a:fillRef>
+      <a:effectRef idx="2">
+        <a:scrgbClr r="0" g="0" b="0"/>
+      </a:effectRef>
+      <a:fontRef idx="minor">
+        <a:schemeClr val="lt1"/>
+      </a:fontRef>
+    </dgm:style>
+  </dgm:styleLbl>
+  <dgm:styleLbl name="parChTrans1D1">
+    <dgm:scene3d>
+      <a:camera prst="orthographicFront"/>
+      <a:lightRig rig="threePt" dir="t"/>
+    </dgm:scene3d>
+    <dgm:sp3d/>
+    <dgm:txPr/>
+    <dgm:style>
+      <a:lnRef idx="1">
+        <a:scrgbClr r="0" g="0" b="0"/>
+      </a:lnRef>
+      <a:fillRef idx="0">
+        <a:scrgbClr r="0" g="0" b="0"/>
+      </a:fillRef>
+      <a:effectRef idx="0">
+        <a:scrgbClr r="0" g="0" b="0"/>
+      </a:effectRef>
+      <a:fontRef idx="minor"/>
+    </dgm:style>
+  </dgm:styleLbl>
+  <dgm:styleLbl name="parChTrans1D2">
+    <dgm:scene3d>
+      <a:camera prst="orthographicFront"/>
+      <a:lightRig rig="threePt" dir="t"/>
+    </dgm:scene3d>
+    <dgm:sp3d/>
+    <dgm:txPr/>
+    <dgm:style>
+      <a:lnRef idx="1">
+        <a:scrgbClr r="0" g="0" b="0"/>
+      </a:lnRef>
+      <a:fillRef idx="0">
+        <a:scrgbClr r="0" g="0" b="0"/>
+      </a:fillRef>
+      <a:effectRef idx="0">
+        <a:scrgbClr r="0" g="0" b="0"/>
+      </a:effectRef>
+      <a:fontRef idx="minor"/>
+    </dgm:style>
+  </dgm:styleLbl>
+  <dgm:styleLbl name="parChTrans1D3">
+    <dgm:scene3d>
+      <a:camera prst="orthographicFront"/>
+      <a:lightRig rig="threePt" dir="t"/>
+    </dgm:scene3d>
+    <dgm:sp3d/>
+    <dgm:txPr/>
+    <dgm:style>
+      <a:lnRef idx="1">
+        <a:scrgbClr r="0" g="0" b="0"/>
+      </a:lnRef>
+      <a:fillRef idx="0">
+        <a:scrgbClr r="0" g="0" b="0"/>
+      </a:fillRef>
+      <a:effectRef idx="0">
+        <a:scrgbClr r="0" g="0" b="0"/>
+      </a:effectRef>
+      <a:fontRef idx="minor"/>
+    </dgm:style>
+  </dgm:styleLbl>
+  <dgm:styleLbl name="parChTrans1D4">
+    <dgm:scene3d>
+      <a:camera prst="orthographicFront"/>
+      <a:lightRig rig="threePt" dir="t"/>
+    </dgm:scene3d>
+    <dgm:sp3d/>
+    <dgm:txPr/>
+    <dgm:style>
+      <a:lnRef idx="1">
+        <a:scrgbClr r="0" g="0" b="0"/>
+      </a:lnRef>
+      <a:fillRef idx="0">
+        <a:scrgbClr r="0" g="0" b="0"/>
+      </a:fillRef>
+      <a:effectRef idx="0">
+        <a:scrgbClr r="0" g="0" b="0"/>
+      </a:effectRef>
+      <a:fontRef idx="minor"/>
+    </dgm:style>
+  </dgm:styleLbl>
+  <dgm:styleLbl name="fgAcc1">
+    <dgm:scene3d>
+      <a:camera prst="orthographicFront"/>
+      <a:lightRig rig="threePt" dir="t"/>
+    </dgm:scene3d>
+    <dgm:sp3d/>
+    <dgm:txPr/>
+    <dgm:style>
+      <a:lnRef idx="1">
+        <a:scrgbClr r="0" g="0" b="0"/>
+      </a:lnRef>
+      <a:fillRef idx="1">
+        <a:scrgbClr r="0" g="0" b="0"/>
+      </a:fillRef>
+      <a:effectRef idx="0">
+        <a:scrgbClr r="0" g="0" b="0"/>
+      </a:effectRef>
+      <a:fontRef idx="minor"/>
+    </dgm:style>
+  </dgm:styleLbl>
+  <dgm:styleLbl name="conFgAcc1">
+    <dgm:scene3d>
+      <a:camera prst="orthographicFront"/>
+      <a:lightRig rig="threePt" dir="t"/>
+    </dgm:scene3d>
+    <dgm:sp3d/>
+    <dgm:txPr/>
+    <dgm:style>
+      <a:lnRef idx="1">
+        <a:scrgbClr r="0" g="0" b="0"/>
+      </a:lnRef>
+      <a:fillRef idx="1">
+        <a:scrgbClr r="0" g="0" b="0"/>
+      </a:fillRef>
+      <a:effectRef idx="0">
+        <a:scrgbClr r="0" g="0" b="0"/>
+      </a:effectRef>
+      <a:fontRef idx="minor"/>
+    </dgm:style>
+  </dgm:styleLbl>
+  <dgm:styleLbl name="alignAcc1">
+    <dgm:scene3d>
+      <a:camera prst="orthographicFront"/>
+      <a:lightRig rig="threePt" dir="t"/>
+    </dgm:scene3d>
+    <dgm:sp3d/>
+    <dgm:txPr/>
+    <dgm:style>
+      <a:lnRef idx="1">
+        <a:scrgbClr r="0" g="0" b="0"/>
+      </a:lnRef>
+      <a:fillRef idx="1">
+        <a:scrgbClr r="0" g="0" b="0"/>
+      </a:fillRef>
+      <a:effectRef idx="0">
+        <a:scrgbClr r="0" g="0" b="0"/>
+      </a:effectRef>
+      <a:fontRef idx="minor"/>
+    </dgm:style>
+  </dgm:styleLbl>
+  <dgm:styleLbl name="trAlignAcc1">
+    <dgm:scene3d>
+      <a:camera prst="orthographicFront"/>
+      <a:lightRig rig="threePt" dir="t"/>
+    </dgm:scene3d>
+    <dgm:sp3d/>
+    <dgm:txPr/>
+    <dgm:style>
+      <a:lnRef idx="1">
+        <a:scrgbClr r="0" g="0" b="0"/>
+      </a:lnRef>
+      <a:fillRef idx="1">
+        <a:scrgbClr r="0" g="0" b="0"/>
+      </a:fillRef>
+      <a:effectRef idx="0">
+        <a:scrgbClr r="0" g="0" b="0"/>
+      </a:effectRef>
+      <a:fontRef idx="minor"/>
+    </dgm:style>
+  </dgm:styleLbl>
+  <dgm:styleLbl name="bgAcc1">
+    <dgm:scene3d>
+      <a:camera prst="orthographicFront"/>
+      <a:lightRig rig="threePt" dir="t"/>
+    </dgm:scene3d>
+    <dgm:sp3d/>
+    <dgm:txPr/>
+    <dgm:style>
+      <a:lnRef idx="1">
+        <a:scrgbClr r="0" g="0" b="0"/>
+      </a:lnRef>
+      <a:fillRef idx="1">
+        <a:scrgbClr r="0" g="0" b="0"/>
+      </a:fillRef>
+      <a:effectRef idx="0">
+        <a:scrgbClr r="0" g="0" b="0"/>
+      </a:effectRef>
+      <a:fontRef idx="minor"/>
+    </dgm:style>
+  </dgm:styleLbl>
+  <dgm:styleLbl name="solidFgAcc1">
+    <dgm:scene3d>
+      <a:camera prst="orthographicFront"/>
+      <a:lightRig rig="threePt" dir="t"/>
+    </dgm:scene3d>
+    <dgm:sp3d/>
+    <dgm:txPr/>
+    <dgm:style>
+      <a:lnRef idx="1">
+        <a:scrgbClr r="0" g="0" b="0"/>
+      </a:lnRef>
+      <a:fillRef idx="1">
+        <a:scrgbClr r="0" g="0" b="0"/>
+      </a:fillRef>
+      <a:effectRef idx="0">
+        <a:scrgbClr r="0" g="0" b="0"/>
+      </a:effectRef>
+      <a:fontRef idx="minor"/>
+    </dgm:style>
+  </dgm:styleLbl>
+  <dgm:styleLbl name="solidAlignAcc1">
+    <dgm:scene3d>
+      <a:camera prst="orthographicFront"/>
+      <a:lightRig rig="threePt" dir="t"/>
+    </dgm:scene3d>
+    <dgm:sp3d/>
+    <dgm:txPr/>
+    <dgm:style>
+      <a:lnRef idx="1">
+        <a:scrgbClr r="0" g="0" b="0"/>
+      </a:lnRef>
+      <a:fillRef idx="1">
+        <a:scrgbClr r="0" g="0" b="0"/>
+      </a:fillRef>
+      <a:effectRef idx="0">
+        <a:scrgbClr r="0" g="0" b="0"/>
+      </a:effectRef>
+      <a:fontRef idx="minor"/>
+    </dgm:style>
+  </dgm:styleLbl>
+  <dgm:styleLbl name="solidBgAcc1">
+    <dgm:scene3d>
+      <a:camera prst="orthographicFront"/>
+      <a:lightRig rig="threePt" dir="t"/>
+    </dgm:scene3d>
+    <dgm:sp3d/>
+    <dgm:txPr/>
+    <dgm:style>
+      <a:lnRef idx="1">
+        <a:scrgbClr r="0" g="0" b="0"/>
+      </a:lnRef>
+      <a:fillRef idx="1">
+        <a:scrgbClr r="0" g="0" b="0"/>
+      </a:fillRef>
+      <a:effectRef idx="0">
+        <a:scrgbClr r="0" g="0" b="0"/>
+      </a:effectRef>
+      <a:fontRef idx="minor"/>
+    </dgm:style>
+  </dgm:styleLbl>
+  <dgm:styleLbl name="fgAccFollowNode1">
+    <dgm:scene3d>
+      <a:camera prst="orthographicFront"/>
+      <a:lightRig rig="threePt" dir="t"/>
+    </dgm:scene3d>
+    <dgm:sp3d/>
+    <dgm:txPr/>
+    <dgm:style>
+      <a:lnRef idx="1">
+        <a:scrgbClr r="0" g="0" b="0"/>
+      </a:lnRef>
+      <a:fillRef idx="1">
+        <a:scrgbClr r="0" g="0" b="0"/>
+      </a:fillRef>
+      <a:effectRef idx="0">
+        <a:scrgbClr r="0" g="0" b="0"/>
+      </a:effectRef>
+      <a:fontRef idx="minor"/>
+    </dgm:style>
+  </dgm:styleLbl>
+  <dgm:styleLbl name="alignAccFollowNode1">
+    <dgm:scene3d>
+      <a:camera prst="orthographicFront"/>
+      <a:lightRig rig="threePt" dir="t"/>
+    </dgm:scene3d>
+    <dgm:sp3d/>
+    <dgm:txPr/>
+    <dgm:style>
+      <a:lnRef idx="1">
+        <a:scrgbClr r="0" g="0" b="0"/>
+      </a:lnRef>
+      <a:fillRef idx="1">
+        <a:scrgbClr r="0" g="0" b="0"/>
+      </a:fillRef>
+      <a:effectRef idx="0">
+        <a:scrgbClr r="0" g="0" b="0"/>
+      </a:effectRef>
+      <a:fontRef idx="minor"/>
+    </dgm:style>
+  </dgm:styleLbl>
+  <dgm:styleLbl name="bgAccFollowNode1">
+    <dgm:scene3d>
+      <a:camera prst="orthographicFront"/>
+      <a:lightRig rig="threePt" dir="t"/>
+    </dgm:scene3d>
+    <dgm:sp3d/>
+    <dgm:txPr/>
+    <dgm:style>
+      <a:lnRef idx="1">
+        <a:scrgbClr r="0" g="0" b="0"/>
+      </a:lnRef>
+      <a:fillRef idx="1">
+        <a:scrgbClr r="0" g="0" b="0"/>
+      </a:fillRef>
+      <a:effectRef idx="0">
+        <a:scrgbClr r="0" g="0" b="0"/>
+      </a:effectRef>
+      <a:fontRef idx="minor"/>
+    </dgm:style>
+  </dgm:styleLbl>
+  <dgm:styleLbl name="fgAcc0">
+    <dgm:scene3d>
+      <a:camera prst="orthographicFront"/>
+      <a:lightRig rig="threePt" dir="t"/>
+    </dgm:scene3d>
+    <dgm:sp3d/>
+    <dgm:txPr/>
+    <dgm:style>
+      <a:lnRef idx="1">
+        <a:scrgbClr r="0" g="0" b="0"/>
+      </a:lnRef>
+      <a:fillRef idx="1">
+        <a:scrgbClr r="0" g="0" b="0"/>
+      </a:fillRef>
+      <a:effectRef idx="0">
+        <a:scrgbClr r="0" g="0" b="0"/>
+      </a:effectRef>
+      <a:fontRef idx="minor"/>
+    </dgm:style>
+  </dgm:styleLbl>
+  <dgm:styleLbl name="fgAcc2">
+    <dgm:scene3d>
+      <a:camera prst="orthographicFront"/>
+      <a:lightRig rig="threePt" dir="t"/>
+    </dgm:scene3d>
+    <dgm:sp3d/>
+    <dgm:txPr/>
+    <dgm:style>
+      <a:lnRef idx="1">
+        <a:scrgbClr r="0" g="0" b="0"/>
+      </a:lnRef>
+      <a:fillRef idx="1">
+        <a:scrgbClr r="0" g="0" b="0"/>
+      </a:fillRef>
+      <a:effectRef idx="0">
+        <a:scrgbClr r="0" g="0" b="0"/>
+      </a:effectRef>
+      <a:fontRef idx="minor"/>
+    </dgm:style>
+  </dgm:styleLbl>
+  <dgm:styleLbl name="fgAcc3">
+    <dgm:scene3d>
+      <a:camera prst="orthographicFront"/>
+      <a:lightRig rig="threePt" dir="t"/>
+    </dgm:scene3d>
+    <dgm:sp3d/>
+    <dgm:txPr/>
+    <dgm:style>
+      <a:lnRef idx="1">
+        <a:scrgbClr r="0" g="0" b="0"/>
+      </a:lnRef>
+      <a:fillRef idx="1">
+        <a:scrgbClr r="0" g="0" b="0"/>
+      </a:fillRef>
+      <a:effectRef idx="0">
+        <a:scrgbClr r="0" g="0" b="0"/>
+      </a:effectRef>
+      <a:fontRef idx="minor"/>
+    </dgm:style>
+  </dgm:styleLbl>
+  <dgm:styleLbl name="fgAcc4">
+    <dgm:scene3d>
+      <a:camera prst="orthographicFront"/>
+      <a:lightRig rig="threePt" dir="t"/>
+    </dgm:scene3d>
+    <dgm:sp3d/>
+    <dgm:txPr/>
+    <dgm:style>
+      <a:lnRef idx="1">
+        <a:scrgbClr r="0" g="0" b="0"/>
+      </a:lnRef>
+      <a:fillRef idx="1">
+        <a:scrgbClr r="0" g="0" b="0"/>
+      </a:fillRef>
+      <a:effectRef idx="0">
+        <a:scrgbClr r="0" g="0" b="0"/>
+      </a:effectRef>
+      <a:fontRef idx="minor"/>
+    </dgm:style>
+  </dgm:styleLbl>
+  <dgm:styleLbl name="bgShp">
+    <dgm:scene3d>
+      <a:camera prst="orthographicFront"/>
+      <a:lightRig rig="threePt" dir="t"/>
+    </dgm:scene3d>
+    <dgm:sp3d/>
+    <dgm:txPr/>
+    <dgm:style>
+      <a:lnRef idx="0">
+        <a:scrgbClr r="0" g="0" b="0"/>
+      </a:lnRef>
+      <a:fillRef idx="1">
+        <a:scrgbClr r="0" g="0" b="0"/>
+      </a:fillRef>
+      <a:effectRef idx="2">
+        <a:scrgbClr r="0" g="0" b="0"/>
+      </a:effectRef>
+      <a:fontRef idx="minor"/>
+    </dgm:style>
+  </dgm:styleLbl>
+  <dgm:styleLbl name="dkBgShp">
+    <dgm:scene3d>
+      <a:camera prst="orthographicFront"/>
+      <a:lightRig rig="threePt" dir="t"/>
+    </dgm:scene3d>
+    <dgm:sp3d/>
+    <dgm:txPr/>
+    <dgm:style>
+      <a:lnRef idx="0">
+        <a:scrgbClr r="0" g="0" b="0"/>
+      </a:lnRef>
+      <a:fillRef idx="1">
+        <a:scrgbClr r="0" g="0" b="0"/>
+      </a:fillRef>
+      <a:effectRef idx="2">
+        <a:scrgbClr r="0" g="0" b="0"/>
+      </a:effectRef>
+      <a:fontRef idx="minor"/>
+    </dgm:style>
+  </dgm:styleLbl>
+  <dgm:styleLbl name="trBgShp">
+    <dgm:scene3d>
+      <a:camera prst="orthographicFront"/>
+      <a:lightRig rig="threePt" dir="t"/>
+    </dgm:scene3d>
+    <dgm:sp3d/>
+    <dgm:txPr/>
+    <dgm:style>
+      <a:lnRef idx="0">
+        <a:scrgbClr r="0" g="0" b="0"/>
+      </a:lnRef>
+      <a:fillRef idx="1">
+        <a:scrgbClr r="0" g="0" b="0"/>
+      </a:fillRef>
+      <a:effectRef idx="0">
+        <a:scrgbClr r="0" g="0" b="0"/>
+      </a:effectRef>
+      <a:fontRef idx="minor"/>
+    </dgm:style>
+  </dgm:styleLbl>
+  <dgm:styleLbl name="fgShp">
+    <dgm:scene3d>
+      <a:camera prst="orthographicFront"/>
+      <a:lightRig rig="threePt" dir="t"/>
+    </dgm:scene3d>
+    <dgm:sp3d/>
+    <dgm:txPr/>
+    <dgm:style>
+      <a:lnRef idx="0">
+        <a:scrgbClr r="0" g="0" b="0"/>
+      </a:lnRef>
+      <a:fillRef idx="3">
+        <a:scrgbClr r="0" g="0" b="0"/>
+      </a:fillRef>
+      <a:effectRef idx="2">
+        <a:scrgbClr r="0" g="0" b="0"/>
+      </a:effectRef>
+      <a:fontRef idx="minor"/>
+    </dgm:style>
+  </dgm:styleLbl>
+  <dgm:styleLbl name="revTx">
+    <dgm:scene3d>
+      <a:camera prst="orthographicFront"/>
+      <a:lightRig rig="threePt" dir="t"/>
+    </dgm:scene3d>
+    <dgm:sp3d/>
+    <dgm:txPr/>
+    <dgm:style>
+      <a:lnRef idx="0">
+        <a:scrgbClr r="0" g="0" b="0"/>
+      </a:lnRef>
+      <a:fillRef idx="0">
+        <a:scrgbClr r="0" g="0" b="0"/>
+      </a:fillRef>
+      <a:effectRef idx="0">
+        <a:scrgbClr r="0" g="0" b="0"/>
+      </a:effectRef>
+      <a:fontRef idx="minor"/>
+    </dgm:style>
+  </dgm:styleLbl>
+</dgm:styleDef>
+</file>
+
+<file path=ppt/diagrams/quickStyle2.xml><?xml version="1.0" encoding="utf-8"?>
+<dgm:styleDef xmlns:dgm="http://schemas.openxmlformats.org/drawingml/2006/diagram" xmlns:a="http://schemas.openxmlformats.org/drawingml/2006/main" uniqueId="urn:microsoft.com/office/officeart/2005/8/quickstyle/simple1">
+  <dgm:title val=""/>
+  <dgm:desc val=""/>
+  <dgm:catLst>
+    <dgm:cat type="simple" pri="10100"/>
+  </dgm:catLst>
+  <dgm:scene3d>
+    <a:camera prst="orthographicFront"/>
+    <a:lightRig rig="threePt" dir="t"/>
+  </dgm:scene3d>
+  <dgm:styleLbl name="node0">
+    <dgm:scene3d>
+      <a:camera prst="orthographicFront"/>
+      <a:lightRig rig="threePt" dir="t"/>
+    </dgm:scene3d>
+    <dgm:sp3d/>
+    <dgm:txPr/>
+    <dgm:style>
+      <a:lnRef idx="2">
+        <a:scrgbClr r="0" g="0" b="0"/>
+      </a:lnRef>
+      <a:fillRef idx="1">
+        <a:scrgbClr r="0" g="0" b="0"/>
+      </a:fillRef>
+      <a:effectRef idx="0">
+        <a:scrgbClr r="0" g="0" b="0"/>
+      </a:effectRef>
+      <a:fontRef idx="minor">
+        <a:schemeClr val="lt1"/>
+      </a:fontRef>
+    </dgm:style>
+  </dgm:styleLbl>
+  <dgm:styleLbl name="lnNode1">
+    <dgm:scene3d>
+      <a:camera prst="orthographicFront"/>
+      <a:lightRig rig="threePt" dir="t"/>
+    </dgm:scene3d>
+    <dgm:sp3d/>
+    <dgm:txPr/>
+    <dgm:style>
+      <a:lnRef idx="2">
+        <a:scrgbClr r="0" g="0" b="0"/>
+      </a:lnRef>
+      <a:fillRef idx="1">
+        <a:scrgbClr r="0" g="0" b="0"/>
+      </a:fillRef>
+      <a:effectRef idx="0">
+        <a:scrgbClr r="0" g="0" b="0"/>
+      </a:effectRef>
+      <a:fontRef idx="minor">
+        <a:schemeClr val="lt1"/>
+      </a:fontRef>
+    </dgm:style>
+  </dgm:styleLbl>
+  <dgm:styleLbl name="vennNode1">
+    <dgm:scene3d>
+      <a:camera prst="orthographicFront"/>
+      <a:lightRig rig="threePt" dir="t"/>
+    </dgm:scene3d>
+    <dgm:sp3d/>
+    <dgm:txPr/>
+    <dgm:style>
+      <a:lnRef idx="2">
+        <a:scrgbClr r="0" g="0" b="0"/>
+      </a:lnRef>
+      <a:fillRef idx="1">
+        <a:scrgbClr r="0" g="0" b="0"/>
+      </a:fillRef>
+      <a:effectRef idx="0">
+        <a:scrgbClr r="0" g="0" b="0"/>
+      </a:effectRef>
+      <a:fontRef idx="minor">
+        <a:schemeClr val="tx1"/>
+      </a:fontRef>
+    </dgm:style>
+  </dgm:styleLbl>
+  <dgm:styleLbl name="alignNode1">
+    <dgm:scene3d>
+      <a:camera prst="orthographicFront"/>
+      <a:lightRig rig="threePt" dir="t"/>
+    </dgm:scene3d>
+    <dgm:sp3d/>
+    <dgm:txPr/>
+    <dgm:style>
+      <a:lnRef idx="2">
+        <a:scrgbClr r="0" g="0" b="0"/>
+      </a:lnRef>
+      <a:fillRef idx="1">
+        <a:scrgbClr r="0" g="0" b="0"/>
+      </a:fillRef>
+      <a:effectRef idx="0">
+        <a:scrgbClr r="0" g="0" b="0"/>
+      </a:effectRef>
+      <a:fontRef idx="minor">
+        <a:schemeClr val="lt1"/>
+      </a:fontRef>
+    </dgm:style>
+  </dgm:styleLbl>
+  <dgm:styleLbl name="node1">
+    <dgm:scene3d>
+      <a:camera prst="orthographicFront"/>
+      <a:lightRig rig="threePt" dir="t"/>
+    </dgm:scene3d>
+    <dgm:sp3d/>
+    <dgm:txPr/>
+    <dgm:style>
+      <a:lnRef idx="2">
+        <a:scrgbClr r="0" g="0" b="0"/>
+      </a:lnRef>
+      <a:fillRef idx="1">
+        <a:scrgbClr r="0" g="0" b="0"/>
+      </a:fillRef>
+      <a:effectRef idx="0">
+        <a:scrgbClr r="0" g="0" b="0"/>
+      </a:effectRef>
+      <a:fontRef idx="minor">
+        <a:schemeClr val="lt1"/>
+      </a:fontRef>
+    </dgm:style>
+  </dgm:styleLbl>
+  <dgm:styleLbl name="node2">
+    <dgm:scene3d>
+      <a:camera prst="orthographicFront"/>
+      <a:lightRig rig="threePt" dir="t"/>
+    </dgm:scene3d>
+    <dgm:sp3d/>
+    <dgm:txPr/>
+    <dgm:style>
+      <a:lnRef idx="2">
+        <a:scrgbClr r="0" g="0" b="0"/>
+      </a:lnRef>
+      <a:fillRef idx="1">
+        <a:scrgbClr r="0" g="0" b="0"/>
+      </a:fillRef>
+      <a:effectRef idx="0">
+        <a:scrgbClr r="0" g="0" b="0"/>
+      </a:effectRef>
+      <a:fontRef idx="minor">
+        <a:schemeClr val="lt1"/>
+      </a:fontRef>
+    </dgm:style>
+  </dgm:styleLbl>
+  <dgm:styleLbl name="node3">
+    <dgm:scene3d>
+      <a:camera prst="orthographicFront"/>
+      <a:lightRig rig="threePt" dir="t"/>
+    </dgm:scene3d>
+    <dgm:sp3d/>
+    <dgm:txPr/>
+    <dgm:style>
+      <a:lnRef idx="2">
+        <a:scrgbClr r="0" g="0" b="0"/>
+      </a:lnRef>
+      <a:fillRef idx="1">
+        <a:scrgbClr r="0" g="0" b="0"/>
+      </a:fillRef>
+      <a:effectRef idx="0">
+        <a:scrgbClr r="0" g="0" b="0"/>
+      </a:effectRef>
+      <a:fontRef idx="minor">
+        <a:schemeClr val="lt1"/>
+      </a:fontRef>
+    </dgm:style>
+  </dgm:styleLbl>
+  <dgm:styleLbl name="node4">
+    <dgm:scene3d>
+      <a:camera prst="orthographicFront"/>
+      <a:lightRig rig="threePt" dir="t"/>
+    </dgm:scene3d>
+    <dgm:sp3d/>
+    <dgm:txPr/>
+    <dgm:style>
+      <a:lnRef idx="2">
+        <a:scrgbClr r="0" g="0" b="0"/>
+      </a:lnRef>
+      <a:fillRef idx="1">
+        <a:scrgbClr r="0" g="0" b="0"/>
+      </a:fillRef>
+      <a:effectRef idx="0">
+        <a:scrgbClr r="0" g="0" b="0"/>
+      </a:effectRef>
+      <a:fontRef idx="minor">
+        <a:schemeClr val="lt1"/>
+      </a:fontRef>
+    </dgm:style>
+  </dgm:styleLbl>
+  <dgm:styleLbl name="fgImgPlace1">
+    <dgm:scene3d>
+      <a:camera prst="orthographicFront"/>
+      <a:lightRig rig="threePt" dir="t"/>
+    </dgm:scene3d>
+    <dgm:sp3d/>
+    <dgm:txPr/>
+    <dgm:style>
+      <a:lnRef idx="2">
+        <a:scrgbClr r="0" g="0" b="0"/>
+      </a:lnRef>
+      <a:fillRef idx="1">
+        <a:scrgbClr r="0" g="0" b="0"/>
+      </a:fillRef>
+      <a:effectRef idx="0">
+        <a:scrgbClr r="0" g="0" b="0"/>
+      </a:effectRef>
+      <a:fontRef idx="minor"/>
+    </dgm:style>
+  </dgm:styleLbl>
+  <dgm:styleLbl name="alignImgPlace1">
+    <dgm:scene3d>
+      <a:camera prst="orthographicFront"/>
+      <a:lightRig rig="threePt" dir="t"/>
+    </dgm:scene3d>
+    <dgm:sp3d/>
+    <dgm:txPr/>
+    <dgm:style>
+      <a:lnRef idx="2">
+        <a:scrgbClr r="0" g="0" b="0"/>
+      </a:lnRef>
+      <a:fillRef idx="1">
+        <a:scrgbClr r="0" g="0" b="0"/>
+      </a:fillRef>
+      <a:effectRef idx="0">
+        <a:scrgbClr r="0" g="0" b="0"/>
+      </a:effectRef>
+      <a:fontRef idx="minor"/>
+    </dgm:style>
+  </dgm:styleLbl>
+  <dgm:styleLbl name="bgImgPlace1">
+    <dgm:scene3d>
+      <a:camera prst="orthographicFront"/>
+      <a:lightRig rig="threePt" dir="t"/>
+    </dgm:scene3d>
+    <dgm:sp3d/>
+    <dgm:txPr/>
+    <dgm:style>
+      <a:lnRef idx="2">
+        <a:scrgbClr r="0" g="0" b="0"/>
+      </a:lnRef>
+      <a:fillRef idx="1">
+        <a:scrgbClr r="0" g="0" b="0"/>
+      </a:fillRef>
+      <a:effectRef idx="0">
+        <a:scrgbClr r="0" g="0" b="0"/>
+      </a:effectRef>
+      <a:fontRef idx="minor"/>
+    </dgm:style>
+  </dgm:styleLbl>
+  <dgm:styleLbl name="sibTrans2D1">
+    <dgm:scene3d>
+      <a:camera prst="orthographicFront"/>
+      <a:lightRig rig="threePt" dir="t"/>
+    </dgm:scene3d>
+    <dgm:sp3d/>
+    <dgm:txPr/>
+    <dgm:style>
+      <a:lnRef idx="0">
+        <a:scrgbClr r="0" g="0" b="0"/>
+      </a:lnRef>
+      <a:fillRef idx="1">
+        <a:scrgbClr r="0" g="0" b="0"/>
+      </a:fillRef>
+      <a:effectRef idx="0">
+        <a:scrgbClr r="0" g="0" b="0"/>
+      </a:effectRef>
+      <a:fontRef idx="minor">
+        <a:schemeClr val="lt1"/>
+      </a:fontRef>
+    </dgm:style>
+  </dgm:styleLbl>
+  <dgm:styleLbl name="fgSibTrans2D1">
+    <dgm:scene3d>
+      <a:camera prst="orthographicFront"/>
+      <a:lightRig rig="threePt" dir="t"/>
+    </dgm:scene3d>
+    <dgm:sp3d/>
+    <dgm:txPr/>
+    <dgm:style>
+      <a:lnRef idx="0">
+        <a:scrgbClr r="0" g="0" b="0"/>
+      </a:lnRef>
+      <a:fillRef idx="1">
+        <a:scrgbClr r="0" g="0" b="0"/>
+      </a:fillRef>
+      <a:effectRef idx="0">
+        <a:scrgbClr r="0" g="0" b="0"/>
+      </a:effectRef>
+      <a:fontRef idx="minor">
+        <a:schemeClr val="lt1"/>
+      </a:fontRef>
+    </dgm:style>
+  </dgm:styleLbl>
+  <dgm:styleLbl name="bgSibTrans2D1">
+    <dgm:scene3d>
+      <a:camera prst="orthographicFront"/>
+      <a:lightRig rig="threePt" dir="t"/>
+    </dgm:scene3d>
+    <dgm:sp3d/>
+    <dgm:txPr/>
+    <dgm:style>
+      <a:lnRef idx="0">
+        <a:scrgbClr r="0" g="0" b="0"/>
+      </a:lnRef>
+      <a:fillRef idx="1">
+        <a:scrgbClr r="0" g="0" b="0"/>
+      </a:fillRef>
+      <a:effectRef idx="0">
+        <a:scrgbClr r="0" g="0" b="0"/>
+      </a:effectRef>
+      <a:fontRef idx="minor">
+        <a:schemeClr val="lt1"/>
+      </a:fontRef>
+    </dgm:style>
+  </dgm:styleLbl>
+  <dgm:styleLbl name="sibTrans1D1">
+    <dgm:scene3d>
+      <a:camera prst="orthographicFront"/>
+      <a:lightRig rig="threePt" dir="t"/>
+    </dgm:scene3d>
+    <dgm:sp3d/>
+    <dgm:txPr/>
+    <dgm:style>
+      <a:lnRef idx="1">
+        <a:scrgbClr r="0" g="0" b="0"/>
+      </a:lnRef>
+      <a:fillRef idx="0">
+        <a:scrgbClr r="0" g="0" b="0"/>
+      </a:fillRef>
+      <a:effectRef idx="0">
+        <a:scrgbClr r="0" g="0" b="0"/>
+      </a:effectRef>
+      <a:fontRef idx="minor"/>
+    </dgm:style>
+  </dgm:styleLbl>
+  <dgm:styleLbl name="callout">
+    <dgm:scene3d>
+      <a:camera prst="orthographicFront"/>
+      <a:lightRig rig="threePt" dir="t"/>
+    </dgm:scene3d>
+    <dgm:sp3d/>
+    <dgm:txPr/>
+    <dgm:style>
+      <a:lnRef idx="2">
+        <a:scrgbClr r="0" g="0" b="0"/>
+      </a:lnRef>
+      <a:fillRef idx="1">
+        <a:scrgbClr r="0" g="0" b="0"/>
+      </a:fillRef>
+      <a:effectRef idx="0">
+        <a:scrgbClr r="0" g="0" b="0"/>
+      </a:effectRef>
+      <a:fontRef idx="minor"/>
+    </dgm:style>
+  </dgm:styleLbl>
+  <dgm:styleLbl name="asst0">
+    <dgm:scene3d>
+      <a:camera prst="orthographicFront"/>
+      <a:lightRig rig="threePt" dir="t"/>
+    </dgm:scene3d>
+    <dgm:sp3d/>
+    <dgm:txPr/>
+    <dgm:style>
+      <a:lnRef idx="2">
+        <a:scrgbClr r="0" g="0" b="0"/>
+      </a:lnRef>
+      <a:fillRef idx="1">
+        <a:scrgbClr r="0" g="0" b="0"/>
+      </a:fillRef>
+      <a:effectRef idx="0">
+        <a:scrgbClr r="0" g="0" b="0"/>
+      </a:effectRef>
+      <a:fontRef idx="minor">
+        <a:schemeClr val="lt1"/>
+      </a:fontRef>
+    </dgm:style>
+  </dgm:styleLbl>
+  <dgm:styleLbl name="asst1">
+    <dgm:scene3d>
+      <a:camera prst="orthographicFront"/>
+      <a:lightRig rig="threePt" dir="t"/>
+    </dgm:scene3d>
+    <dgm:sp3d/>
+    <dgm:txPr/>
+    <dgm:style>
+      <a:lnRef idx="2">
+        <a:scrgbClr r="0" g="0" b="0"/>
+      </a:lnRef>
+      <a:fillRef idx="1">
+        <a:scrgbClr r="0" g="0" b="0"/>
+      </a:fillRef>
+      <a:effectRef idx="0">
+        <a:scrgbClr r="0" g="0" b="0"/>
+      </a:effectRef>
+      <a:fontRef idx="minor">
+        <a:schemeClr val="lt1"/>
+      </a:fontRef>
+    </dgm:style>
+  </dgm:styleLbl>
+  <dgm:styleLbl name="asst2">
+    <dgm:scene3d>
+      <a:camera prst="orthographicFront"/>
+      <a:lightRig rig="threePt" dir="t"/>
+    </dgm:scene3d>
+    <dgm:sp3d/>
+    <dgm:txPr/>
+    <dgm:style>
+      <a:lnRef idx="2">
+        <a:scrgbClr r="0" g="0" b="0"/>
+      </a:lnRef>
+      <a:fillRef idx="1">
+        <a:scrgbClr r="0" g="0" b="0"/>
+      </a:fillRef>
+      <a:effectRef idx="0">
+        <a:scrgbClr r="0" g="0" b="0"/>
+      </a:effectRef>
+      <a:fontRef idx="minor">
+        <a:schemeClr val="lt1"/>
+      </a:fontRef>
+    </dgm:style>
+  </dgm:styleLbl>
+  <dgm:styleLbl name="asst3">
+    <dgm:scene3d>
+      <a:camera prst="orthographicFront"/>
+      <a:lightRig rig="threePt" dir="t"/>
+    </dgm:scene3d>
+    <dgm:sp3d/>
+    <dgm:txPr/>
+    <dgm:style>
+      <a:lnRef idx="2">
+        <a:scrgbClr r="0" g="0" b="0"/>
+      </a:lnRef>
+      <a:fillRef idx="1">
+        <a:scrgbClr r="0" g="0" b="0"/>
+      </a:fillRef>
+      <a:effectRef idx="0">
+        <a:scrgbClr r="0" g="0" b="0"/>
+      </a:effectRef>
+      <a:fontRef idx="minor">
+        <a:schemeClr val="lt1"/>
+      </a:fontRef>
+    </dgm:style>
+  </dgm:styleLbl>
+  <dgm:styleLbl name="asst4">
+    <dgm:scene3d>
+      <a:camera prst="orthographicFront"/>
+      <a:lightRig rig="threePt" dir="t"/>
+    </dgm:scene3d>
+    <dgm:sp3d/>
+    <dgm:txPr/>
+    <dgm:style>
+      <a:lnRef idx="2">
+        <a:scrgbClr r="0" g="0" b="0"/>
+      </a:lnRef>
+      <a:fillRef idx="1">
+        <a:scrgbClr r="0" g="0" b="0"/>
+      </a:fillRef>
+      <a:effectRef idx="0">
+        <a:scrgbClr r="0" g="0" b="0"/>
+      </a:effectRef>
+      <a:fontRef idx="minor">
+        <a:schemeClr val="lt1"/>
+      </a:fontRef>
+    </dgm:style>
+  </dgm:styleLbl>
+  <dgm:styleLbl name="parChTrans2D1">
+    <dgm:scene3d>
+      <a:camera prst="orthographicFront"/>
+      <a:lightRig rig="threePt" dir="t"/>
+    </dgm:scene3d>
+    <dgm:sp3d/>
+    <dgm:txPr/>
+    <dgm:style>
+      <a:lnRef idx="2">
+        <a:scrgbClr r="0" g="0" b="0"/>
+      </a:lnRef>
+      <a:fillRef idx="1">
+        <a:scrgbClr r="0" g="0" b="0"/>
+      </a:fillRef>
+      <a:effectRef idx="0">
+        <a:scrgbClr r="0" g="0" b="0"/>
+      </a:effectRef>
+      <a:fontRef idx="minor">
+        <a:schemeClr val="lt1"/>
+      </a:fontRef>
+    </dgm:style>
+  </dgm:styleLbl>
+  <dgm:styleLbl name="parChTrans2D2">
+    <dgm:scene3d>
+      <a:camera prst="orthographicFront"/>
+      <a:lightRig rig="threePt" dir="t"/>
+    </dgm:scene3d>
+    <dgm:sp3d/>
+    <dgm:txPr/>
+    <dgm:style>
+      <a:lnRef idx="2">
+        <a:scrgbClr r="0" g="0" b="0"/>
+      </a:lnRef>
+      <a:fillRef idx="1">
+        <a:scrgbClr r="0" g="0" b="0"/>
+      </a:fillRef>
+      <a:effectRef idx="0">
+        <a:scrgbClr r="0" g="0" b="0"/>
+      </a:effectRef>
+      <a:fontRef idx="minor">
+        <a:schemeClr val="lt1"/>
+      </a:fontRef>
+    </dgm:style>
+  </dgm:styleLbl>
+  <dgm:styleLbl name="parChTrans2D3">
+    <dgm:scene3d>
+      <a:camera prst="orthographicFront"/>
+      <a:lightRig rig="threePt" dir="t"/>
+    </dgm:scene3d>
+    <dgm:sp3d/>
+    <dgm:txPr/>
+    <dgm:style>
+      <a:lnRef idx="2">
+        <a:scrgbClr r="0" g="0" b="0"/>
+      </a:lnRef>
+      <a:fillRef idx="1">
+        <a:scrgbClr r="0" g="0" b="0"/>
+      </a:fillRef>
+      <a:effectRef idx="0">
+        <a:scrgbClr r="0" g="0" b="0"/>
+      </a:effectRef>
+      <a:fontRef idx="minor">
+        <a:schemeClr val="lt1"/>
+      </a:fontRef>
+    </dgm:style>
+  </dgm:styleLbl>
+  <dgm:styleLbl name="parChTrans2D4">
+    <dgm:scene3d>
+      <a:camera prst="orthographicFront"/>
+      <a:lightRig rig="threePt" dir="t"/>
+    </dgm:scene3d>
+    <dgm:sp3d/>
+    <dgm:txPr/>
+    <dgm:style>
+      <a:lnRef idx="2">
+        <a:scrgbClr r="0" g="0" b="0"/>
+      </a:lnRef>
+      <a:fillRef idx="1">
+        <a:scrgbClr r="0" g="0" b="0"/>
+      </a:fillRef>
+      <a:effectRef idx="0">
+        <a:scrgbClr r="0" g="0" b="0"/>
+      </a:effectRef>
+      <a:fontRef idx="minor">
+        <a:schemeClr val="lt1"/>
+      </a:fontRef>
+    </dgm:style>
+  </dgm:styleLbl>
+  <dgm:styleLbl name="parChTrans1D1">
+    <dgm:scene3d>
+      <a:camera prst="orthographicFront"/>
+      <a:lightRig rig="threePt" dir="t"/>
+    </dgm:scene3d>
+    <dgm:sp3d/>
+    <dgm:txPr/>
+    <dgm:style>
+      <a:lnRef idx="2">
+        <a:scrgbClr r="0" g="0" b="0"/>
+      </a:lnRef>
+      <a:fillRef idx="0">
+        <a:scrgbClr r="0" g="0" b="0"/>
+      </a:fillRef>
+      <a:effectRef idx="0">
+        <a:scrgbClr r="0" g="0" b="0"/>
+      </a:effectRef>
+      <a:fontRef idx="minor"/>
+    </dgm:style>
+  </dgm:styleLbl>
+  <dgm:styleLbl name="parChTrans1D2">
+    <dgm:scene3d>
+      <a:camera prst="orthographicFront"/>
+      <a:lightRig rig="threePt" dir="t"/>
+    </dgm:scene3d>
+    <dgm:sp3d/>
+    <dgm:txPr/>
+    <dgm:style>
+      <a:lnRef idx="2">
+        <a:scrgbClr r="0" g="0" b="0"/>
+      </a:lnRef>
+      <a:fillRef idx="0">
+        <a:scrgbClr r="0" g="0" b="0"/>
+      </a:fillRef>
+      <a:effectRef idx="0">
+        <a:scrgbClr r="0" g="0" b="0"/>
+      </a:effectRef>
+      <a:fontRef idx="minor"/>
+    </dgm:style>
+  </dgm:styleLbl>
+  <dgm:styleLbl name="parChTrans1D3">
+    <dgm:scene3d>
+      <a:camera prst="orthographicFront"/>
+      <a:lightRig rig="threePt" dir="t"/>
+    </dgm:scene3d>
+    <dgm:sp3d/>
+    <dgm:txPr/>
+    <dgm:style>
+      <a:lnRef idx="2">
+        <a:scrgbClr r="0" g="0" b="0"/>
+      </a:lnRef>
+      <a:fillRef idx="0">
+        <a:scrgbClr r="0" g="0" b="0"/>
+      </a:fillRef>
+      <a:effectRef idx="0">
+        <a:scrgbClr r="0" g="0" b="0"/>
+      </a:effectRef>
+      <a:fontRef idx="minor"/>
+    </dgm:style>
+  </dgm:styleLbl>
+  <dgm:styleLbl name="parChTrans1D4">
+    <dgm:scene3d>
+      <a:camera prst="orthographicFront"/>
+      <a:lightRig rig="threePt" dir="t"/>
+    </dgm:scene3d>
+    <dgm:sp3d/>
+    <dgm:txPr/>
+    <dgm:style>
+      <a:lnRef idx="2">
+        <a:scrgbClr r="0" g="0" b="0"/>
+      </a:lnRef>
+      <a:fillRef idx="0">
+        <a:scrgbClr r="0" g="0" b="0"/>
+      </a:fillRef>
+      <a:effectRef idx="0">
+        <a:scrgbClr r="0" g="0" b="0"/>
+      </a:effectRef>
+      <a:fontRef idx="minor"/>
+    </dgm:style>
+  </dgm:styleLbl>
+  <dgm:styleLbl name="fgAcc1">
+    <dgm:scene3d>
+      <a:camera prst="orthographicFront"/>
+      <a:lightRig rig="threePt" dir="t"/>
+    </dgm:scene3d>
+    <dgm:sp3d/>
+    <dgm:txPr/>
+    <dgm:style>
+      <a:lnRef idx="2">
+        <a:scrgbClr r="0" g="0" b="0"/>
+      </a:lnRef>
+      <a:fillRef idx="1">
+        <a:scrgbClr r="0" g="0" b="0"/>
+      </a:fillRef>
+      <a:effectRef idx="0">
+        <a:scrgbClr r="0" g="0" b="0"/>
+      </a:effectRef>
+      <a:fontRef idx="minor"/>
+    </dgm:style>
+  </dgm:styleLbl>
+  <dgm:styleLbl name="conFgAcc1">
+    <dgm:scene3d>
+      <a:camera prst="orthographicFront"/>
+      <a:lightRig rig="threePt" dir="t"/>
+    </dgm:scene3d>
+    <dgm:sp3d/>
+    <dgm:txPr/>
+    <dgm:style>
+      <a:lnRef idx="2">
+        <a:scrgbClr r="0" g="0" b="0"/>
+      </a:lnRef>
+      <a:fillRef idx="1">
+        <a:scrgbClr r="0" g="0" b="0"/>
+      </a:fillRef>
+      <a:effectRef idx="0">
+        <a:scrgbClr r="0" g="0" b="0"/>
+      </a:effectRef>
+      <a:fontRef idx="minor"/>
+    </dgm:style>
+  </dgm:styleLbl>
+  <dgm:styleLbl name="alignAcc1">
+    <dgm:scene3d>
+      <a:camera prst="orthographicFront"/>
+      <a:lightRig rig="threePt" dir="t"/>
+    </dgm:scene3d>
+    <dgm:sp3d/>
+    <dgm:txPr/>
+    <dgm:style>
+      <a:lnRef idx="2">
+        <a:scrgbClr r="0" g="0" b="0"/>
+      </a:lnRef>
+      <a:fillRef idx="1">
+        <a:scrgbClr r="0" g="0" b="0"/>
+      </a:fillRef>
+      <a:effectRef idx="0">
+        <a:scrgbClr r="0" g="0" b="0"/>
+      </a:effectRef>
+      <a:fontRef idx="minor"/>
+    </dgm:style>
+  </dgm:styleLbl>
+  <dgm:styleLbl name="trAlignAcc1">
+    <dgm:scene3d>
+      <a:camera prst="orthographicFront"/>
+      <a:lightRig rig="threePt" dir="t"/>
+    </dgm:scene3d>
+    <dgm:sp3d/>
+    <dgm:txPr/>
+    <dgm:style>
+      <a:lnRef idx="1">
+        <a:scrgbClr r="0" g="0" b="0"/>
+      </a:lnRef>
+      <a:fillRef idx="1">
+        <a:scrgbClr r="0" g="0" b="0"/>
+      </a:fillRef>
+      <a:effectRef idx="0">
+        <a:scrgbClr r="0" g="0" b="0"/>
+      </a:effectRef>
+      <a:fontRef idx="minor"/>
+    </dgm:style>
+  </dgm:styleLbl>
+  <dgm:styleLbl name="bgAcc1">
+    <dgm:scene3d>
+      <a:camera prst="orthographicFront"/>
+      <a:lightRig rig="threePt" dir="t"/>
+    </dgm:scene3d>
+    <dgm:sp3d/>
+    <dgm:txPr/>
+    <dgm:style>
+      <a:lnRef idx="2">
+        <a:scrgbClr r="0" g="0" b="0"/>
+      </a:lnRef>
+      <a:fillRef idx="1">
+        <a:scrgbClr r="0" g="0" b="0"/>
+      </a:fillRef>
+      <a:effectRef idx="0">
+        <a:scrgbClr r="0" g="0" b="0"/>
+      </a:effectRef>
+      <a:fontRef idx="minor"/>
+    </dgm:style>
+  </dgm:styleLbl>
+  <dgm:styleLbl name="solidFgAcc1">
+    <dgm:scene3d>
+      <a:camera prst="orthographicFront"/>
+      <a:lightRig rig="threePt" dir="t"/>
+    </dgm:scene3d>
+    <dgm:sp3d/>
+    <dgm:txPr/>
+    <dgm:style>
+      <a:lnRef idx="2">
+        <a:scrgbClr r="0" g="0" b="0"/>
+      </a:lnRef>
+      <a:fillRef idx="1">
+        <a:scrgbClr r="0" g="0" b="0"/>
+      </a:fillRef>
+      <a:effectRef idx="0">
+        <a:scrgbClr r="0" g="0" b="0"/>
+      </a:effectRef>
+      <a:fontRef idx="minor"/>
+    </dgm:style>
+  </dgm:styleLbl>
+  <dgm:styleLbl name="solidAlignAcc1">
+    <dgm:scene3d>
+      <a:camera prst="orthographicFront"/>
+      <a:lightRig rig="threePt" dir="t"/>
+    </dgm:scene3d>
+    <dgm:sp3d/>
+    <dgm:txPr/>
+    <dgm:style>
+      <a:lnRef idx="2">
+        <a:scrgbClr r="0" g="0" b="0"/>
+      </a:lnRef>
+      <a:fillRef idx="1">
+        <a:scrgbClr r="0" g="0" b="0"/>
+      </a:fillRef>
+      <a:effectRef idx="0">
+        <a:scrgbClr r="0" g="0" b="0"/>
+      </a:effectRef>
+      <a:fontRef idx="minor"/>
+    </dgm:style>
+  </dgm:styleLbl>
+  <dgm:styleLbl name="solidBgAcc1">
+    <dgm:scene3d>
+      <a:camera prst="orthographicFront"/>
+      <a:lightRig rig="threePt" dir="t"/>
+    </dgm:scene3d>
+    <dgm:sp3d/>
+    <dgm:txPr/>
+    <dgm:style>
+      <a:lnRef idx="2">
+        <a:scrgbClr r="0" g="0" b="0"/>
+      </a:lnRef>
+      <a:fillRef idx="1">
+        <a:scrgbClr r="0" g="0" b="0"/>
+      </a:fillRef>
+      <a:effectRef idx="0">
+        <a:scrgbClr r="0" g="0" b="0"/>
+      </a:effectRef>
+      <a:fontRef idx="minor"/>
+    </dgm:style>
+  </dgm:styleLbl>
+  <dgm:styleLbl name="fgAccFollowNode1">
+    <dgm:scene3d>
+      <a:camera prst="orthographicFront"/>
+      <a:lightRig rig="threePt" dir="t"/>
+    </dgm:scene3d>
+    <dgm:sp3d/>
+    <dgm:txPr/>
+    <dgm:style>
+      <a:lnRef idx="2">
+        <a:scrgbClr r="0" g="0" b="0"/>
+      </a:lnRef>
+      <a:fillRef idx="1">
+        <a:scrgbClr r="0" g="0" b="0"/>
+      </a:fillRef>
+      <a:effectRef idx="0">
+        <a:scrgbClr r="0" g="0" b="0"/>
+      </a:effectRef>
+      <a:fontRef idx="minor"/>
+    </dgm:style>
+  </dgm:styleLbl>
+  <dgm:styleLbl name="alignAccFollowNode1">
+    <dgm:scene3d>
+      <a:camera prst="orthographicFront"/>
+      <a:lightRig rig="threePt" dir="t"/>
+    </dgm:scene3d>
+    <dgm:sp3d/>
+    <dgm:txPr/>
+    <dgm:style>
+      <a:lnRef idx="2">
+        <a:scrgbClr r="0" g="0" b="0"/>
+      </a:lnRef>
+      <a:fillRef idx="1">
+        <a:scrgbClr r="0" g="0" b="0"/>
+      </a:fillRef>
+      <a:effectRef idx="0">
+        <a:scrgbClr r="0" g="0" b="0"/>
+      </a:effectRef>
+      <a:fontRef idx="minor"/>
+    </dgm:style>
+  </dgm:styleLbl>
+  <dgm:styleLbl name="bgAccFollowNode1">
+    <dgm:scene3d>
+      <a:camera prst="orthographicFront"/>
+      <a:lightRig rig="threePt" dir="t"/>
+    </dgm:scene3d>
+    <dgm:sp3d/>
+    <dgm:txPr/>
+    <dgm:style>
+      <a:lnRef idx="2">
+        <a:scrgbClr r="0" g="0" b="0"/>
+      </a:lnRef>
+      <a:fillRef idx="1">
+        <a:scrgbClr r="0" g="0" b="0"/>
+      </a:fillRef>
+      <a:effectRef idx="0">
+        <a:scrgbClr r="0" g="0" b="0"/>
+      </a:effectRef>
+      <a:fontRef idx="minor"/>
+    </dgm:style>
+  </dgm:styleLbl>
+  <dgm:styleLbl name="fgAcc0">
+    <dgm:scene3d>
+      <a:camera prst="orthographicFront"/>
+      <a:lightRig rig="threePt" dir="t"/>
+    </dgm:scene3d>
+    <dgm:sp3d/>
+    <dgm:txPr/>
+    <dgm:style>
+      <a:lnRef idx="2">
+        <a:scrgbClr r="0" g="0" b="0"/>
+      </a:lnRef>
+      <a:fillRef idx="1">
+        <a:scrgbClr r="0" g="0" b="0"/>
+      </a:fillRef>
+      <a:effectRef idx="0">
+        <a:scrgbClr r="0" g="0" b="0"/>
+      </a:effectRef>
+      <a:fontRef idx="minor"/>
+    </dgm:style>
+  </dgm:styleLbl>
+  <dgm:styleLbl name="fgAcc2">
+    <dgm:scene3d>
+      <a:camera prst="orthographicFront"/>
+      <a:lightRig rig="threePt" dir="t"/>
+    </dgm:scene3d>
+    <dgm:sp3d/>
+    <dgm:txPr/>
+    <dgm:style>
+      <a:lnRef idx="2">
+        <a:scrgbClr r="0" g="0" b="0"/>
+      </a:lnRef>
+      <a:fillRef idx="1">
+        <a:scrgbClr r="0" g="0" b="0"/>
+      </a:fillRef>
+      <a:effectRef idx="0">
+        <a:scrgbClr r="0" g="0" b="0"/>
+      </a:effectRef>
+      <a:fontRef idx="minor"/>
+    </dgm:style>
+  </dgm:styleLbl>
+  <dgm:styleLbl name="fgAcc3">
+    <dgm:scene3d>
+      <a:camera prst="orthographicFront"/>
+      <a:lightRig rig="threePt" dir="t"/>
+    </dgm:scene3d>
+    <dgm:sp3d/>
+    <dgm:txPr/>
+    <dgm:style>
+      <a:lnRef idx="2">
+        <a:scrgbClr r="0" g="0" b="0"/>
+      </a:lnRef>
+      <a:fillRef idx="1">
+        <a:scrgbClr r="0" g="0" b="0"/>
+      </a:fillRef>
+      <a:effectRef idx="0">
+        <a:scrgbClr r="0" g="0" b="0"/>
+      </a:effectRef>
+      <a:fontRef idx="minor"/>
+    </dgm:style>
+  </dgm:styleLbl>
+  <dgm:styleLbl name="fgAcc4">
+    <dgm:scene3d>
+      <a:camera prst="orthographicFront"/>
+      <a:lightRig rig="threePt" dir="t"/>
+    </dgm:scene3d>
+    <dgm:sp3d/>
+    <dgm:txPr/>
+    <dgm:style>
+      <a:lnRef idx="2">
+        <a:scrgbClr r="0" g="0" b="0"/>
+      </a:lnRef>
+      <a:fillRef idx="1">
+        <a:scrgbClr r="0" g="0" b="0"/>
+      </a:fillRef>
+      <a:effectRef idx="0">
+        <a:scrgbClr r="0" g="0" b="0"/>
+      </a:effectRef>
+      <a:fontRef idx="minor"/>
+    </dgm:style>
+  </dgm:styleLbl>
+  <dgm:styleLbl name="bgShp">
+    <dgm:scene3d>
+      <a:camera prst="orthographicFront"/>
+      <a:lightRig rig="threePt" dir="t"/>
+    </dgm:scene3d>
+    <dgm:sp3d/>
+    <dgm:txPr/>
+    <dgm:style>
+      <a:lnRef idx="0">
+        <a:scrgbClr r="0" g="0" b="0"/>
+      </a:lnRef>
+      <a:fillRef idx="1">
+        <a:scrgbClr r="0" g="0" b="0"/>
+      </a:fillRef>
+      <a:effectRef idx="0">
+        <a:scrgbClr r="0" g="0" b="0"/>
+      </a:effectRef>
+      <a:fontRef idx="minor"/>
+    </dgm:style>
+  </dgm:styleLbl>
+  <dgm:styleLbl name="dkBgShp">
+    <dgm:scene3d>
+      <a:camera prst="orthographicFront"/>
+      <a:lightRig rig="threePt" dir="t"/>
+    </dgm:scene3d>
+    <dgm:sp3d/>
+    <dgm:txPr/>
+    <dgm:style>
+      <a:lnRef idx="0">
+        <a:scrgbClr r="0" g="0" b="0"/>
+      </a:lnRef>
+      <a:fillRef idx="1">
+        <a:scrgbClr r="0" g="0" b="0"/>
+      </a:fillRef>
+      <a:effectRef idx="0">
+        <a:scrgbClr r="0" g="0" b="0"/>
+      </a:effectRef>
+      <a:fontRef idx="minor"/>
+    </dgm:style>
+  </dgm:styleLbl>
+  <dgm:styleLbl name="trBgShp">
+    <dgm:scene3d>
+      <a:camera prst="orthographicFront"/>
+      <a:lightRig rig="threePt" dir="t"/>
+    </dgm:scene3d>
+    <dgm:sp3d/>
+    <dgm:txPr/>
+    <dgm:style>
+      <a:lnRef idx="0">
+        <a:scrgbClr r="0" g="0" b="0"/>
+      </a:lnRef>
+      <a:fillRef idx="1">
+        <a:scrgbClr r="0" g="0" b="0"/>
+      </a:fillRef>
+      <a:effectRef idx="0">
+        <a:scrgbClr r="0" g="0" b="0"/>
+      </a:effectRef>
+      <a:fontRef idx="minor"/>
+    </dgm:style>
+  </dgm:styleLbl>
+  <dgm:styleLbl name="fgShp">
+    <dgm:scene3d>
+      <a:camera prst="orthographicFront"/>
+      <a:lightRig rig="threePt" dir="t"/>
+    </dgm:scene3d>
+    <dgm:sp3d/>
+    <dgm:txPr/>
+    <dgm:style>
+      <a:lnRef idx="2">
+        <a:scrgbClr r="0" g="0" b="0"/>
+      </a:lnRef>
+      <a:fillRef idx="1">
+        <a:scrgbClr r="0" g="0" b="0"/>
+      </a:fillRef>
+      <a:effectRef idx="0">
+        <a:scrgbClr r="0" g="0" b="0"/>
+      </a:effectRef>
+      <a:fontRef idx="minor"/>
+    </dgm:style>
+  </dgm:styleLbl>
+  <dgm:styleLbl name="revTx">
+    <dgm:scene3d>
+      <a:camera prst="orthographicFront"/>
+      <a:lightRig rig="threePt" dir="t"/>
+    </dgm:scene3d>
+    <dgm:sp3d/>
+    <dgm:txPr/>
+    <dgm:style>
+      <a:lnRef idx="0">
+        <a:scrgbClr r="0" g="0" b="0"/>
+      </a:lnRef>
+      <a:fillRef idx="0">
+        <a:scrgbClr r="0" g="0" b="0"/>
+      </a:fillRef>
+      <a:effectRef idx="0">
+        <a:scrgbClr r="0" g="0" b="0"/>
+      </a:effectRef>
+      <a:fontRef idx="minor"/>
+    </dgm:style>
+  </dgm:styleLbl>
+</dgm:styleDef>
+</file>
+
 <file path=ppt/notesMasters/notesMaster1.xml><?xml version="1.0" encoding="utf-8"?>
 <p:notesMaster xmlns:a="http://schemas.openxmlformats.org/drawingml/2006/main" xmlns:r="http://schemas.openxmlformats.org/officeDocument/2006/relationships" xmlns:p="http://schemas.openxmlformats.org/presentationml/2006/main">
   <p:cSld>
@@ -202,7 +6778,7 @@
           <a:p>
             <a:fld id="{82604E9E-60DE-417E-849E-2CDE7F357628}" type="datetimeFigureOut">
               <a:rPr lang="en-US" smtClean="0"/>
-              <a:t>7/26/2017</a:t>
+              <a:t>7/27/2017</a:t>
             </a:fld>
             <a:endParaRPr lang="en-US"/>
           </a:p>
@@ -554,6 +7130,296 @@
 </p:notes>
 </file>
 
+<file path=ppt/notesSlides/notesSlide2.xml><?xml version="1.0" encoding="utf-8"?>
+<p:notes xmlns:a="http://schemas.openxmlformats.org/drawingml/2006/main" xmlns:r="http://schemas.openxmlformats.org/officeDocument/2006/relationships" xmlns:p="http://schemas.openxmlformats.org/presentationml/2006/main">
+  <p:cSld>
+    <p:spTree>
+      <p:nvGrpSpPr>
+        <p:cNvPr id="1" name=""/>
+        <p:cNvGrpSpPr/>
+        <p:nvPr/>
+      </p:nvGrpSpPr>
+      <p:grpSpPr>
+        <a:xfrm>
+          <a:off x="0" y="0"/>
+          <a:ext cx="0" cy="0"/>
+          <a:chOff x="0" y="0"/>
+          <a:chExt cx="0" cy="0"/>
+        </a:xfrm>
+      </p:grpSpPr>
+      <p:sp>
+        <p:nvSpPr>
+          <p:cNvPr id="2" name="슬라이드 이미지 개체 틀 1"/>
+          <p:cNvSpPr>
+            <a:spLocks noGrp="1" noRot="1" noChangeAspect="1"/>
+          </p:cNvSpPr>
+          <p:nvPr>
+            <p:ph type="sldImg"/>
+          </p:nvPr>
+        </p:nvSpPr>
+        <p:spPr/>
+      </p:sp>
+      <p:sp>
+        <p:nvSpPr>
+          <p:cNvPr id="3" name="슬라이드 노트 개체 틀 2"/>
+          <p:cNvSpPr>
+            <a:spLocks noGrp="1"/>
+          </p:cNvSpPr>
+          <p:nvPr>
+            <p:ph type="body" idx="1"/>
+          </p:nvPr>
+        </p:nvSpPr>
+        <p:spPr/>
+        <p:txBody>
+          <a:bodyPr/>
+          <a:lstStyle/>
+          <a:p>
+            <a:r>
+              <a:rPr lang="en-GB" dirty="0"/>
+              <a:t>Making a new app need computer programmer.</a:t>
+            </a:r>
+          </a:p>
+          <a:p>
+            <a:r>
+              <a:rPr lang="en-GB" dirty="0"/>
+              <a:t>But they are not only people to it.</a:t>
+            </a:r>
+          </a:p>
+          <a:p>
+            <a:pPr marL="0" marR="0" lvl="0" indent="0" algn="l" defTabSz="914400" rtl="0" eaLnBrk="1" fontAlgn="auto" latinLnBrk="0" hangingPunct="1">
+              <a:lnSpc>
+                <a:spcPct val="100000"/>
+              </a:lnSpc>
+              <a:spcBef>
+                <a:spcPts val="0"/>
+              </a:spcBef>
+              <a:spcAft>
+                <a:spcPts val="0"/>
+              </a:spcAft>
+              <a:buClrTx/>
+              <a:buSzTx/>
+              <a:buFontTx/>
+              <a:buNone/>
+              <a:tabLst/>
+              <a:defRPr/>
+            </a:pPr>
+            <a:r>
+              <a:rPr lang="en-GB" dirty="0"/>
+              <a:t>But also they need help from designer and coordinator, who give Idea and design for the app.</a:t>
+            </a:r>
+          </a:p>
+          <a:p>
+            <a:endParaRPr lang="en-US" dirty="0"/>
+          </a:p>
+        </p:txBody>
+      </p:sp>
+      <p:sp>
+        <p:nvSpPr>
+          <p:cNvPr id="4" name="슬라이드 번호 개체 틀 3"/>
+          <p:cNvSpPr>
+            <a:spLocks noGrp="1"/>
+          </p:cNvSpPr>
+          <p:nvPr>
+            <p:ph type="sldNum" sz="quarter" idx="10"/>
+          </p:nvPr>
+        </p:nvSpPr>
+        <p:spPr/>
+        <p:txBody>
+          <a:bodyPr/>
+          <a:lstStyle/>
+          <a:p>
+            <a:fld id="{772745C2-B5F1-4B10-8C0E-DEBCE2EB7236}" type="slidenum">
+              <a:rPr lang="en-US" smtClean="0"/>
+              <a:t>2</a:t>
+            </a:fld>
+            <a:endParaRPr lang="en-US"/>
+          </a:p>
+        </p:txBody>
+      </p:sp>
+    </p:spTree>
+    <p:extLst>
+      <p:ext uri="{BB962C8B-B14F-4D97-AF65-F5344CB8AC3E}">
+        <p14:creationId xmlns:p14="http://schemas.microsoft.com/office/powerpoint/2010/main" val="3383444594"/>
+      </p:ext>
+    </p:extLst>
+  </p:cSld>
+  <p:clrMapOvr>
+    <a:masterClrMapping/>
+  </p:clrMapOvr>
+</p:notes>
+</file>
+
+<file path=ppt/notesSlides/notesSlide3.xml><?xml version="1.0" encoding="utf-8"?>
+<p:notes xmlns:a="http://schemas.openxmlformats.org/drawingml/2006/main" xmlns:r="http://schemas.openxmlformats.org/officeDocument/2006/relationships" xmlns:p="http://schemas.openxmlformats.org/presentationml/2006/main">
+  <p:cSld>
+    <p:spTree>
+      <p:nvGrpSpPr>
+        <p:cNvPr id="1" name=""/>
+        <p:cNvGrpSpPr/>
+        <p:nvPr/>
+      </p:nvGrpSpPr>
+      <p:grpSpPr>
+        <a:xfrm>
+          <a:off x="0" y="0"/>
+          <a:ext cx="0" cy="0"/>
+          <a:chOff x="0" y="0"/>
+          <a:chExt cx="0" cy="0"/>
+        </a:xfrm>
+      </p:grpSpPr>
+      <p:sp>
+        <p:nvSpPr>
+          <p:cNvPr id="2" name="슬라이드 이미지 개체 틀 1"/>
+          <p:cNvSpPr>
+            <a:spLocks noGrp="1" noRot="1" noChangeAspect="1"/>
+          </p:cNvSpPr>
+          <p:nvPr>
+            <p:ph type="sldImg"/>
+          </p:nvPr>
+        </p:nvSpPr>
+        <p:spPr/>
+      </p:sp>
+      <p:sp>
+        <p:nvSpPr>
+          <p:cNvPr id="3" name="슬라이드 노트 개체 틀 2"/>
+          <p:cNvSpPr>
+            <a:spLocks noGrp="1"/>
+          </p:cNvSpPr>
+          <p:nvPr>
+            <p:ph type="body" idx="1"/>
+          </p:nvPr>
+        </p:nvSpPr>
+        <p:spPr/>
+        <p:txBody>
+          <a:bodyPr/>
+          <a:lstStyle/>
+          <a:p>
+            <a:endParaRPr lang="en-US" dirty="0"/>
+          </a:p>
+        </p:txBody>
+      </p:sp>
+      <p:sp>
+        <p:nvSpPr>
+          <p:cNvPr id="4" name="슬라이드 번호 개체 틀 3"/>
+          <p:cNvSpPr>
+            <a:spLocks noGrp="1"/>
+          </p:cNvSpPr>
+          <p:nvPr>
+            <p:ph type="sldNum" sz="quarter" idx="10"/>
+          </p:nvPr>
+        </p:nvSpPr>
+        <p:spPr/>
+        <p:txBody>
+          <a:bodyPr/>
+          <a:lstStyle/>
+          <a:p>
+            <a:fld id="{772745C2-B5F1-4B10-8C0E-DEBCE2EB7236}" type="slidenum">
+              <a:rPr lang="en-US" smtClean="0"/>
+              <a:t>3</a:t>
+            </a:fld>
+            <a:endParaRPr lang="en-US"/>
+          </a:p>
+        </p:txBody>
+      </p:sp>
+    </p:spTree>
+    <p:extLst>
+      <p:ext uri="{BB962C8B-B14F-4D97-AF65-F5344CB8AC3E}">
+        <p14:creationId xmlns:p14="http://schemas.microsoft.com/office/powerpoint/2010/main" val="3539466887"/>
+      </p:ext>
+    </p:extLst>
+  </p:cSld>
+  <p:clrMapOvr>
+    <a:masterClrMapping/>
+  </p:clrMapOvr>
+</p:notes>
+</file>
+
+<file path=ppt/notesSlides/notesSlide4.xml><?xml version="1.0" encoding="utf-8"?>
+<p:notes xmlns:a="http://schemas.openxmlformats.org/drawingml/2006/main" xmlns:r="http://schemas.openxmlformats.org/officeDocument/2006/relationships" xmlns:p="http://schemas.openxmlformats.org/presentationml/2006/main">
+  <p:cSld>
+    <p:spTree>
+      <p:nvGrpSpPr>
+        <p:cNvPr id="1" name=""/>
+        <p:cNvGrpSpPr/>
+        <p:nvPr/>
+      </p:nvGrpSpPr>
+      <p:grpSpPr>
+        <a:xfrm>
+          <a:off x="0" y="0"/>
+          <a:ext cx="0" cy="0"/>
+          <a:chOff x="0" y="0"/>
+          <a:chExt cx="0" cy="0"/>
+        </a:xfrm>
+      </p:grpSpPr>
+      <p:sp>
+        <p:nvSpPr>
+          <p:cNvPr id="2" name="슬라이드 이미지 개체 틀 1"/>
+          <p:cNvSpPr>
+            <a:spLocks noGrp="1" noRot="1" noChangeAspect="1"/>
+          </p:cNvSpPr>
+          <p:nvPr>
+            <p:ph type="sldImg"/>
+          </p:nvPr>
+        </p:nvSpPr>
+        <p:spPr/>
+      </p:sp>
+      <p:sp>
+        <p:nvSpPr>
+          <p:cNvPr id="3" name="슬라이드 노트 개체 틀 2"/>
+          <p:cNvSpPr>
+            <a:spLocks noGrp="1"/>
+          </p:cNvSpPr>
+          <p:nvPr>
+            <p:ph type="body" idx="1"/>
+          </p:nvPr>
+        </p:nvSpPr>
+        <p:spPr/>
+        <p:txBody>
+          <a:bodyPr/>
+          <a:lstStyle/>
+          <a:p>
+            <a:r>
+              <a:rPr lang="en-US" dirty="0"/>
+              <a:t>https://www.youtube.com/watch?v=hPXS7rC1PWo</a:t>
+            </a:r>
+          </a:p>
+        </p:txBody>
+      </p:sp>
+      <p:sp>
+        <p:nvSpPr>
+          <p:cNvPr id="4" name="슬라이드 번호 개체 틀 3"/>
+          <p:cNvSpPr>
+            <a:spLocks noGrp="1"/>
+          </p:cNvSpPr>
+          <p:nvPr>
+            <p:ph type="sldNum" sz="quarter" idx="10"/>
+          </p:nvPr>
+        </p:nvSpPr>
+        <p:spPr/>
+        <p:txBody>
+          <a:bodyPr/>
+          <a:lstStyle/>
+          <a:p>
+            <a:fld id="{772745C2-B5F1-4B10-8C0E-DEBCE2EB7236}" type="slidenum">
+              <a:rPr lang="en-US" smtClean="0"/>
+              <a:t>4</a:t>
+            </a:fld>
+            <a:endParaRPr lang="en-US"/>
+          </a:p>
+        </p:txBody>
+      </p:sp>
+    </p:spTree>
+    <p:extLst>
+      <p:ext uri="{BB962C8B-B14F-4D97-AF65-F5344CB8AC3E}">
+        <p14:creationId xmlns:p14="http://schemas.microsoft.com/office/powerpoint/2010/main" val="2286375185"/>
+      </p:ext>
+    </p:extLst>
+  </p:cSld>
+  <p:clrMapOvr>
+    <a:masterClrMapping/>
+  </p:clrMapOvr>
+</p:notes>
+</file>
+
 <file path=ppt/slideLayouts/slideLayout1.xml><?xml version="1.0" encoding="utf-8"?>
 <p:sldLayout xmlns:a="http://schemas.openxmlformats.org/drawingml/2006/main" xmlns:r="http://schemas.openxmlformats.org/officeDocument/2006/relationships" xmlns:p="http://schemas.openxmlformats.org/presentationml/2006/main" type="title" preserve="1">
   <p:cSld name="제목 슬라이드">
@@ -717,7 +7583,7 @@
           <a:p>
             <a:fld id="{0D913C1F-5111-45C8-8646-4E60C4FCFD33}" type="datetime1">
               <a:rPr lang="en-US" smtClean="0"/>
-              <a:t>7/26/2017</a:t>
+              <a:t>7/27/2017</a:t>
             </a:fld>
             <a:endParaRPr lang="en-US"/>
           </a:p>
@@ -892,7 +7758,7 @@
           <a:p>
             <a:fld id="{D3A57730-C926-45F0-9361-C8E6CC7EFAB1}" type="datetime1">
               <a:rPr lang="en-US" smtClean="0"/>
-              <a:t>7/26/2017</a:t>
+              <a:t>7/27/2017</a:t>
             </a:fld>
             <a:endParaRPr lang="en-US"/>
           </a:p>
@@ -1072,7 +7938,7 @@
           <a:p>
             <a:fld id="{72F94769-6EA4-484E-8E33-A5D2CCD7F3B4}" type="datetime1">
               <a:rPr lang="en-US" smtClean="0"/>
-              <a:t>7/26/2017</a:t>
+              <a:t>7/27/2017</a:t>
             </a:fld>
             <a:endParaRPr lang="en-US"/>
           </a:p>
@@ -1242,7 +8108,7 @@
           <a:p>
             <a:fld id="{875CDD8C-CF5A-4DB3-98F8-3A2639B39FE9}" type="datetime1">
               <a:rPr lang="en-US" smtClean="0"/>
-              <a:t>7/26/2017</a:t>
+              <a:t>7/27/2017</a:t>
             </a:fld>
             <a:endParaRPr lang="en-US"/>
           </a:p>
@@ -1510,7 +8376,7 @@
           <a:p>
             <a:fld id="{73567B6B-69B5-4721-8DDE-4EEC9B6DCE0D}" type="datetime1">
               <a:rPr lang="en-US" smtClean="0"/>
-              <a:t>7/26/2017</a:t>
+              <a:t>7/27/2017</a:t>
             </a:fld>
             <a:endParaRPr lang="en-US"/>
           </a:p>
@@ -1742,7 +8608,7 @@
           <a:p>
             <a:fld id="{98DD2B97-22CE-4922-9B75-1DD88489AFD6}" type="datetime1">
               <a:rPr lang="en-US" smtClean="0"/>
-              <a:t>7/26/2017</a:t>
+              <a:t>7/27/2017</a:t>
             </a:fld>
             <a:endParaRPr lang="en-US"/>
           </a:p>
@@ -2101,7 +8967,7 @@
           <a:p>
             <a:fld id="{71335CB9-B160-4C99-9B3C-64E62B2B8AA1}" type="datetime1">
               <a:rPr lang="en-US" smtClean="0"/>
-              <a:t>7/26/2017</a:t>
+              <a:t>7/27/2017</a:t>
             </a:fld>
             <a:endParaRPr lang="en-US"/>
           </a:p>
@@ -2242,7 +9108,7 @@
           <a:p>
             <a:fld id="{AB5FD2A9-980D-4792-8107-6837CF22CACC}" type="datetime1">
               <a:rPr lang="en-US" smtClean="0"/>
-              <a:t>7/26/2017</a:t>
+              <a:t>7/27/2017</a:t>
             </a:fld>
             <a:endParaRPr lang="en-US"/>
           </a:p>
@@ -2337,7 +9203,7 @@
           <a:p>
             <a:fld id="{AE49ADA3-5F6C-44F2-923F-B96DDB41268F}" type="datetime1">
               <a:rPr lang="en-US" smtClean="0"/>
-              <a:t>7/26/2017</a:t>
+              <a:t>7/27/2017</a:t>
             </a:fld>
             <a:endParaRPr lang="en-US"/>
           </a:p>
@@ -2694,7 +9560,7 @@
           <a:p>
             <a:fld id="{CD641920-CFA1-454E-AD47-3EEEB5605BD0}" type="datetime1">
               <a:rPr lang="en-US" smtClean="0"/>
-              <a:t>7/26/2017</a:t>
+              <a:t>7/27/2017</a:t>
             </a:fld>
             <a:endParaRPr lang="en-US"/>
           </a:p>
@@ -3051,7 +9917,7 @@
           <a:p>
             <a:fld id="{F3A5C466-8A77-4A43-A9E6-B875AC354BDD}" type="datetime1">
               <a:rPr lang="en-US" smtClean="0"/>
-              <a:t>7/26/2017</a:t>
+              <a:t>7/27/2017</a:t>
             </a:fld>
             <a:endParaRPr lang="en-US"/>
           </a:p>
@@ -3292,7 +10158,7 @@
           <a:p>
             <a:fld id="{8C1F079E-EE37-4F70-8A6F-71D0624FBE44}" type="datetime1">
               <a:rPr lang="en-US" smtClean="0"/>
-              <a:t>7/26/2017</a:t>
+              <a:t>7/27/2017</a:t>
             </a:fld>
             <a:endParaRPr lang="en-US"/>
           </a:p>
@@ -3893,6 +10759,109 @@
           <a:chExt cx="0" cy="0"/>
         </a:xfrm>
       </p:grpSpPr>
+      <p:sp useBgFill="1">
+        <p:nvSpPr>
+          <p:cNvPr id="11" name="Rectangle 10"/>
+          <p:cNvSpPr>
+            <a:spLocks noGrp="1" noRot="1" noChangeAspect="1" noMove="1" noResize="1" noEditPoints="1" noAdjustHandles="1" noChangeArrowheads="1" noChangeShapeType="1" noTextEdit="1"/>
+          </p:cNvSpPr>
+          <p:nvPr>
+            <p:extLst>
+              <p:ext uri="{386F3935-93C4-4BCD-93E2-E3B085C9AB24}">
+                <p16:designElem xmlns:p16="http://schemas.microsoft.com/office/powerpoint/2015/main" val="1"/>
+              </p:ext>
+            </p:extLst>
+          </p:nvPr>
+        </p:nvSpPr>
+        <p:spPr>
+          <a:xfrm>
+            <a:off x="0" y="0"/>
+            <a:ext cx="12191999" cy="6858000"/>
+          </a:xfrm>
+          <a:prstGeom prst="rect">
+            <a:avLst/>
+          </a:prstGeom>
+          <a:ln>
+            <a:noFill/>
+          </a:ln>
+        </p:spPr>
+        <p:style>
+          <a:lnRef idx="2">
+            <a:schemeClr val="accent1">
+              <a:shade val="50000"/>
+            </a:schemeClr>
+          </a:lnRef>
+          <a:fillRef idx="1">
+            <a:schemeClr val="accent1"/>
+          </a:fillRef>
+          <a:effectRef idx="0">
+            <a:schemeClr val="accent1"/>
+          </a:effectRef>
+          <a:fontRef idx="minor">
+            <a:schemeClr val="lt1"/>
+          </a:fontRef>
+        </p:style>
+        <p:txBody>
+          <a:bodyPr rtlCol="0" anchor="ctr"/>
+          <a:lstStyle/>
+          <a:p>
+            <a:pPr algn="ctr"/>
+            <a:endParaRPr lang="en-US"/>
+          </a:p>
+        </p:txBody>
+      </p:sp>
+      <p:sp>
+        <p:nvSpPr>
+          <p:cNvPr id="13" name="Rectangle 12"/>
+          <p:cNvSpPr>
+            <a:spLocks noGrp="1" noRot="1" noChangeAspect="1" noMove="1" noResize="1" noEditPoints="1" noAdjustHandles="1" noChangeArrowheads="1" noChangeShapeType="1" noTextEdit="1"/>
+          </p:cNvSpPr>
+          <p:nvPr>
+            <p:extLst>
+              <p:ext uri="{386F3935-93C4-4BCD-93E2-E3B085C9AB24}">
+                <p16:designElem xmlns:p16="http://schemas.microsoft.com/office/powerpoint/2015/main" val="1"/>
+              </p:ext>
+            </p:extLst>
+          </p:nvPr>
+        </p:nvSpPr>
+        <p:spPr>
+          <a:xfrm>
+            <a:off x="0" y="0"/>
+            <a:ext cx="4654296" cy="6858000"/>
+          </a:xfrm>
+          <a:prstGeom prst="rect">
+            <a:avLst/>
+          </a:prstGeom>
+          <a:solidFill>
+            <a:schemeClr val="tx2"/>
+          </a:solidFill>
+          <a:ln>
+            <a:noFill/>
+          </a:ln>
+        </p:spPr>
+        <p:style>
+          <a:lnRef idx="0">
+            <a:scrgbClr r="0" g="0" b="0"/>
+          </a:lnRef>
+          <a:fillRef idx="0">
+            <a:scrgbClr r="0" g="0" b="0"/>
+          </a:fillRef>
+          <a:effectRef idx="0">
+            <a:scrgbClr r="0" g="0" b="0"/>
+          </a:effectRef>
+          <a:fontRef idx="minor">
+            <a:schemeClr val="lt1"/>
+          </a:fontRef>
+        </p:style>
+        <p:txBody>
+          <a:bodyPr rtlCol="0" anchor="ctr"/>
+          <a:lstStyle/>
+          <a:p>
+            <a:pPr algn="ctr"/>
+            <a:endParaRPr lang="en-US"/>
+          </a:p>
+        </p:txBody>
+      </p:sp>
       <p:sp>
         <p:nvSpPr>
           <p:cNvPr id="2" name="제목 1">
@@ -3909,6 +10878,274 @@
             <p:ph type="title"/>
           </p:nvPr>
         </p:nvSpPr>
+        <p:spPr>
+          <a:xfrm>
+            <a:off x="643467" y="2681103"/>
+            <a:ext cx="3363974" cy="1495794"/>
+          </a:xfrm>
+          <a:noFill/>
+          <a:ln>
+            <a:solidFill>
+              <a:schemeClr val="bg1"/>
+            </a:solidFill>
+          </a:ln>
+        </p:spPr>
+        <p:txBody>
+          <a:bodyPr wrap="square">
+            <a:normAutofit/>
+          </a:bodyPr>
+          <a:lstStyle/>
+          <a:p>
+            <a:r>
+              <a:rPr lang="en-US" sz="2600">
+                <a:solidFill>
+                  <a:schemeClr val="bg1"/>
+                </a:solidFill>
+              </a:rPr>
+              <a:t>Process of Making New Web App</a:t>
+            </a:r>
+          </a:p>
+        </p:txBody>
+      </p:sp>
+      <p:graphicFrame>
+        <p:nvGraphicFramePr>
+          <p:cNvPr id="6" name="내용 개체 틀 2"/>
+          <p:cNvGraphicFramePr>
+            <a:graphicFrameLocks noGrp="1"/>
+          </p:cNvGraphicFramePr>
+          <p:nvPr>
+            <p:ph idx="1"/>
+            <p:extLst>
+              <p:ext uri="{D42A27DB-BD31-4B8C-83A1-F6EECF244321}">
+                <p14:modId xmlns:p14="http://schemas.microsoft.com/office/powerpoint/2010/main" val="1820684577"/>
+              </p:ext>
+            </p:extLst>
+          </p:nvPr>
+        </p:nvGraphicFramePr>
+        <p:xfrm>
+          <a:off x="4894362" y="2463800"/>
+          <a:ext cx="7057571" cy="1930400"/>
+        </p:xfrm>
+        <a:graphic>
+          <a:graphicData uri="http://schemas.openxmlformats.org/drawingml/2006/diagram">
+            <dgm:relIds xmlns:dgm="http://schemas.openxmlformats.org/drawingml/2006/diagram" xmlns:r="http://schemas.openxmlformats.org/officeDocument/2006/relationships" r:dm="rId3" r:lo="rId4" r:qs="rId5" r:cs="rId6"/>
+          </a:graphicData>
+        </a:graphic>
+      </p:graphicFrame>
+      <p:sp>
+        <p:nvSpPr>
+          <p:cNvPr id="8" name="슬라이드 번호 개체 틀 3">
+            <a:extLst>
+              <a:ext uri="{FF2B5EF4-FFF2-40B4-BE49-F238E27FC236}">
+                <a16:creationId xmlns:a16="http://schemas.microsoft.com/office/drawing/2014/main" id="{F74E4C08-C325-4860-9153-741CA9D5582A}"/>
+              </a:ext>
+            </a:extLst>
+          </p:cNvPr>
+          <p:cNvSpPr>
+            <a:spLocks noGrp="1"/>
+          </p:cNvSpPr>
+          <p:nvPr>
+            <p:ph type="sldNum" sz="quarter" idx="12"/>
+          </p:nvPr>
+        </p:nvSpPr>
+        <p:spPr>
+          <a:xfrm>
+            <a:off x="11704320" y="6400800"/>
+            <a:ext cx="365760" cy="365760"/>
+          </a:xfrm>
+        </p:spPr>
+        <p:txBody>
+          <a:bodyPr/>
+          <a:lstStyle/>
+          <a:p>
+            <a:fld id="{8B9A499C-E7AC-4E74-9635-A20519089A3A}" type="slidenum">
+              <a:rPr lang="en-US" smtClean="0"/>
+              <a:t>2</a:t>
+            </a:fld>
+            <a:endParaRPr lang="en-US" dirty="0"/>
+          </a:p>
+        </p:txBody>
+      </p:sp>
+    </p:spTree>
+    <p:extLst>
+      <p:ext uri="{BB962C8B-B14F-4D97-AF65-F5344CB8AC3E}">
+        <p14:creationId xmlns:p14="http://schemas.microsoft.com/office/powerpoint/2010/main" val="1091391866"/>
+      </p:ext>
+    </p:extLst>
+  </p:cSld>
+  <p:clrMapOvr>
+    <a:masterClrMapping/>
+  </p:clrMapOvr>
+</p:sld>
+</file>
+
+<file path=ppt/slides/slide3.xml><?xml version="1.0" encoding="utf-8"?>
+<p:sld xmlns:a="http://schemas.openxmlformats.org/drawingml/2006/main" xmlns:r="http://schemas.openxmlformats.org/officeDocument/2006/relationships" xmlns:p="http://schemas.openxmlformats.org/presentationml/2006/main">
+  <p:cSld>
+    <p:bg>
+      <p:bgPr>
+        <a:solidFill>
+          <a:schemeClr val="bg1">
+            <a:lumMod val="95000"/>
+          </a:schemeClr>
+        </a:solidFill>
+        <a:effectLst/>
+      </p:bgPr>
+    </p:bg>
+    <p:spTree>
+      <p:nvGrpSpPr>
+        <p:cNvPr id="1" name=""/>
+        <p:cNvGrpSpPr/>
+        <p:nvPr/>
+      </p:nvGrpSpPr>
+      <p:grpSpPr>
+        <a:xfrm>
+          <a:off x="0" y="0"/>
+          <a:ext cx="0" cy="0"/>
+          <a:chOff x="0" y="0"/>
+          <a:chExt cx="0" cy="0"/>
+        </a:xfrm>
+      </p:grpSpPr>
+      <p:sp>
+        <p:nvSpPr>
+          <p:cNvPr id="2" name="제목 1">
+            <a:extLst>
+              <a:ext uri="{FF2B5EF4-FFF2-40B4-BE49-F238E27FC236}">
+                <a16:creationId xmlns:a16="http://schemas.microsoft.com/office/drawing/2014/main" id="{73036F55-C625-40EA-8E8E-C3296855A10D}"/>
+              </a:ext>
+            </a:extLst>
+          </p:cNvPr>
+          <p:cNvSpPr>
+            <a:spLocks noGrp="1"/>
+          </p:cNvSpPr>
+          <p:nvPr>
+            <p:ph type="title"/>
+          </p:nvPr>
+        </p:nvSpPr>
+        <p:spPr>
+          <a:xfrm>
+            <a:off x="2231136" y="964692"/>
+            <a:ext cx="7729728" cy="1188720"/>
+          </a:xfrm>
+        </p:spPr>
+        <p:txBody>
+          <a:bodyPr>
+            <a:normAutofit/>
+          </a:bodyPr>
+          <a:lstStyle/>
+          <a:p>
+            <a:r>
+              <a:rPr lang="en-US" dirty="0"/>
+              <a:t>Group Activity</a:t>
+            </a:r>
+          </a:p>
+        </p:txBody>
+      </p:sp>
+      <p:graphicFrame>
+        <p:nvGraphicFramePr>
+          <p:cNvPr id="6" name="내용 개체 틀 2"/>
+          <p:cNvGraphicFramePr>
+            <a:graphicFrameLocks noGrp="1"/>
+          </p:cNvGraphicFramePr>
+          <p:nvPr>
+            <p:ph idx="1"/>
+            <p:extLst>
+              <p:ext uri="{D42A27DB-BD31-4B8C-83A1-F6EECF244321}">
+                <p14:modId xmlns:p14="http://schemas.microsoft.com/office/powerpoint/2010/main" val="2834874122"/>
+              </p:ext>
+            </p:extLst>
+          </p:nvPr>
+        </p:nvGraphicFramePr>
+        <p:xfrm>
+          <a:off x="965200" y="2638425"/>
+          <a:ext cx="10261600" cy="3107748"/>
+        </p:xfrm>
+        <a:graphic>
+          <a:graphicData uri="http://schemas.openxmlformats.org/drawingml/2006/diagram">
+            <dgm:relIds xmlns:dgm="http://schemas.openxmlformats.org/drawingml/2006/diagram" xmlns:r="http://schemas.openxmlformats.org/officeDocument/2006/relationships" r:dm="rId3" r:lo="rId4" r:qs="rId5" r:cs="rId6"/>
+          </a:graphicData>
+        </a:graphic>
+      </p:graphicFrame>
+      <p:sp>
+        <p:nvSpPr>
+          <p:cNvPr id="8" name="슬라이드 번호 개체 틀 3">
+            <a:extLst>
+              <a:ext uri="{FF2B5EF4-FFF2-40B4-BE49-F238E27FC236}">
+                <a16:creationId xmlns:a16="http://schemas.microsoft.com/office/drawing/2014/main" id="{AE6F8A48-475F-48BD-AF63-6BA4236B33BD}"/>
+              </a:ext>
+            </a:extLst>
+          </p:cNvPr>
+          <p:cNvSpPr>
+            <a:spLocks noGrp="1"/>
+          </p:cNvSpPr>
+          <p:nvPr>
+            <p:ph type="sldNum" sz="quarter" idx="12"/>
+          </p:nvPr>
+        </p:nvSpPr>
+        <p:spPr>
+          <a:xfrm>
+            <a:off x="11704320" y="6400800"/>
+            <a:ext cx="365760" cy="365760"/>
+          </a:xfrm>
+        </p:spPr>
+        <p:txBody>
+          <a:bodyPr/>
+          <a:lstStyle/>
+          <a:p>
+            <a:fld id="{8B9A499C-E7AC-4E74-9635-A20519089A3A}" type="slidenum">
+              <a:rPr lang="en-US" smtClean="0"/>
+              <a:t>3</a:t>
+            </a:fld>
+            <a:endParaRPr lang="en-US" dirty="0"/>
+          </a:p>
+        </p:txBody>
+      </p:sp>
+    </p:spTree>
+    <p:extLst>
+      <p:ext uri="{BB962C8B-B14F-4D97-AF65-F5344CB8AC3E}">
+        <p14:creationId xmlns:p14="http://schemas.microsoft.com/office/powerpoint/2010/main" val="1892196663"/>
+      </p:ext>
+    </p:extLst>
+  </p:cSld>
+  <p:clrMapOvr>
+    <a:masterClrMapping/>
+  </p:clrMapOvr>
+</p:sld>
+</file>
+
+<file path=ppt/slides/slide4.xml><?xml version="1.0" encoding="utf-8"?>
+<p:sld xmlns:a="http://schemas.openxmlformats.org/drawingml/2006/main" xmlns:r="http://schemas.openxmlformats.org/officeDocument/2006/relationships" xmlns:p="http://schemas.openxmlformats.org/presentationml/2006/main">
+  <p:cSld>
+    <p:spTree>
+      <p:nvGrpSpPr>
+        <p:cNvPr id="1" name=""/>
+        <p:cNvGrpSpPr/>
+        <p:nvPr/>
+      </p:nvGrpSpPr>
+      <p:grpSpPr>
+        <a:xfrm>
+          <a:off x="0" y="0"/>
+          <a:ext cx="0" cy="0"/>
+          <a:chOff x="0" y="0"/>
+          <a:chExt cx="0" cy="0"/>
+        </a:xfrm>
+      </p:grpSpPr>
+      <p:sp>
+        <p:nvSpPr>
+          <p:cNvPr id="2" name="제목 1">
+            <a:extLst>
+              <a:ext uri="{FF2B5EF4-FFF2-40B4-BE49-F238E27FC236}">
+                <a16:creationId xmlns:a16="http://schemas.microsoft.com/office/drawing/2014/main" id="{A747B276-8D1D-47C1-8E1D-4E8979348CBD}"/>
+              </a:ext>
+            </a:extLst>
+          </p:cNvPr>
+          <p:cNvSpPr>
+            <a:spLocks noGrp="1"/>
+          </p:cNvSpPr>
+          <p:nvPr>
+            <p:ph type="title"/>
+          </p:nvPr>
+        </p:nvSpPr>
         <p:spPr/>
         <p:txBody>
           <a:bodyPr/>
@@ -3916,11 +11153,7 @@
           <a:p>
             <a:r>
               <a:rPr lang="en-US" dirty="0"/>
-              <a:t>Process </a:t>
-            </a:r>
-            <a:r>
-              <a:rPr lang="en-US"/>
-              <a:t>of Making New Web App</a:t>
+              <a:t>Design Example</a:t>
             </a:r>
           </a:p>
         </p:txBody>
@@ -3930,7 +11163,7 @@
           <p:cNvPr id="3" name="내용 개체 틀 2">
             <a:extLst>
               <a:ext uri="{FF2B5EF4-FFF2-40B4-BE49-F238E27FC236}">
-                <a16:creationId xmlns:a16="http://schemas.microsoft.com/office/drawing/2014/main" id="{61478373-747A-41D3-907F-EE037BBA2F57}"/>
+                <a16:creationId xmlns:a16="http://schemas.microsoft.com/office/drawing/2014/main" id="{A7204F51-2B38-411A-9F24-326AB796D58E}"/>
               </a:ext>
             </a:extLst>
           </p:cNvPr>
@@ -3946,7 +11179,41 @@
           <a:bodyPr/>
           <a:lstStyle/>
           <a:p>
+            <a:r>
+              <a:rPr lang="en-US" dirty="0"/>
+              <a:t>Group: Chris, </a:t>
+            </a:r>
+            <a:r>
+              <a:rPr lang="en-US" dirty="0" err="1"/>
+              <a:t>Yestin</a:t>
+            </a:r>
             <a:endParaRPr lang="en-US" dirty="0"/>
+          </a:p>
+          <a:p>
+            <a:r>
+              <a:rPr lang="en-US" dirty="0"/>
+              <a:t>Name: Music player Bot</a:t>
+            </a:r>
+          </a:p>
+          <a:p>
+            <a:r>
+              <a:rPr lang="en-US" dirty="0"/>
+              <a:t>Function: Play/pause music,</a:t>
+            </a:r>
+            <a:br>
+              <a:rPr lang="en-US" dirty="0"/>
+            </a:br>
+            <a:r>
+              <a:rPr lang="en-US" dirty="0"/>
+              <a:t>	   add to playlist, shuffle,</a:t>
+            </a:r>
+            <a:br>
+              <a:rPr lang="en-US" dirty="0"/>
+            </a:br>
+            <a:r>
+              <a:rPr lang="en-US" dirty="0"/>
+              <a:t>	   next/previous track</a:t>
+            </a:r>
           </a:p>
         </p:txBody>
       </p:sp>
@@ -3955,7 +11222,7 @@
           <p:cNvPr id="4" name="슬라이드 번호 개체 틀 3">
             <a:extLst>
               <a:ext uri="{FF2B5EF4-FFF2-40B4-BE49-F238E27FC236}">
-                <a16:creationId xmlns:a16="http://schemas.microsoft.com/office/drawing/2014/main" id="{D28DB2EC-2D64-4FE9-9C09-E9EA8BC269B6}"/>
+                <a16:creationId xmlns:a16="http://schemas.microsoft.com/office/drawing/2014/main" id="{8C8D217E-1C23-4B7E-ABEE-8EE0FBCE4BB7}"/>
               </a:ext>
             </a:extLst>
           </p:cNvPr>
@@ -3973,16 +11240,63 @@
           <a:p>
             <a:fld id="{8B9A499C-E7AC-4E74-9635-A20519089A3A}" type="slidenum">
               <a:rPr lang="en-US" smtClean="0"/>
-              <a:t>2</a:t>
+              <a:t>4</a:t>
             </a:fld>
             <a:endParaRPr lang="en-US"/>
           </a:p>
         </p:txBody>
       </p:sp>
+      <p:pic>
+        <p:nvPicPr>
+          <p:cNvPr id="1026" name="Picture 2" descr="https://timedotcom.files.wordpress.com/2016/11/161121_gift_college_echodot.jpg?w=560">
+            <a:extLst>
+              <a:ext uri="{FF2B5EF4-FFF2-40B4-BE49-F238E27FC236}">
+                <a16:creationId xmlns:a16="http://schemas.microsoft.com/office/drawing/2014/main" id="{25D384DE-7B80-4974-846B-E47E631DE8CB}"/>
+              </a:ext>
+            </a:extLst>
+          </p:cNvPr>
+          <p:cNvPicPr>
+            <a:picLocks noChangeAspect="1" noChangeArrowheads="1"/>
+          </p:cNvPicPr>
+          <p:nvPr/>
+        </p:nvPicPr>
+        <p:blipFill>
+          <a:blip r:embed="rId3">
+            <a:extLst>
+              <a:ext uri="{28A0092B-C50C-407E-A947-70E740481C1C}">
+                <a14:useLocalDpi xmlns:a14="http://schemas.microsoft.com/office/drawing/2010/main" val="0"/>
+              </a:ext>
+            </a:extLst>
+          </a:blip>
+          <a:srcRect/>
+          <a:stretch>
+            <a:fillRect/>
+          </a:stretch>
+        </p:blipFill>
+        <p:spPr bwMode="auto">
+          <a:xfrm>
+            <a:off x="6096000" y="2638044"/>
+            <a:ext cx="3678936" cy="2450434"/>
+          </a:xfrm>
+          <a:prstGeom prst="rect">
+            <a:avLst/>
+          </a:prstGeom>
+          <a:noFill/>
+          <a:extLst>
+            <a:ext uri="{909E8E84-426E-40DD-AFC4-6F175D3DCCD1}">
+              <a14:hiddenFill xmlns:a14="http://schemas.microsoft.com/office/drawing/2010/main">
+                <a:solidFill>
+                  <a:srgbClr val="FFFFFF"/>
+                </a:solidFill>
+              </a14:hiddenFill>
+            </a:ext>
+          </a:extLst>
+        </p:spPr>
+      </p:pic>
     </p:spTree>
     <p:extLst>
       <p:ext uri="{BB962C8B-B14F-4D97-AF65-F5344CB8AC3E}">
-        <p14:creationId xmlns:p14="http://schemas.microsoft.com/office/powerpoint/2010/main" val="1091391866"/>
+        <p14:creationId xmlns:p14="http://schemas.microsoft.com/office/powerpoint/2010/main" val="3416305303"/>
       </p:ext>
     </p:extLst>
   </p:cSld>
